--- a/03 - Presentation/Digital Disparity - Draft presentation.pptx
+++ b/03 - Presentation/Digital Disparity - Draft presentation.pptx
@@ -10,6 +10,16 @@
     <p:sldId id="257" r:id="rId4"/>
     <p:sldId id="258" r:id="rId5"/>
     <p:sldId id="259" r:id="rId6"/>
+    <p:sldId id="260" r:id="rId7"/>
+    <p:sldId id="261" r:id="rId8"/>
+    <p:sldId id="270" r:id="rId9"/>
+    <p:sldId id="262" r:id="rId10"/>
+    <p:sldId id="263" r:id="rId11"/>
+    <p:sldId id="264" r:id="rId12"/>
+    <p:sldId id="265" r:id="rId13"/>
+    <p:sldId id="266" r:id="rId14"/>
+    <p:sldId id="267" r:id="rId15"/>
+    <p:sldId id="268" r:id="rId16"/>
   </p:sldIdLst>
   <p:sldSz cx="12192000" cy="6858000"/>
   <p:notesSz cx="6858000" cy="9144000"/>
@@ -108,6 +118,11 @@
       </a:defRPr>
     </a:lvl9pPr>
   </p:defaultTextStyle>
+  <p:extLst>
+    <p:ext uri="{EFAFB233-063F-42B5-8137-9DF3F51BA10A}">
+      <p15:sldGuideLst xmlns:p15="http://schemas.microsoft.com/office/powerpoint/2012/main"/>
+    </p:ext>
+  </p:extLst>
 </p:presentation>
 </file>
 
@@ -8425,6 +8440,963 @@
     <p:extLst>
       <p:ext uri="{BB962C8B-B14F-4D97-AF65-F5344CB8AC3E}">
         <p14:creationId xmlns:p14="http://schemas.microsoft.com/office/powerpoint/2010/main" val="4096717297"/>
+      </p:ext>
+    </p:extLst>
+  </p:cSld>
+  <p:clrMapOvr>
+    <a:masterClrMapping/>
+  </p:clrMapOvr>
+</p:sld>
+</file>
+
+<file path=ppt/slides/slide10.xml><?xml version="1.0" encoding="utf-8"?>
+<p:sld xmlns:a="http://schemas.openxmlformats.org/drawingml/2006/main" xmlns:r="http://schemas.openxmlformats.org/officeDocument/2006/relationships" xmlns:p="http://schemas.openxmlformats.org/presentationml/2006/main">
+  <p:cSld>
+    <p:spTree>
+      <p:nvGrpSpPr>
+        <p:cNvPr id="1" name=""/>
+        <p:cNvGrpSpPr/>
+        <p:nvPr/>
+      </p:nvGrpSpPr>
+      <p:grpSpPr>
+        <a:xfrm>
+          <a:off x="0" y="0"/>
+          <a:ext cx="0" cy="0"/>
+          <a:chOff x="0" y="0"/>
+          <a:chExt cx="0" cy="0"/>
+        </a:xfrm>
+      </p:grpSpPr>
+      <p:pic>
+        <p:nvPicPr>
+          <p:cNvPr id="3074" name="Picture 2">
+            <a:extLst>
+              <a:ext uri="{FF2B5EF4-FFF2-40B4-BE49-F238E27FC236}">
+                <a16:creationId xmlns:a16="http://schemas.microsoft.com/office/drawing/2014/main" id="{654D1C78-521D-409D-A411-9709DCBEFE5B}"/>
+              </a:ext>
+            </a:extLst>
+          </p:cNvPr>
+          <p:cNvPicPr>
+            <a:picLocks noChangeAspect="1" noChangeArrowheads="1"/>
+          </p:cNvPicPr>
+          <p:nvPr/>
+        </p:nvPicPr>
+        <p:blipFill rotWithShape="1">
+          <a:blip r:embed="rId2">
+            <a:extLst>
+              <a:ext uri="{28A0092B-C50C-407E-A947-70E740481C1C}">
+                <a14:useLocalDpi xmlns:a14="http://schemas.microsoft.com/office/drawing/2010/main" val="0"/>
+              </a:ext>
+            </a:extLst>
+          </a:blip>
+          <a:srcRect l="666" r="11937"/>
+          <a:stretch/>
+        </p:blipFill>
+        <p:spPr bwMode="auto">
+          <a:xfrm>
+            <a:off x="1120478" y="1170252"/>
+            <a:ext cx="7009396" cy="4511350"/>
+          </a:xfrm>
+          <a:prstGeom prst="rect">
+            <a:avLst/>
+          </a:prstGeom>
+          <a:noFill/>
+          <a:extLst>
+            <a:ext uri="{909E8E84-426E-40DD-AFC4-6F175D3DCCD1}">
+              <a14:hiddenFill xmlns:a14="http://schemas.microsoft.com/office/drawing/2010/main">
+                <a:solidFill>
+                  <a:srgbClr val="FFFFFF"/>
+                </a:solidFill>
+              </a14:hiddenFill>
+            </a:ext>
+          </a:extLst>
+        </p:spPr>
+      </p:pic>
+    </p:spTree>
+    <p:extLst>
+      <p:ext uri="{BB962C8B-B14F-4D97-AF65-F5344CB8AC3E}">
+        <p14:creationId xmlns:p14="http://schemas.microsoft.com/office/powerpoint/2010/main" val="1468511627"/>
+      </p:ext>
+    </p:extLst>
+  </p:cSld>
+  <p:clrMapOvr>
+    <a:masterClrMapping/>
+  </p:clrMapOvr>
+</p:sld>
+</file>
+
+<file path=ppt/slides/slide11.xml><?xml version="1.0" encoding="utf-8"?>
+<p:sld xmlns:a="http://schemas.openxmlformats.org/drawingml/2006/main" xmlns:r="http://schemas.openxmlformats.org/officeDocument/2006/relationships" xmlns:p="http://schemas.openxmlformats.org/presentationml/2006/main">
+  <p:cSld>
+    <p:spTree>
+      <p:nvGrpSpPr>
+        <p:cNvPr id="1" name=""/>
+        <p:cNvGrpSpPr/>
+        <p:nvPr/>
+      </p:nvGrpSpPr>
+      <p:grpSpPr>
+        <a:xfrm>
+          <a:off x="0" y="0"/>
+          <a:ext cx="0" cy="0"/>
+          <a:chOff x="0" y="0"/>
+          <a:chExt cx="0" cy="0"/>
+        </a:xfrm>
+      </p:grpSpPr>
+      <p:pic>
+        <p:nvPicPr>
+          <p:cNvPr id="3074" name="Picture 2">
+            <a:extLst>
+              <a:ext uri="{FF2B5EF4-FFF2-40B4-BE49-F238E27FC236}">
+                <a16:creationId xmlns:a16="http://schemas.microsoft.com/office/drawing/2014/main" id="{654D1C78-521D-409D-A411-9709DCBEFE5B}"/>
+              </a:ext>
+            </a:extLst>
+          </p:cNvPr>
+          <p:cNvPicPr>
+            <a:picLocks noChangeAspect="1" noChangeArrowheads="1"/>
+          </p:cNvPicPr>
+          <p:nvPr/>
+        </p:nvPicPr>
+        <p:blipFill rotWithShape="1">
+          <a:blip r:embed="rId2">
+            <a:extLst>
+              <a:ext uri="{28A0092B-C50C-407E-A947-70E740481C1C}">
+                <a14:useLocalDpi xmlns:a14="http://schemas.microsoft.com/office/drawing/2010/main" val="0"/>
+              </a:ext>
+            </a:extLst>
+          </a:blip>
+          <a:srcRect r="1499"/>
+          <a:stretch/>
+        </p:blipFill>
+        <p:spPr bwMode="auto">
+          <a:xfrm>
+            <a:off x="20" y="10"/>
+            <a:ext cx="12009284" cy="6857990"/>
+          </a:xfrm>
+          <a:custGeom>
+            <a:avLst/>
+            <a:gdLst/>
+            <a:ahLst/>
+            <a:cxnLst/>
+            <a:rect l="l" t="t" r="r" b="b"/>
+            <a:pathLst>
+              <a:path w="12009304" h="6858000">
+                <a:moveTo>
+                  <a:pt x="8239723" y="5083103"/>
+                </a:moveTo>
+                <a:cubicBezTo>
+                  <a:pt x="8239723" y="5083103"/>
+                  <a:pt x="8239723" y="5083103"/>
+                  <a:pt x="9505105" y="5083103"/>
+                </a:cubicBezTo>
+                <a:cubicBezTo>
+                  <a:pt x="9525601" y="5083103"/>
+                  <a:pt x="9545588" y="5085825"/>
+                  <a:pt x="9564676" y="5091016"/>
+                </a:cubicBezTo>
+                <a:lnTo>
+                  <a:pt x="9605648" y="5108194"/>
+                </a:lnTo>
+                <a:lnTo>
+                  <a:pt x="9580608" y="5151499"/>
+                </a:lnTo>
+                <a:cubicBezTo>
+                  <a:pt x="9354208" y="5543062"/>
+                  <a:pt x="9064418" y="6044264"/>
+                  <a:pt x="8693486" y="6685800"/>
+                </a:cubicBezTo>
+                <a:cubicBezTo>
+                  <a:pt x="8665958" y="6733339"/>
+                  <a:pt x="8632925" y="6776306"/>
+                  <a:pt x="8595419" y="6814017"/>
+                </a:cubicBezTo>
+                <a:lnTo>
+                  <a:pt x="8545620" y="6858000"/>
+                </a:lnTo>
+                <a:lnTo>
+                  <a:pt x="7612173" y="6858000"/>
+                </a:lnTo>
+                <a:lnTo>
+                  <a:pt x="7591825" y="6822959"/>
+                </a:lnTo>
+                <a:cubicBezTo>
+                  <a:pt x="7538315" y="6730809"/>
+                  <a:pt x="7478495" y="6627794"/>
+                  <a:pt x="7411622" y="6512633"/>
+                </a:cubicBezTo>
+                <a:cubicBezTo>
+                  <a:pt x="7370628" y="6444560"/>
+                  <a:pt x="7370628" y="6357427"/>
+                  <a:pt x="7411622" y="6289354"/>
+                </a:cubicBezTo>
+                <a:cubicBezTo>
+                  <a:pt x="7411622" y="6289354"/>
+                  <a:pt x="7411622" y="6289354"/>
+                  <a:pt x="8045680" y="5197465"/>
+                </a:cubicBezTo>
+                <a:cubicBezTo>
+                  <a:pt x="8083943" y="5126669"/>
+                  <a:pt x="8160465" y="5083103"/>
+                  <a:pt x="8239723" y="5083103"/>
+                </a:cubicBezTo>
+                <a:close/>
+                <a:moveTo>
+                  <a:pt x="10622296" y="1326563"/>
+                </a:moveTo>
+                <a:cubicBezTo>
+                  <a:pt x="10622296" y="1326563"/>
+                  <a:pt x="10622296" y="1326563"/>
+                  <a:pt x="11448522" y="1326563"/>
+                </a:cubicBezTo>
+                <a:cubicBezTo>
+                  <a:pt x="11502058" y="1326563"/>
+                  <a:pt x="11550238" y="1355009"/>
+                  <a:pt x="11577006" y="1401233"/>
+                </a:cubicBezTo>
+                <a:cubicBezTo>
+                  <a:pt x="11577006" y="1401233"/>
+                  <a:pt x="11577006" y="1401233"/>
+                  <a:pt x="11989228" y="2114179"/>
+                </a:cubicBezTo>
+                <a:cubicBezTo>
+                  <a:pt x="12015996" y="2158629"/>
+                  <a:pt x="12015996" y="2215522"/>
+                  <a:pt x="11989228" y="2259969"/>
+                </a:cubicBezTo>
+                <a:cubicBezTo>
+                  <a:pt x="11989228" y="2259969"/>
+                  <a:pt x="11989228" y="2259969"/>
+                  <a:pt x="11577006" y="2972914"/>
+                </a:cubicBezTo>
+                <a:cubicBezTo>
+                  <a:pt x="11550238" y="3019141"/>
+                  <a:pt x="11502058" y="3047587"/>
+                  <a:pt x="11448522" y="3047587"/>
+                </a:cubicBezTo>
+                <a:cubicBezTo>
+                  <a:pt x="11448522" y="3047587"/>
+                  <a:pt x="11448522" y="3047587"/>
+                  <a:pt x="10622296" y="3047587"/>
+                </a:cubicBezTo>
+                <a:cubicBezTo>
+                  <a:pt x="10570544" y="3047587"/>
+                  <a:pt x="10520578" y="3019141"/>
+                  <a:pt x="10495594" y="2972914"/>
+                </a:cubicBezTo>
+                <a:cubicBezTo>
+                  <a:pt x="10495594" y="2972914"/>
+                  <a:pt x="10495594" y="2972914"/>
+                  <a:pt x="10081589" y="2259969"/>
+                </a:cubicBezTo>
+                <a:cubicBezTo>
+                  <a:pt x="10054821" y="2215522"/>
+                  <a:pt x="10054821" y="2158629"/>
+                  <a:pt x="10081589" y="2114179"/>
+                </a:cubicBezTo>
+                <a:cubicBezTo>
+                  <a:pt x="10081589" y="2114179"/>
+                  <a:pt x="10081589" y="2114179"/>
+                  <a:pt x="10495594" y="1401233"/>
+                </a:cubicBezTo>
+                <a:cubicBezTo>
+                  <a:pt x="10520578" y="1355009"/>
+                  <a:pt x="10570544" y="1326563"/>
+                  <a:pt x="10622296" y="1326563"/>
+                </a:cubicBezTo>
+                <a:close/>
+                <a:moveTo>
+                  <a:pt x="0" y="0"/>
+                </a:moveTo>
+                <a:lnTo>
+                  <a:pt x="4457990" y="0"/>
+                </a:lnTo>
+                <a:lnTo>
+                  <a:pt x="5902610" y="0"/>
+                </a:lnTo>
+                <a:lnTo>
+                  <a:pt x="8476869" y="0"/>
+                </a:lnTo>
+                <a:lnTo>
+                  <a:pt x="8535933" y="39849"/>
+                </a:lnTo>
+                <a:cubicBezTo>
+                  <a:pt x="8598516" y="88273"/>
+                  <a:pt x="8652195" y="149296"/>
+                  <a:pt x="8693486" y="220603"/>
+                </a:cubicBezTo>
+                <a:cubicBezTo>
+                  <a:pt x="8693486" y="220603"/>
+                  <a:pt x="8693486" y="220603"/>
+                  <a:pt x="10389180" y="3153347"/>
+                </a:cubicBezTo>
+                <a:cubicBezTo>
+                  <a:pt x="10499291" y="3336185"/>
+                  <a:pt x="10499291" y="3570221"/>
+                  <a:pt x="10389180" y="3753061"/>
+                </a:cubicBezTo>
+                <a:cubicBezTo>
+                  <a:pt x="10389180" y="3753061"/>
+                  <a:pt x="10389180" y="3753061"/>
+                  <a:pt x="9759557" y="4842009"/>
+                </a:cubicBezTo>
+                <a:lnTo>
+                  <a:pt x="9706493" y="4933778"/>
+                </a:lnTo>
+                <a:lnTo>
+                  <a:pt x="9708360" y="4934561"/>
+                </a:lnTo>
+                <a:cubicBezTo>
+                  <a:pt x="9746510" y="4956830"/>
+                  <a:pt x="9778880" y="4989078"/>
+                  <a:pt x="9802002" y="5029008"/>
+                </a:cubicBezTo>
+                <a:cubicBezTo>
+                  <a:pt x="9802002" y="5029008"/>
+                  <a:pt x="9802002" y="5029008"/>
+                  <a:pt x="10514131" y="6260653"/>
+                </a:cubicBezTo>
+                <a:cubicBezTo>
+                  <a:pt x="10560376" y="6337439"/>
+                  <a:pt x="10560376" y="6435725"/>
+                  <a:pt x="10514131" y="6512512"/>
+                </a:cubicBezTo>
+                <a:cubicBezTo>
+                  <a:pt x="10514131" y="6512512"/>
+                  <a:pt x="10514131" y="6512512"/>
+                  <a:pt x="10340271" y="6813206"/>
+                </a:cubicBezTo>
+                <a:lnTo>
+                  <a:pt x="10314372" y="6858000"/>
+                </a:lnTo>
+                <a:lnTo>
+                  <a:pt x="10119136" y="6858000"/>
+                </a:lnTo>
+                <a:lnTo>
+                  <a:pt x="10122008" y="6853033"/>
+                </a:lnTo>
+                <a:cubicBezTo>
+                  <a:pt x="10327158" y="6498223"/>
+                  <a:pt x="10327158" y="6498223"/>
+                  <a:pt x="10327158" y="6498223"/>
+                </a:cubicBezTo>
+                <a:cubicBezTo>
+                  <a:pt x="10368154" y="6430148"/>
+                  <a:pt x="10368154" y="6343015"/>
+                  <a:pt x="10327158" y="6274942"/>
+                </a:cubicBezTo>
+                <a:cubicBezTo>
+                  <a:pt x="9695832" y="5183053"/>
+                  <a:pt x="9695832" y="5183053"/>
+                  <a:pt x="9695832" y="5183053"/>
+                </a:cubicBezTo>
+                <a:cubicBezTo>
+                  <a:pt x="9675334" y="5147654"/>
+                  <a:pt x="9646640" y="5119063"/>
+                  <a:pt x="9612819" y="5099323"/>
+                </a:cubicBezTo>
+                <a:lnTo>
+                  <a:pt x="9603213" y="5095298"/>
+                </a:lnTo>
+                <a:lnTo>
+                  <a:pt x="9654707" y="5006238"/>
+                </a:lnTo>
+                <a:lnTo>
+                  <a:pt x="9693004" y="4940002"/>
+                </a:lnTo>
+                <a:lnTo>
+                  <a:pt x="9653283" y="4923348"/>
+                </a:lnTo>
+                <a:cubicBezTo>
+                  <a:pt x="9631750" y="4917491"/>
+                  <a:pt x="9609208" y="4914420"/>
+                  <a:pt x="9586087" y="4914420"/>
+                </a:cubicBezTo>
+                <a:cubicBezTo>
+                  <a:pt x="8158743" y="4914420"/>
+                  <a:pt x="8158743" y="4914420"/>
+                  <a:pt x="8158743" y="4914420"/>
+                </a:cubicBezTo>
+                <a:cubicBezTo>
+                  <a:pt x="8069341" y="4914420"/>
+                  <a:pt x="7983024" y="4963563"/>
+                  <a:pt x="7939863" y="5043420"/>
+                </a:cubicBezTo>
+                <a:cubicBezTo>
+                  <a:pt x="7224650" y="6275065"/>
+                  <a:pt x="7224650" y="6275065"/>
+                  <a:pt x="7224650" y="6275065"/>
+                </a:cubicBezTo>
+                <a:cubicBezTo>
+                  <a:pt x="7178407" y="6351849"/>
+                  <a:pt x="7178407" y="6450135"/>
+                  <a:pt x="7224650" y="6526922"/>
+                </a:cubicBezTo>
+                <a:cubicBezTo>
+                  <a:pt x="7269350" y="6603900"/>
+                  <a:pt x="7311257" y="6676067"/>
+                  <a:pt x="7350544" y="6743723"/>
+                </a:cubicBezTo>
+                <a:lnTo>
+                  <a:pt x="7416905" y="6858000"/>
+                </a:lnTo>
+                <a:lnTo>
+                  <a:pt x="5902610" y="6858000"/>
+                </a:lnTo>
+                <a:lnTo>
+                  <a:pt x="4389358" y="6858000"/>
+                </a:lnTo>
+                <a:lnTo>
+                  <a:pt x="0" y="6858000"/>
+                </a:lnTo>
+                <a:close/>
+              </a:path>
+            </a:pathLst>
+          </a:custGeom>
+          <a:noFill/>
+          <a:extLst>
+            <a:ext uri="{909E8E84-426E-40DD-AFC4-6F175D3DCCD1}">
+              <a14:hiddenFill xmlns:a14="http://schemas.microsoft.com/office/drawing/2010/main">
+                <a:solidFill>
+                  <a:srgbClr val="FFFFFF"/>
+                </a:solidFill>
+              </a14:hiddenFill>
+            </a:ext>
+          </a:extLst>
+        </p:spPr>
+      </p:pic>
+    </p:spTree>
+    <p:extLst>
+      <p:ext uri="{BB962C8B-B14F-4D97-AF65-F5344CB8AC3E}">
+        <p14:creationId xmlns:p14="http://schemas.microsoft.com/office/powerpoint/2010/main" val="2108106367"/>
+      </p:ext>
+    </p:extLst>
+  </p:cSld>
+  <p:clrMapOvr>
+    <a:masterClrMapping/>
+  </p:clrMapOvr>
+</p:sld>
+</file>
+
+<file path=ppt/slides/slide12.xml><?xml version="1.0" encoding="utf-8"?>
+<p:sld xmlns:a="http://schemas.openxmlformats.org/drawingml/2006/main" xmlns:r="http://schemas.openxmlformats.org/officeDocument/2006/relationships" xmlns:p="http://schemas.openxmlformats.org/presentationml/2006/main">
+  <p:cSld>
+    <p:spTree>
+      <p:nvGrpSpPr>
+        <p:cNvPr id="1" name=""/>
+        <p:cNvGrpSpPr/>
+        <p:nvPr/>
+      </p:nvGrpSpPr>
+      <p:grpSpPr>
+        <a:xfrm>
+          <a:off x="0" y="0"/>
+          <a:ext cx="0" cy="0"/>
+          <a:chOff x="0" y="0"/>
+          <a:chExt cx="0" cy="0"/>
+        </a:xfrm>
+      </p:grpSpPr>
+      <p:pic>
+        <p:nvPicPr>
+          <p:cNvPr id="3074" name="Picture 2">
+            <a:extLst>
+              <a:ext uri="{FF2B5EF4-FFF2-40B4-BE49-F238E27FC236}">
+                <a16:creationId xmlns:a16="http://schemas.microsoft.com/office/drawing/2014/main" id="{654D1C78-521D-409D-A411-9709DCBEFE5B}"/>
+              </a:ext>
+            </a:extLst>
+          </p:cNvPr>
+          <p:cNvPicPr>
+            <a:picLocks noChangeAspect="1" noChangeArrowheads="1"/>
+          </p:cNvPicPr>
+          <p:nvPr/>
+        </p:nvPicPr>
+        <p:blipFill rotWithShape="1">
+          <a:blip r:embed="rId2">
+            <a:extLst>
+              <a:ext uri="{28A0092B-C50C-407E-A947-70E740481C1C}">
+                <a14:useLocalDpi xmlns:a14="http://schemas.microsoft.com/office/drawing/2010/main" val="0"/>
+              </a:ext>
+            </a:extLst>
+          </a:blip>
+          <a:srcRect/>
+          <a:stretch/>
+        </p:blipFill>
+        <p:spPr bwMode="auto">
+          <a:xfrm>
+            <a:off x="20" y="10"/>
+            <a:ext cx="12191980" cy="6857990"/>
+          </a:xfrm>
+          <a:prstGeom prst="rect">
+            <a:avLst/>
+          </a:prstGeom>
+          <a:noFill/>
+          <a:extLst>
+            <a:ext uri="{909E8E84-426E-40DD-AFC4-6F175D3DCCD1}">
+              <a14:hiddenFill xmlns:a14="http://schemas.microsoft.com/office/drawing/2010/main">
+                <a:solidFill>
+                  <a:srgbClr val="FFFFFF"/>
+                </a:solidFill>
+              </a14:hiddenFill>
+            </a:ext>
+          </a:extLst>
+        </p:spPr>
+      </p:pic>
+      <p:pic>
+        <p:nvPicPr>
+          <p:cNvPr id="4098" name="Picture 2">
+            <a:extLst>
+              <a:ext uri="{FF2B5EF4-FFF2-40B4-BE49-F238E27FC236}">
+                <a16:creationId xmlns:a16="http://schemas.microsoft.com/office/drawing/2014/main" id="{CC320460-7950-4847-B0DD-31C0F8A546F0}"/>
+              </a:ext>
+            </a:extLst>
+          </p:cNvPr>
+          <p:cNvPicPr>
+            <a:picLocks noChangeAspect="1" noChangeArrowheads="1"/>
+          </p:cNvPicPr>
+          <p:nvPr/>
+        </p:nvPicPr>
+        <p:blipFill rotWithShape="1">
+          <a:blip r:embed="rId3">
+            <a:extLst>
+              <a:ext uri="{28A0092B-C50C-407E-A947-70E740481C1C}">
+                <a14:useLocalDpi xmlns:a14="http://schemas.microsoft.com/office/drawing/2010/main" val="0"/>
+              </a:ext>
+            </a:extLst>
+          </a:blip>
+          <a:srcRect l="8463"/>
+          <a:stretch/>
+        </p:blipFill>
+        <p:spPr bwMode="auto">
+          <a:xfrm>
+            <a:off x="5063089" y="1"/>
+            <a:ext cx="7128913" cy="6853457"/>
+          </a:xfrm>
+          <a:custGeom>
+            <a:avLst/>
+            <a:gdLst/>
+            <a:ahLst/>
+            <a:cxnLst/>
+            <a:rect l="l" t="t" r="r" b="b"/>
+            <a:pathLst>
+              <a:path w="7128913" h="6853457">
+                <a:moveTo>
+                  <a:pt x="2343548" y="0"/>
+                </a:moveTo>
+                <a:lnTo>
+                  <a:pt x="5168877" y="0"/>
+                </a:lnTo>
+                <a:lnTo>
+                  <a:pt x="5218299" y="19487"/>
+                </a:lnTo>
+                <a:cubicBezTo>
+                  <a:pt x="5976640" y="340238"/>
+                  <a:pt x="6607722" y="902948"/>
+                  <a:pt x="7014769" y="1610837"/>
+                </a:cubicBezTo>
+                <a:lnTo>
+                  <a:pt x="7128913" y="1827198"/>
+                </a:lnTo>
+                <a:lnTo>
+                  <a:pt x="7128913" y="5131581"/>
+                </a:lnTo>
+                <a:lnTo>
+                  <a:pt x="7091067" y="5210750"/>
+                </a:lnTo>
+                <a:cubicBezTo>
+                  <a:pt x="6744936" y="5876527"/>
+                  <a:pt x="6205281" y="6425584"/>
+                  <a:pt x="5546646" y="6783375"/>
+                </a:cubicBezTo>
+                <a:lnTo>
+                  <a:pt x="5409811" y="6853457"/>
+                </a:lnTo>
+                <a:lnTo>
+                  <a:pt x="2102613" y="6853457"/>
+                </a:lnTo>
+                <a:lnTo>
+                  <a:pt x="1965779" y="6783375"/>
+                </a:lnTo>
+                <a:cubicBezTo>
+                  <a:pt x="794873" y="6147301"/>
+                  <a:pt x="0" y="4906735"/>
+                  <a:pt x="0" y="3480517"/>
+                </a:cubicBezTo>
+                <a:cubicBezTo>
+                  <a:pt x="0" y="1924643"/>
+                  <a:pt x="945964" y="589711"/>
+                  <a:pt x="2294125" y="19487"/>
+                </a:cubicBezTo>
+                <a:close/>
+              </a:path>
+            </a:pathLst>
+          </a:custGeom>
+          <a:noFill/>
+          <a:extLst>
+            <a:ext uri="{909E8E84-426E-40DD-AFC4-6F175D3DCCD1}">
+              <a14:hiddenFill xmlns:a14="http://schemas.microsoft.com/office/drawing/2010/main">
+                <a:solidFill>
+                  <a:srgbClr val="FFFFFF"/>
+                </a:solidFill>
+              </a14:hiddenFill>
+            </a:ext>
+          </a:extLst>
+        </p:spPr>
+      </p:pic>
+    </p:spTree>
+    <p:extLst>
+      <p:ext uri="{BB962C8B-B14F-4D97-AF65-F5344CB8AC3E}">
+        <p14:creationId xmlns:p14="http://schemas.microsoft.com/office/powerpoint/2010/main" val="4264907497"/>
+      </p:ext>
+    </p:extLst>
+  </p:cSld>
+  <p:clrMapOvr>
+    <a:masterClrMapping/>
+  </p:clrMapOvr>
+</p:sld>
+</file>
+
+<file path=ppt/slides/slide13.xml><?xml version="1.0" encoding="utf-8"?>
+<p:sld xmlns:a="http://schemas.openxmlformats.org/drawingml/2006/main" xmlns:r="http://schemas.openxmlformats.org/officeDocument/2006/relationships" xmlns:p="http://schemas.openxmlformats.org/presentationml/2006/main">
+  <p:cSld>
+    <p:spTree>
+      <p:nvGrpSpPr>
+        <p:cNvPr id="1" name=""/>
+        <p:cNvGrpSpPr/>
+        <p:nvPr/>
+      </p:nvGrpSpPr>
+      <p:grpSpPr>
+        <a:xfrm>
+          <a:off x="0" y="0"/>
+          <a:ext cx="0" cy="0"/>
+          <a:chOff x="0" y="0"/>
+          <a:chExt cx="0" cy="0"/>
+        </a:xfrm>
+      </p:grpSpPr>
+      <p:pic>
+        <p:nvPicPr>
+          <p:cNvPr id="3074" name="Picture 2">
+            <a:extLst>
+              <a:ext uri="{FF2B5EF4-FFF2-40B4-BE49-F238E27FC236}">
+                <a16:creationId xmlns:a16="http://schemas.microsoft.com/office/drawing/2014/main" id="{654D1C78-521D-409D-A411-9709DCBEFE5B}"/>
+              </a:ext>
+            </a:extLst>
+          </p:cNvPr>
+          <p:cNvPicPr>
+            <a:picLocks noChangeAspect="1" noChangeArrowheads="1"/>
+          </p:cNvPicPr>
+          <p:nvPr/>
+        </p:nvPicPr>
+        <p:blipFill rotWithShape="1">
+          <a:blip r:embed="rId2">
+            <a:extLst>
+              <a:ext uri="{28A0092B-C50C-407E-A947-70E740481C1C}">
+                <a14:useLocalDpi xmlns:a14="http://schemas.microsoft.com/office/drawing/2010/main" val="0"/>
+              </a:ext>
+            </a:extLst>
+          </a:blip>
+          <a:srcRect l="6904" r="18174" b="-1"/>
+          <a:stretch/>
+        </p:blipFill>
+        <p:spPr bwMode="auto">
+          <a:xfrm>
+            <a:off x="20" y="10"/>
+            <a:ext cx="9141724" cy="6863475"/>
+          </a:xfrm>
+          <a:custGeom>
+            <a:avLst/>
+            <a:gdLst/>
+            <a:ahLst/>
+            <a:cxnLst/>
+            <a:rect l="l" t="t" r="r" b="b"/>
+            <a:pathLst>
+              <a:path w="9141744" h="6863485">
+                <a:moveTo>
+                  <a:pt x="0" y="0"/>
+                </a:moveTo>
+                <a:lnTo>
+                  <a:pt x="5963051" y="0"/>
+                </a:lnTo>
+                <a:lnTo>
+                  <a:pt x="9141744" y="6863485"/>
+                </a:lnTo>
+                <a:lnTo>
+                  <a:pt x="0" y="6863485"/>
+                </a:lnTo>
+                <a:lnTo>
+                  <a:pt x="0" y="0"/>
+                </a:lnTo>
+                <a:close/>
+              </a:path>
+            </a:pathLst>
+          </a:custGeom>
+          <a:noFill/>
+          <a:extLst>
+            <a:ext uri="{909E8E84-426E-40DD-AFC4-6F175D3DCCD1}">
+              <a14:hiddenFill xmlns:a14="http://schemas.microsoft.com/office/drawing/2010/main">
+                <a:solidFill>
+                  <a:srgbClr val="FFFFFF"/>
+                </a:solidFill>
+              </a14:hiddenFill>
+            </a:ext>
+          </a:extLst>
+        </p:spPr>
+      </p:pic>
+      <p:pic>
+        <p:nvPicPr>
+          <p:cNvPr id="4098" name="Picture 2">
+            <a:extLst>
+              <a:ext uri="{FF2B5EF4-FFF2-40B4-BE49-F238E27FC236}">
+                <a16:creationId xmlns:a16="http://schemas.microsoft.com/office/drawing/2014/main" id="{CC320460-7950-4847-B0DD-31C0F8A546F0}"/>
+              </a:ext>
+            </a:extLst>
+          </p:cNvPr>
+          <p:cNvPicPr>
+            <a:picLocks noChangeAspect="1" noChangeArrowheads="1"/>
+          </p:cNvPicPr>
+          <p:nvPr/>
+        </p:nvPicPr>
+        <p:blipFill rotWithShape="1">
+          <a:blip r:embed="rId3">
+            <a:extLst>
+              <a:ext uri="{28A0092B-C50C-407E-A947-70E740481C1C}">
+                <a14:useLocalDpi xmlns:a14="http://schemas.microsoft.com/office/drawing/2010/main" val="0"/>
+              </a:ext>
+            </a:extLst>
+          </a:blip>
+          <a:srcRect l="13129" r="4668" b="2"/>
+          <a:stretch/>
+        </p:blipFill>
+        <p:spPr bwMode="auto">
+          <a:xfrm>
+            <a:off x="5790353" y="10"/>
+            <a:ext cx="6401647" cy="6852984"/>
+          </a:xfrm>
+          <a:custGeom>
+            <a:avLst/>
+            <a:gdLst/>
+            <a:ahLst/>
+            <a:cxnLst/>
+            <a:rect l="l" t="t" r="r" b="b"/>
+            <a:pathLst>
+              <a:path w="6401647" h="6852994">
+                <a:moveTo>
+                  <a:pt x="354282" y="0"/>
+                </a:moveTo>
+                <a:lnTo>
+                  <a:pt x="6401647" y="0"/>
+                </a:lnTo>
+                <a:lnTo>
+                  <a:pt x="6401647" y="6852994"/>
+                </a:lnTo>
+                <a:lnTo>
+                  <a:pt x="0" y="6852994"/>
+                </a:lnTo>
+                <a:lnTo>
+                  <a:pt x="0" y="6852993"/>
+                </a:lnTo>
+                <a:lnTo>
+                  <a:pt x="3528116" y="6852993"/>
+                </a:lnTo>
+                <a:close/>
+              </a:path>
+            </a:pathLst>
+          </a:custGeom>
+          <a:noFill/>
+          <a:extLst>
+            <a:ext uri="{909E8E84-426E-40DD-AFC4-6F175D3DCCD1}">
+              <a14:hiddenFill xmlns:a14="http://schemas.microsoft.com/office/drawing/2010/main">
+                <a:solidFill>
+                  <a:srgbClr val="FFFFFF"/>
+                </a:solidFill>
+              </a14:hiddenFill>
+            </a:ext>
+          </a:extLst>
+        </p:spPr>
+      </p:pic>
+    </p:spTree>
+    <p:extLst>
+      <p:ext uri="{BB962C8B-B14F-4D97-AF65-F5344CB8AC3E}">
+        <p14:creationId xmlns:p14="http://schemas.microsoft.com/office/powerpoint/2010/main" val="3921794160"/>
+      </p:ext>
+    </p:extLst>
+  </p:cSld>
+  <p:clrMapOvr>
+    <a:masterClrMapping/>
+  </p:clrMapOvr>
+</p:sld>
+</file>
+
+<file path=ppt/slides/slide14.xml><?xml version="1.0" encoding="utf-8"?>
+<p:sld xmlns:a="http://schemas.openxmlformats.org/drawingml/2006/main" xmlns:r="http://schemas.openxmlformats.org/officeDocument/2006/relationships" xmlns:p="http://schemas.openxmlformats.org/presentationml/2006/main">
+  <p:cSld>
+    <p:spTree>
+      <p:nvGrpSpPr>
+        <p:cNvPr id="1" name=""/>
+        <p:cNvGrpSpPr/>
+        <p:nvPr/>
+      </p:nvGrpSpPr>
+      <p:grpSpPr>
+        <a:xfrm>
+          <a:off x="0" y="0"/>
+          <a:ext cx="0" cy="0"/>
+          <a:chOff x="0" y="0"/>
+          <a:chExt cx="0" cy="0"/>
+        </a:xfrm>
+      </p:grpSpPr>
+      <p:pic>
+        <p:nvPicPr>
+          <p:cNvPr id="4098" name="Picture 2">
+            <a:extLst>
+              <a:ext uri="{FF2B5EF4-FFF2-40B4-BE49-F238E27FC236}">
+                <a16:creationId xmlns:a16="http://schemas.microsoft.com/office/drawing/2014/main" id="{CC320460-7950-4847-B0DD-31C0F8A546F0}"/>
+              </a:ext>
+            </a:extLst>
+          </p:cNvPr>
+          <p:cNvPicPr>
+            <a:picLocks noChangeAspect="1" noChangeArrowheads="1"/>
+          </p:cNvPicPr>
+          <p:nvPr/>
+        </p:nvPicPr>
+        <p:blipFill rotWithShape="1">
+          <a:blip r:embed="rId2">
+            <a:extLst>
+              <a:ext uri="{28A0092B-C50C-407E-A947-70E740481C1C}">
+                <a14:useLocalDpi xmlns:a14="http://schemas.microsoft.com/office/drawing/2010/main" val="0"/>
+              </a:ext>
+            </a:extLst>
+          </a:blip>
+          <a:srcRect l="10231" r="1770" b="2"/>
+          <a:stretch/>
+        </p:blipFill>
+        <p:spPr bwMode="auto">
+          <a:xfrm>
+            <a:off x="991027" y="956945"/>
+            <a:ext cx="4944107" cy="4944110"/>
+          </a:xfrm>
+          <a:custGeom>
+            <a:avLst/>
+            <a:gdLst/>
+            <a:ahLst/>
+            <a:cxnLst/>
+            <a:rect l="l" t="t" r="r" b="b"/>
+            <a:pathLst>
+              <a:path w="4627646" h="4627648">
+                <a:moveTo>
+                  <a:pt x="2313823" y="0"/>
+                </a:moveTo>
+                <a:cubicBezTo>
+                  <a:pt x="3591712" y="0"/>
+                  <a:pt x="4627646" y="1035934"/>
+                  <a:pt x="4627646" y="2313824"/>
+                </a:cubicBezTo>
+                <a:cubicBezTo>
+                  <a:pt x="4627646" y="3591714"/>
+                  <a:pt x="3591712" y="4627648"/>
+                  <a:pt x="2313823" y="4627648"/>
+                </a:cubicBezTo>
+                <a:cubicBezTo>
+                  <a:pt x="1035934" y="4627648"/>
+                  <a:pt x="0" y="3591714"/>
+                  <a:pt x="0" y="2313824"/>
+                </a:cubicBezTo>
+                <a:cubicBezTo>
+                  <a:pt x="0" y="1035934"/>
+                  <a:pt x="1035934" y="0"/>
+                  <a:pt x="2313823" y="0"/>
+                </a:cubicBezTo>
+                <a:close/>
+              </a:path>
+            </a:pathLst>
+          </a:custGeom>
+          <a:noFill/>
+          <a:extLst>
+            <a:ext uri="{909E8E84-426E-40DD-AFC4-6F175D3DCCD1}">
+              <a14:hiddenFill xmlns:a14="http://schemas.microsoft.com/office/drawing/2010/main">
+                <a:solidFill>
+                  <a:srgbClr val="FFFFFF"/>
+                </a:solidFill>
+              </a14:hiddenFill>
+            </a:ext>
+          </a:extLst>
+        </p:spPr>
+      </p:pic>
+      <p:pic>
+        <p:nvPicPr>
+          <p:cNvPr id="3074" name="Picture 2">
+            <a:extLst>
+              <a:ext uri="{FF2B5EF4-FFF2-40B4-BE49-F238E27FC236}">
+                <a16:creationId xmlns:a16="http://schemas.microsoft.com/office/drawing/2014/main" id="{654D1C78-521D-409D-A411-9709DCBEFE5B}"/>
+              </a:ext>
+            </a:extLst>
+          </p:cNvPr>
+          <p:cNvPicPr>
+            <a:picLocks noChangeAspect="1" noChangeArrowheads="1"/>
+          </p:cNvPicPr>
+          <p:nvPr/>
+        </p:nvPicPr>
+        <p:blipFill rotWithShape="1">
+          <a:blip r:embed="rId3">
+            <a:extLst>
+              <a:ext uri="{28A0092B-C50C-407E-A947-70E740481C1C}">
+                <a14:useLocalDpi xmlns:a14="http://schemas.microsoft.com/office/drawing/2010/main" val="0"/>
+              </a:ext>
+            </a:extLst>
+          </a:blip>
+          <a:srcRect l="16239" r="27511" b="1"/>
+          <a:stretch/>
+        </p:blipFill>
+        <p:spPr bwMode="auto">
+          <a:xfrm>
+            <a:off x="6256867" y="956945"/>
+            <a:ext cx="4944107" cy="4944110"/>
+          </a:xfrm>
+          <a:custGeom>
+            <a:avLst/>
+            <a:gdLst/>
+            <a:ahLst/>
+            <a:cxnLst/>
+            <a:rect l="l" t="t" r="r" b="b"/>
+            <a:pathLst>
+              <a:path w="4627646" h="4627648">
+                <a:moveTo>
+                  <a:pt x="2313823" y="0"/>
+                </a:moveTo>
+                <a:cubicBezTo>
+                  <a:pt x="3591712" y="0"/>
+                  <a:pt x="4627646" y="1035934"/>
+                  <a:pt x="4627646" y="2313824"/>
+                </a:cubicBezTo>
+                <a:cubicBezTo>
+                  <a:pt x="4627646" y="3591714"/>
+                  <a:pt x="3591712" y="4627648"/>
+                  <a:pt x="2313823" y="4627648"/>
+                </a:cubicBezTo>
+                <a:cubicBezTo>
+                  <a:pt x="1035934" y="4627648"/>
+                  <a:pt x="0" y="3591714"/>
+                  <a:pt x="0" y="2313824"/>
+                </a:cubicBezTo>
+                <a:cubicBezTo>
+                  <a:pt x="0" y="1035934"/>
+                  <a:pt x="1035934" y="0"/>
+                  <a:pt x="2313823" y="0"/>
+                </a:cubicBezTo>
+                <a:close/>
+              </a:path>
+            </a:pathLst>
+          </a:custGeom>
+          <a:noFill/>
+          <a:extLst>
+            <a:ext uri="{909E8E84-426E-40DD-AFC4-6F175D3DCCD1}">
+              <a14:hiddenFill xmlns:a14="http://schemas.microsoft.com/office/drawing/2010/main">
+                <a:solidFill>
+                  <a:srgbClr val="FFFFFF"/>
+                </a:solidFill>
+              </a14:hiddenFill>
+            </a:ext>
+          </a:extLst>
+        </p:spPr>
+      </p:pic>
+    </p:spTree>
+    <p:extLst>
+      <p:ext uri="{BB962C8B-B14F-4D97-AF65-F5344CB8AC3E}">
+        <p14:creationId xmlns:p14="http://schemas.microsoft.com/office/powerpoint/2010/main" val="3998393970"/>
       </p:ext>
     </p:extLst>
   </p:cSld>
@@ -9246,6 +10218,2398 @@
     <p:extLst>
       <p:ext uri="{BB962C8B-B14F-4D97-AF65-F5344CB8AC3E}">
         <p14:creationId xmlns:p14="http://schemas.microsoft.com/office/powerpoint/2010/main" val="2416513278"/>
+      </p:ext>
+    </p:extLst>
+  </p:cSld>
+  <p:clrMapOvr>
+    <a:masterClrMapping/>
+  </p:clrMapOvr>
+</p:sld>
+</file>
+
+<file path=ppt/slides/slide5.xml><?xml version="1.0" encoding="utf-8"?>
+<p:sld xmlns:a="http://schemas.openxmlformats.org/drawingml/2006/main" xmlns:r="http://schemas.openxmlformats.org/officeDocument/2006/relationships" xmlns:p="http://schemas.openxmlformats.org/presentationml/2006/main">
+  <p:cSld>
+    <p:spTree>
+      <p:nvGrpSpPr>
+        <p:cNvPr id="1" name=""/>
+        <p:cNvGrpSpPr/>
+        <p:nvPr/>
+      </p:nvGrpSpPr>
+      <p:grpSpPr>
+        <a:xfrm>
+          <a:off x="0" y="0"/>
+          <a:ext cx="0" cy="0"/>
+          <a:chOff x="0" y="0"/>
+          <a:chExt cx="0" cy="0"/>
+        </a:xfrm>
+      </p:grpSpPr>
+    </p:spTree>
+    <p:extLst>
+      <p:ext uri="{BB962C8B-B14F-4D97-AF65-F5344CB8AC3E}">
+        <p14:creationId xmlns:p14="http://schemas.microsoft.com/office/powerpoint/2010/main" val="4133921397"/>
+      </p:ext>
+    </p:extLst>
+  </p:cSld>
+  <p:clrMapOvr>
+    <a:masterClrMapping/>
+  </p:clrMapOvr>
+</p:sld>
+</file>
+
+<file path=ppt/slides/slide6.xml><?xml version="1.0" encoding="utf-8"?>
+<p:sld xmlns:a="http://schemas.openxmlformats.org/drawingml/2006/main" xmlns:r="http://schemas.openxmlformats.org/officeDocument/2006/relationships" xmlns:p="http://schemas.openxmlformats.org/presentationml/2006/main">
+  <p:cSld>
+    <p:spTree>
+      <p:nvGrpSpPr>
+        <p:cNvPr id="1" name=""/>
+        <p:cNvGrpSpPr/>
+        <p:nvPr/>
+      </p:nvGrpSpPr>
+      <p:grpSpPr>
+        <a:xfrm>
+          <a:off x="0" y="0"/>
+          <a:ext cx="0" cy="0"/>
+          <a:chOff x="0" y="0"/>
+          <a:chExt cx="0" cy="0"/>
+        </a:xfrm>
+      </p:grpSpPr>
+      <p:pic>
+        <p:nvPicPr>
+          <p:cNvPr id="3074" name="Picture 2">
+            <a:extLst>
+              <a:ext uri="{FF2B5EF4-FFF2-40B4-BE49-F238E27FC236}">
+                <a16:creationId xmlns:a16="http://schemas.microsoft.com/office/drawing/2014/main" id="{654D1C78-521D-409D-A411-9709DCBEFE5B}"/>
+              </a:ext>
+            </a:extLst>
+          </p:cNvPr>
+          <p:cNvPicPr>
+            <a:picLocks noChangeAspect="1" noChangeArrowheads="1"/>
+          </p:cNvPicPr>
+          <p:nvPr/>
+        </p:nvPicPr>
+        <p:blipFill rotWithShape="1">
+          <a:blip r:embed="rId2">
+            <a:extLst>
+              <a:ext uri="{28A0092B-C50C-407E-A947-70E740481C1C}">
+                <a14:useLocalDpi xmlns:a14="http://schemas.microsoft.com/office/drawing/2010/main" val="0"/>
+              </a:ext>
+            </a:extLst>
+          </a:blip>
+          <a:srcRect/>
+          <a:stretch/>
+        </p:blipFill>
+        <p:spPr bwMode="auto">
+          <a:xfrm>
+            <a:off x="20" y="10"/>
+            <a:ext cx="12191980" cy="6857990"/>
+          </a:xfrm>
+          <a:prstGeom prst="rect">
+            <a:avLst/>
+          </a:prstGeom>
+          <a:noFill/>
+          <a:extLst>
+            <a:ext uri="{909E8E84-426E-40DD-AFC4-6F175D3DCCD1}">
+              <a14:hiddenFill xmlns:a14="http://schemas.microsoft.com/office/drawing/2010/main">
+                <a:solidFill>
+                  <a:srgbClr val="FFFFFF"/>
+                </a:solidFill>
+              </a14:hiddenFill>
+            </a:ext>
+          </a:extLst>
+        </p:spPr>
+      </p:pic>
+    </p:spTree>
+    <p:extLst>
+      <p:ext uri="{BB962C8B-B14F-4D97-AF65-F5344CB8AC3E}">
+        <p14:creationId xmlns:p14="http://schemas.microsoft.com/office/powerpoint/2010/main" val="568268222"/>
+      </p:ext>
+    </p:extLst>
+  </p:cSld>
+  <p:clrMapOvr>
+    <a:masterClrMapping/>
+  </p:clrMapOvr>
+</p:sld>
+</file>
+
+<file path=ppt/slides/slide7.xml><?xml version="1.0" encoding="utf-8"?>
+<p:sld xmlns:a="http://schemas.openxmlformats.org/drawingml/2006/main" xmlns:r="http://schemas.openxmlformats.org/officeDocument/2006/relationships" xmlns:p="http://schemas.openxmlformats.org/presentationml/2006/main">
+  <p:cSld>
+    <p:spTree>
+      <p:nvGrpSpPr>
+        <p:cNvPr id="1" name=""/>
+        <p:cNvGrpSpPr/>
+        <p:nvPr/>
+      </p:nvGrpSpPr>
+      <p:grpSpPr>
+        <a:xfrm>
+          <a:off x="0" y="0"/>
+          <a:ext cx="0" cy="0"/>
+          <a:chOff x="0" y="0"/>
+          <a:chExt cx="0" cy="0"/>
+        </a:xfrm>
+      </p:grpSpPr>
+      <p:grpSp>
+        <p:nvGrpSpPr>
+          <p:cNvPr id="30" name="Group 29">
+            <a:extLst>
+              <a:ext uri="{FF2B5EF4-FFF2-40B4-BE49-F238E27FC236}">
+                <a16:creationId xmlns:a16="http://schemas.microsoft.com/office/drawing/2014/main" id="{123DEA15-CF14-492E-A506-42BCE3B28169}"/>
+              </a:ext>
+            </a:extLst>
+          </p:cNvPr>
+          <p:cNvGrpSpPr/>
+          <p:nvPr/>
+        </p:nvGrpSpPr>
+        <p:grpSpPr>
+          <a:xfrm>
+            <a:off x="1493711" y="1377354"/>
+            <a:ext cx="9204578" cy="5062816"/>
+            <a:chOff x="1107960" y="1377354"/>
+            <a:chExt cx="9204578" cy="5062816"/>
+          </a:xfrm>
+        </p:grpSpPr>
+        <p:sp>
+          <p:nvSpPr>
+            <p:cNvPr id="36" name="Rectangle: Rounded Corners 35">
+              <a:extLst>
+                <a:ext uri="{FF2B5EF4-FFF2-40B4-BE49-F238E27FC236}">
+                  <a16:creationId xmlns:a16="http://schemas.microsoft.com/office/drawing/2014/main" id="{C7034865-49B4-4381-B6B1-DA642BAB9BAD}"/>
+                </a:ext>
+              </a:extLst>
+            </p:cNvPr>
+            <p:cNvSpPr/>
+            <p:nvPr/>
+          </p:nvSpPr>
+          <p:spPr>
+            <a:xfrm>
+              <a:off x="7651595" y="2063087"/>
+              <a:ext cx="2660943" cy="1516993"/>
+            </a:xfrm>
+            <a:prstGeom prst="roundRect">
+              <a:avLst/>
+            </a:prstGeom>
+            <a:solidFill>
+              <a:schemeClr val="accent1">
+                <a:lumMod val="20000"/>
+                <a:lumOff val="80000"/>
+              </a:schemeClr>
+            </a:solidFill>
+          </p:spPr>
+          <p:style>
+            <a:lnRef idx="2">
+              <a:schemeClr val="accent1">
+                <a:shade val="50000"/>
+              </a:schemeClr>
+            </a:lnRef>
+            <a:fillRef idx="1">
+              <a:schemeClr val="accent1"/>
+            </a:fillRef>
+            <a:effectRef idx="0">
+              <a:schemeClr val="accent1"/>
+            </a:effectRef>
+            <a:fontRef idx="minor">
+              <a:schemeClr val="lt1"/>
+            </a:fontRef>
+          </p:style>
+          <p:txBody>
+            <a:bodyPr rtlCol="0" anchor="ctr"/>
+            <a:lstStyle/>
+            <a:p>
+              <a:pPr algn="ctr"/>
+              <a:endParaRPr lang="en-CA"/>
+            </a:p>
+          </p:txBody>
+        </p:sp>
+        <p:sp>
+          <p:nvSpPr>
+            <p:cNvPr id="35" name="Rectangle: Rounded Corners 34">
+              <a:extLst>
+                <a:ext uri="{FF2B5EF4-FFF2-40B4-BE49-F238E27FC236}">
+                  <a16:creationId xmlns:a16="http://schemas.microsoft.com/office/drawing/2014/main" id="{1B14320D-8B34-4F29-8B59-F7DEF06EC0AC}"/>
+                </a:ext>
+              </a:extLst>
+            </p:cNvPr>
+            <p:cNvSpPr/>
+            <p:nvPr/>
+          </p:nvSpPr>
+          <p:spPr>
+            <a:xfrm>
+              <a:off x="1136557" y="2063087"/>
+              <a:ext cx="2660943" cy="1516993"/>
+            </a:xfrm>
+            <a:prstGeom prst="roundRect">
+              <a:avLst/>
+            </a:prstGeom>
+            <a:solidFill>
+              <a:schemeClr val="accent1">
+                <a:lumMod val="20000"/>
+                <a:lumOff val="80000"/>
+              </a:schemeClr>
+            </a:solidFill>
+          </p:spPr>
+          <p:style>
+            <a:lnRef idx="2">
+              <a:schemeClr val="accent1">
+                <a:shade val="50000"/>
+              </a:schemeClr>
+            </a:lnRef>
+            <a:fillRef idx="1">
+              <a:schemeClr val="accent1"/>
+            </a:fillRef>
+            <a:effectRef idx="0">
+              <a:schemeClr val="accent1"/>
+            </a:effectRef>
+            <a:fontRef idx="minor">
+              <a:schemeClr val="lt1"/>
+            </a:fontRef>
+          </p:style>
+          <p:txBody>
+            <a:bodyPr rtlCol="0" anchor="ctr"/>
+            <a:lstStyle/>
+            <a:p>
+              <a:pPr algn="ctr"/>
+              <a:endParaRPr lang="en-CA"/>
+            </a:p>
+          </p:txBody>
+        </p:sp>
+        <p:sp>
+          <p:nvSpPr>
+            <p:cNvPr id="3" name="Rectangle: Rounded Corners 2">
+              <a:extLst>
+                <a:ext uri="{FF2B5EF4-FFF2-40B4-BE49-F238E27FC236}">
+                  <a16:creationId xmlns:a16="http://schemas.microsoft.com/office/drawing/2014/main" id="{3E9F91AC-43AA-446F-A0E9-35BF4ED5C76F}"/>
+                </a:ext>
+              </a:extLst>
+            </p:cNvPr>
+            <p:cNvSpPr/>
+            <p:nvPr/>
+          </p:nvSpPr>
+          <p:spPr>
+            <a:xfrm>
+              <a:off x="4400306" y="2063087"/>
+              <a:ext cx="2660943" cy="1516993"/>
+            </a:xfrm>
+            <a:prstGeom prst="roundRect">
+              <a:avLst/>
+            </a:prstGeom>
+            <a:solidFill>
+              <a:schemeClr val="accent1">
+                <a:lumMod val="20000"/>
+                <a:lumOff val="80000"/>
+              </a:schemeClr>
+            </a:solidFill>
+          </p:spPr>
+          <p:style>
+            <a:lnRef idx="2">
+              <a:schemeClr val="accent1">
+                <a:shade val="50000"/>
+              </a:schemeClr>
+            </a:lnRef>
+            <a:fillRef idx="1">
+              <a:schemeClr val="accent1"/>
+            </a:fillRef>
+            <a:effectRef idx="0">
+              <a:schemeClr val="accent1"/>
+            </a:effectRef>
+            <a:fontRef idx="minor">
+              <a:schemeClr val="lt1"/>
+            </a:fontRef>
+          </p:style>
+          <p:txBody>
+            <a:bodyPr rtlCol="0" anchor="ctr"/>
+            <a:lstStyle/>
+            <a:p>
+              <a:pPr algn="ctr"/>
+              <a:endParaRPr lang="en-CA"/>
+            </a:p>
+          </p:txBody>
+        </p:sp>
+        <p:sp>
+          <p:nvSpPr>
+            <p:cNvPr id="5" name="Rectangle 4">
+              <a:extLst>
+                <a:ext uri="{FF2B5EF4-FFF2-40B4-BE49-F238E27FC236}">
+                  <a16:creationId xmlns:a16="http://schemas.microsoft.com/office/drawing/2014/main" id="{837F4F08-69A6-4D5F-B85E-06DFA59F509C}"/>
+                </a:ext>
+              </a:extLst>
+            </p:cNvPr>
+            <p:cNvSpPr/>
+            <p:nvPr/>
+          </p:nvSpPr>
+          <p:spPr>
+            <a:xfrm>
+              <a:off x="1343270" y="1377354"/>
+              <a:ext cx="2190325" cy="653142"/>
+            </a:xfrm>
+            <a:prstGeom prst="rect">
+              <a:avLst/>
+            </a:prstGeom>
+          </p:spPr>
+          <p:style>
+            <a:lnRef idx="3">
+              <a:schemeClr val="lt1"/>
+            </a:lnRef>
+            <a:fillRef idx="1">
+              <a:schemeClr val="dk1"/>
+            </a:fillRef>
+            <a:effectRef idx="1">
+              <a:schemeClr val="dk1"/>
+            </a:effectRef>
+            <a:fontRef idx="minor">
+              <a:schemeClr val="lt1"/>
+            </a:fontRef>
+          </p:style>
+          <p:txBody>
+            <a:bodyPr rtlCol="0" anchor="ctr"/>
+            <a:lstStyle/>
+            <a:p>
+              <a:pPr algn="ctr"/>
+              <a:r>
+                <a:rPr lang="en-US" b="1" dirty="0"/>
+                <a:t>1. Extract</a:t>
+              </a:r>
+              <a:endParaRPr lang="en-CA" b="1" dirty="0"/>
+            </a:p>
+          </p:txBody>
+        </p:sp>
+        <p:sp>
+          <p:nvSpPr>
+            <p:cNvPr id="7" name="Rectangle 6">
+              <a:extLst>
+                <a:ext uri="{FF2B5EF4-FFF2-40B4-BE49-F238E27FC236}">
+                  <a16:creationId xmlns:a16="http://schemas.microsoft.com/office/drawing/2014/main" id="{3E95BFA3-151E-4D6B-B4B8-F3F3A270443E}"/>
+                </a:ext>
+              </a:extLst>
+            </p:cNvPr>
+            <p:cNvSpPr/>
+            <p:nvPr/>
+          </p:nvSpPr>
+          <p:spPr>
+            <a:xfrm>
+              <a:off x="4630439" y="1377354"/>
+              <a:ext cx="2190325" cy="653142"/>
+            </a:xfrm>
+            <a:prstGeom prst="rect">
+              <a:avLst/>
+            </a:prstGeom>
+          </p:spPr>
+          <p:style>
+            <a:lnRef idx="3">
+              <a:schemeClr val="lt1"/>
+            </a:lnRef>
+            <a:fillRef idx="1">
+              <a:schemeClr val="dk1"/>
+            </a:fillRef>
+            <a:effectRef idx="1">
+              <a:schemeClr val="dk1"/>
+            </a:effectRef>
+            <a:fontRef idx="minor">
+              <a:schemeClr val="lt1"/>
+            </a:fontRef>
+          </p:style>
+          <p:txBody>
+            <a:bodyPr rtlCol="0" anchor="ctr"/>
+            <a:lstStyle/>
+            <a:p>
+              <a:pPr algn="ctr"/>
+              <a:r>
+                <a:rPr lang="en-US" b="1" dirty="0"/>
+                <a:t>2. Transform (</a:t>
+              </a:r>
+              <a:r>
+                <a:rPr lang="en-US" b="1" dirty="0" err="1"/>
+                <a:t>Latyr</a:t>
+              </a:r>
+              <a:r>
+                <a:rPr lang="en-US" b="1" dirty="0"/>
+                <a:t>/Stephen)</a:t>
+              </a:r>
+              <a:endParaRPr lang="en-CA" b="1" dirty="0"/>
+            </a:p>
+          </p:txBody>
+        </p:sp>
+        <p:sp>
+          <p:nvSpPr>
+            <p:cNvPr id="9" name="Flowchart: Magnetic Disk 8">
+              <a:extLst>
+                <a:ext uri="{FF2B5EF4-FFF2-40B4-BE49-F238E27FC236}">
+                  <a16:creationId xmlns:a16="http://schemas.microsoft.com/office/drawing/2014/main" id="{9C907632-60C9-4176-B41C-DC1AEA64A66B}"/>
+                </a:ext>
+              </a:extLst>
+            </p:cNvPr>
+            <p:cNvSpPr/>
+            <p:nvPr/>
+          </p:nvSpPr>
+          <p:spPr>
+            <a:xfrm>
+              <a:off x="4553757" y="2106288"/>
+              <a:ext cx="915768" cy="1353527"/>
+            </a:xfrm>
+            <a:prstGeom prst="flowChartMagneticDisk">
+              <a:avLst/>
+            </a:prstGeom>
+            <a:solidFill>
+              <a:schemeClr val="bg1">
+                <a:lumMod val="85000"/>
+              </a:schemeClr>
+            </a:solidFill>
+          </p:spPr>
+          <p:style>
+            <a:lnRef idx="2">
+              <a:schemeClr val="accent1">
+                <a:shade val="50000"/>
+              </a:schemeClr>
+            </a:lnRef>
+            <a:fillRef idx="1">
+              <a:schemeClr val="accent1"/>
+            </a:fillRef>
+            <a:effectRef idx="0">
+              <a:schemeClr val="accent1"/>
+            </a:effectRef>
+            <a:fontRef idx="minor">
+              <a:schemeClr val="lt1"/>
+            </a:fontRef>
+          </p:style>
+          <p:txBody>
+            <a:bodyPr rtlCol="0" anchor="ctr"/>
+            <a:lstStyle/>
+            <a:p>
+              <a:pPr algn="ctr"/>
+              <a:r>
+                <a:rPr lang="en-US" b="1" dirty="0">
+                  <a:solidFill>
+                    <a:schemeClr val="accent5">
+                      <a:lumMod val="75000"/>
+                    </a:schemeClr>
+                  </a:solidFill>
+                </a:rPr>
+                <a:t>Pandas</a:t>
+              </a:r>
+            </a:p>
+            <a:p>
+              <a:pPr algn="ctr"/>
+              <a:r>
+                <a:rPr lang="en-US" b="1" dirty="0">
+                  <a:solidFill>
+                    <a:schemeClr val="accent5">
+                      <a:lumMod val="75000"/>
+                    </a:schemeClr>
+                  </a:solidFill>
+                </a:rPr>
+                <a:t>+ Json</a:t>
+              </a:r>
+            </a:p>
+            <a:p>
+              <a:pPr algn="ctr"/>
+              <a:r>
+                <a:rPr lang="en-US" b="1" dirty="0">
+                  <a:solidFill>
+                    <a:schemeClr val="accent5">
+                      <a:lumMod val="75000"/>
+                    </a:schemeClr>
+                  </a:solidFill>
+                </a:rPr>
+                <a:t>(</a:t>
+              </a:r>
+              <a:r>
+                <a:rPr lang="en-US" b="1" dirty="0" err="1">
+                  <a:solidFill>
+                    <a:schemeClr val="accent5">
+                      <a:lumMod val="75000"/>
+                    </a:schemeClr>
+                  </a:solidFill>
+                </a:rPr>
+                <a:t>Latyr</a:t>
+              </a:r>
+              <a:r>
+                <a:rPr lang="en-US" b="1" dirty="0">
+                  <a:solidFill>
+                    <a:schemeClr val="accent5">
+                      <a:lumMod val="75000"/>
+                    </a:schemeClr>
+                  </a:solidFill>
+                </a:rPr>
+                <a:t>)</a:t>
+              </a:r>
+              <a:endParaRPr lang="en-CA" b="1" dirty="0">
+                <a:solidFill>
+                  <a:schemeClr val="accent5">
+                    <a:lumMod val="75000"/>
+                  </a:schemeClr>
+                </a:solidFill>
+              </a:endParaRPr>
+            </a:p>
+          </p:txBody>
+        </p:sp>
+        <p:sp>
+          <p:nvSpPr>
+            <p:cNvPr id="19" name="Arrow: Down 18">
+              <a:extLst>
+                <a:ext uri="{FF2B5EF4-FFF2-40B4-BE49-F238E27FC236}">
+                  <a16:creationId xmlns:a16="http://schemas.microsoft.com/office/drawing/2014/main" id="{0BCC0BC8-4CBC-4ABC-9AE4-9D9460CA50F6}"/>
+                </a:ext>
+              </a:extLst>
+            </p:cNvPr>
+            <p:cNvSpPr/>
+            <p:nvPr/>
+          </p:nvSpPr>
+          <p:spPr>
+            <a:xfrm rot="16200000">
+              <a:off x="3940754" y="2595329"/>
+              <a:ext cx="436229" cy="362767"/>
+            </a:xfrm>
+            <a:prstGeom prst="downArrow">
+              <a:avLst/>
+            </a:prstGeom>
+            <a:solidFill>
+              <a:schemeClr val="tx1"/>
+            </a:solidFill>
+            <a:ln>
+              <a:noFill/>
+            </a:ln>
+          </p:spPr>
+          <p:style>
+            <a:lnRef idx="2">
+              <a:schemeClr val="accent1">
+                <a:shade val="50000"/>
+              </a:schemeClr>
+            </a:lnRef>
+            <a:fillRef idx="1">
+              <a:schemeClr val="accent1"/>
+            </a:fillRef>
+            <a:effectRef idx="0">
+              <a:schemeClr val="accent1"/>
+            </a:effectRef>
+            <a:fontRef idx="minor">
+              <a:schemeClr val="lt1"/>
+            </a:fontRef>
+          </p:style>
+          <p:txBody>
+            <a:bodyPr rtlCol="0" anchor="ctr"/>
+            <a:lstStyle/>
+            <a:p>
+              <a:pPr algn="ctr"/>
+              <a:endParaRPr lang="en-CA"/>
+            </a:p>
+          </p:txBody>
+        </p:sp>
+        <p:sp>
+          <p:nvSpPr>
+            <p:cNvPr id="23" name="Flowchart: Magnetic Disk 22">
+              <a:extLst>
+                <a:ext uri="{FF2B5EF4-FFF2-40B4-BE49-F238E27FC236}">
+                  <a16:creationId xmlns:a16="http://schemas.microsoft.com/office/drawing/2014/main" id="{EB9E0388-3605-4891-8BC7-D177431178C3}"/>
+                </a:ext>
+              </a:extLst>
+            </p:cNvPr>
+            <p:cNvSpPr/>
+            <p:nvPr/>
+          </p:nvSpPr>
+          <p:spPr>
+            <a:xfrm>
+              <a:off x="5954259" y="2099950"/>
+              <a:ext cx="915768" cy="1353527"/>
+            </a:xfrm>
+            <a:prstGeom prst="flowChartMagneticDisk">
+              <a:avLst/>
+            </a:prstGeom>
+            <a:solidFill>
+              <a:schemeClr val="bg1">
+                <a:lumMod val="85000"/>
+              </a:schemeClr>
+            </a:solidFill>
+          </p:spPr>
+          <p:style>
+            <a:lnRef idx="2">
+              <a:schemeClr val="accent1">
+                <a:shade val="50000"/>
+              </a:schemeClr>
+            </a:lnRef>
+            <a:fillRef idx="1">
+              <a:schemeClr val="accent1"/>
+            </a:fillRef>
+            <a:effectRef idx="0">
+              <a:schemeClr val="accent1"/>
+            </a:effectRef>
+            <a:fontRef idx="minor">
+              <a:schemeClr val="lt1"/>
+            </a:fontRef>
+          </p:style>
+          <p:txBody>
+            <a:bodyPr rtlCol="0" anchor="ctr"/>
+            <a:lstStyle/>
+            <a:p>
+              <a:pPr algn="ctr"/>
+              <a:r>
+                <a:rPr lang="en-US" b="1" dirty="0">
+                  <a:solidFill>
+                    <a:schemeClr val="accent5">
+                      <a:lumMod val="75000"/>
+                    </a:schemeClr>
+                  </a:solidFill>
+                </a:rPr>
+                <a:t>Csv files</a:t>
+              </a:r>
+            </a:p>
+            <a:p>
+              <a:pPr algn="ctr"/>
+              <a:r>
+                <a:rPr lang="en-US" b="1" dirty="0">
+                  <a:solidFill>
+                    <a:schemeClr val="accent5">
+                      <a:lumMod val="75000"/>
+                    </a:schemeClr>
+                  </a:solidFill>
+                </a:rPr>
+                <a:t>(</a:t>
+              </a:r>
+              <a:r>
+                <a:rPr lang="en-US" b="1" dirty="0" err="1">
+                  <a:solidFill>
+                    <a:schemeClr val="accent5">
+                      <a:lumMod val="75000"/>
+                    </a:schemeClr>
+                  </a:solidFill>
+                </a:rPr>
+                <a:t>Latyr</a:t>
+              </a:r>
+              <a:r>
+                <a:rPr lang="en-US" b="1" dirty="0">
+                  <a:solidFill>
+                    <a:schemeClr val="accent5">
+                      <a:lumMod val="75000"/>
+                    </a:schemeClr>
+                  </a:solidFill>
+                </a:rPr>
+                <a:t>)</a:t>
+              </a:r>
+              <a:endParaRPr lang="en-CA" b="1" dirty="0">
+                <a:solidFill>
+                  <a:schemeClr val="accent5">
+                    <a:lumMod val="75000"/>
+                  </a:schemeClr>
+                </a:solidFill>
+              </a:endParaRPr>
+            </a:p>
+          </p:txBody>
+        </p:sp>
+        <p:sp>
+          <p:nvSpPr>
+            <p:cNvPr id="18" name="Arrow: Down 17">
+              <a:extLst>
+                <a:ext uri="{FF2B5EF4-FFF2-40B4-BE49-F238E27FC236}">
+                  <a16:creationId xmlns:a16="http://schemas.microsoft.com/office/drawing/2014/main" id="{43267754-29D3-4D70-B7A6-84C16AA3A3AD}"/>
+                </a:ext>
+              </a:extLst>
+            </p:cNvPr>
+            <p:cNvSpPr/>
+            <p:nvPr/>
+          </p:nvSpPr>
+          <p:spPr>
+            <a:xfrm rot="16200000">
+              <a:off x="5600513" y="2555985"/>
+              <a:ext cx="250178" cy="361766"/>
+            </a:xfrm>
+            <a:prstGeom prst="downArrow">
+              <a:avLst/>
+            </a:prstGeom>
+          </p:spPr>
+          <p:style>
+            <a:lnRef idx="2">
+              <a:schemeClr val="accent1">
+                <a:shade val="50000"/>
+              </a:schemeClr>
+            </a:lnRef>
+            <a:fillRef idx="1">
+              <a:schemeClr val="accent1"/>
+            </a:fillRef>
+            <a:effectRef idx="0">
+              <a:schemeClr val="accent1"/>
+            </a:effectRef>
+            <a:fontRef idx="minor">
+              <a:schemeClr val="lt1"/>
+            </a:fontRef>
+          </p:style>
+          <p:txBody>
+            <a:bodyPr rtlCol="0" anchor="ctr"/>
+            <a:lstStyle/>
+            <a:p>
+              <a:pPr algn="ctr"/>
+              <a:endParaRPr lang="en-CA"/>
+            </a:p>
+          </p:txBody>
+        </p:sp>
+        <p:sp>
+          <p:nvSpPr>
+            <p:cNvPr id="24" name="Arrow: Down 23">
+              <a:extLst>
+                <a:ext uri="{FF2B5EF4-FFF2-40B4-BE49-F238E27FC236}">
+                  <a16:creationId xmlns:a16="http://schemas.microsoft.com/office/drawing/2014/main" id="{B54DAF56-5507-406E-B1AD-E3EFD2A73F84}"/>
+                </a:ext>
+              </a:extLst>
+            </p:cNvPr>
+            <p:cNvSpPr/>
+            <p:nvPr/>
+          </p:nvSpPr>
+          <p:spPr>
+            <a:xfrm rot="16200000">
+              <a:off x="7125892" y="2555484"/>
+              <a:ext cx="436229" cy="362767"/>
+            </a:xfrm>
+            <a:prstGeom prst="downArrow">
+              <a:avLst/>
+            </a:prstGeom>
+            <a:solidFill>
+              <a:schemeClr val="tx1"/>
+            </a:solidFill>
+            <a:ln>
+              <a:noFill/>
+            </a:ln>
+          </p:spPr>
+          <p:style>
+            <a:lnRef idx="2">
+              <a:schemeClr val="accent1">
+                <a:shade val="50000"/>
+              </a:schemeClr>
+            </a:lnRef>
+            <a:fillRef idx="1">
+              <a:schemeClr val="accent1"/>
+            </a:fillRef>
+            <a:effectRef idx="0">
+              <a:schemeClr val="accent1"/>
+            </a:effectRef>
+            <a:fontRef idx="minor">
+              <a:schemeClr val="lt1"/>
+            </a:fontRef>
+          </p:style>
+          <p:txBody>
+            <a:bodyPr rtlCol="0" anchor="ctr"/>
+            <a:lstStyle/>
+            <a:p>
+              <a:pPr algn="ctr"/>
+              <a:endParaRPr lang="en-CA"/>
+            </a:p>
+          </p:txBody>
+        </p:sp>
+        <p:sp>
+          <p:nvSpPr>
+            <p:cNvPr id="26" name="Rectangle 25">
+              <a:extLst>
+                <a:ext uri="{FF2B5EF4-FFF2-40B4-BE49-F238E27FC236}">
+                  <a16:creationId xmlns:a16="http://schemas.microsoft.com/office/drawing/2014/main" id="{5D9854E5-90A0-4377-871C-62AA1B97CE2B}"/>
+                </a:ext>
+              </a:extLst>
+            </p:cNvPr>
+            <p:cNvSpPr/>
+            <p:nvPr/>
+          </p:nvSpPr>
+          <p:spPr>
+            <a:xfrm>
+              <a:off x="7886905" y="1377354"/>
+              <a:ext cx="2190325" cy="653142"/>
+            </a:xfrm>
+            <a:prstGeom prst="rect">
+              <a:avLst/>
+            </a:prstGeom>
+          </p:spPr>
+          <p:style>
+            <a:lnRef idx="3">
+              <a:schemeClr val="lt1"/>
+            </a:lnRef>
+            <a:fillRef idx="1">
+              <a:schemeClr val="dk1"/>
+            </a:fillRef>
+            <a:effectRef idx="1">
+              <a:schemeClr val="dk1"/>
+            </a:effectRef>
+            <a:fontRef idx="minor">
+              <a:schemeClr val="lt1"/>
+            </a:fontRef>
+          </p:style>
+          <p:txBody>
+            <a:bodyPr rtlCol="0" anchor="ctr"/>
+            <a:lstStyle/>
+            <a:p>
+              <a:pPr algn="ctr"/>
+              <a:r>
+                <a:rPr lang="en-US" b="1" dirty="0"/>
+                <a:t>3. Load/Analyze (</a:t>
+              </a:r>
+              <a:r>
+                <a:rPr lang="en-US" b="1" dirty="0">
+                  <a:solidFill>
+                    <a:schemeClr val="bg1"/>
+                  </a:solidFill>
+                </a:rPr>
+                <a:t>Prajakta)</a:t>
+              </a:r>
+              <a:endParaRPr lang="en-CA" b="1" dirty="0"/>
+            </a:p>
+          </p:txBody>
+        </p:sp>
+        <p:sp>
+          <p:nvSpPr>
+            <p:cNvPr id="29" name="Flowchart: Magnetic Disk 28">
+              <a:extLst>
+                <a:ext uri="{FF2B5EF4-FFF2-40B4-BE49-F238E27FC236}">
+                  <a16:creationId xmlns:a16="http://schemas.microsoft.com/office/drawing/2014/main" id="{8BB68D27-D7F2-49AC-800D-286306A6E4AB}"/>
+                </a:ext>
+              </a:extLst>
+            </p:cNvPr>
+            <p:cNvSpPr/>
+            <p:nvPr/>
+          </p:nvSpPr>
+          <p:spPr>
+            <a:xfrm>
+              <a:off x="8305022" y="2127063"/>
+              <a:ext cx="1398483" cy="1353527"/>
+            </a:xfrm>
+            <a:prstGeom prst="flowChartMagneticDisk">
+              <a:avLst/>
+            </a:prstGeom>
+            <a:solidFill>
+              <a:schemeClr val="bg1">
+                <a:lumMod val="85000"/>
+              </a:schemeClr>
+            </a:solidFill>
+          </p:spPr>
+          <p:style>
+            <a:lnRef idx="2">
+              <a:schemeClr val="accent1">
+                <a:shade val="50000"/>
+              </a:schemeClr>
+            </a:lnRef>
+            <a:fillRef idx="1">
+              <a:schemeClr val="accent1"/>
+            </a:fillRef>
+            <a:effectRef idx="0">
+              <a:schemeClr val="accent1"/>
+            </a:effectRef>
+            <a:fontRef idx="minor">
+              <a:schemeClr val="lt1"/>
+            </a:fontRef>
+          </p:style>
+          <p:txBody>
+            <a:bodyPr rtlCol="0" anchor="ctr"/>
+            <a:lstStyle/>
+            <a:p>
+              <a:pPr algn="ctr"/>
+              <a:r>
+                <a:rPr lang="en-US" b="1" dirty="0">
+                  <a:solidFill>
+                    <a:schemeClr val="accent5">
+                      <a:lumMod val="75000"/>
+                    </a:schemeClr>
+                  </a:solidFill>
+                </a:rPr>
+                <a:t>PG Admin</a:t>
+              </a:r>
+            </a:p>
+            <a:p>
+              <a:pPr algn="ctr"/>
+              <a:r>
+                <a:rPr lang="en-US" b="1" dirty="0">
+                  <a:solidFill>
+                    <a:schemeClr val="accent5">
+                      <a:lumMod val="75000"/>
+                    </a:schemeClr>
+                  </a:solidFill>
+                </a:rPr>
+                <a:t>-SQL-</a:t>
+              </a:r>
+            </a:p>
+            <a:p>
+              <a:pPr algn="ctr"/>
+              <a:r>
+                <a:rPr lang="en-US" b="1" dirty="0">
+                  <a:solidFill>
+                    <a:schemeClr val="accent5">
+                      <a:lumMod val="75000"/>
+                    </a:schemeClr>
+                  </a:solidFill>
+                </a:rPr>
+                <a:t>()</a:t>
+              </a:r>
+              <a:endParaRPr lang="en-CA" b="1" dirty="0">
+                <a:solidFill>
+                  <a:schemeClr val="accent5">
+                    <a:lumMod val="75000"/>
+                  </a:schemeClr>
+                </a:solidFill>
+              </a:endParaRPr>
+            </a:p>
+          </p:txBody>
+        </p:sp>
+        <p:sp>
+          <p:nvSpPr>
+            <p:cNvPr id="31" name="Rectangle 30">
+              <a:extLst>
+                <a:ext uri="{FF2B5EF4-FFF2-40B4-BE49-F238E27FC236}">
+                  <a16:creationId xmlns:a16="http://schemas.microsoft.com/office/drawing/2014/main" id="{6585A70A-A2E5-4B24-8815-F383EF48F4CD}"/>
+                </a:ext>
+              </a:extLst>
+            </p:cNvPr>
+            <p:cNvSpPr/>
+            <p:nvPr/>
+          </p:nvSpPr>
+          <p:spPr>
+            <a:xfrm>
+              <a:off x="1343270" y="4085584"/>
+              <a:ext cx="2190324" cy="653142"/>
+            </a:xfrm>
+            <a:prstGeom prst="rect">
+              <a:avLst/>
+            </a:prstGeom>
+          </p:spPr>
+          <p:style>
+            <a:lnRef idx="3">
+              <a:schemeClr val="lt1"/>
+            </a:lnRef>
+            <a:fillRef idx="1">
+              <a:schemeClr val="dk1"/>
+            </a:fillRef>
+            <a:effectRef idx="1">
+              <a:schemeClr val="dk1"/>
+            </a:effectRef>
+            <a:fontRef idx="minor">
+              <a:schemeClr val="lt1"/>
+            </a:fontRef>
+          </p:style>
+          <p:txBody>
+            <a:bodyPr rtlCol="0" anchor="ctr"/>
+            <a:lstStyle/>
+            <a:p>
+              <a:pPr algn="ctr"/>
+              <a:r>
+                <a:rPr lang="en-US" b="1" dirty="0"/>
+                <a:t>6. Web Design (Anna/</a:t>
+              </a:r>
+              <a:r>
+                <a:rPr lang="en-US" b="1" dirty="0" err="1"/>
+                <a:t>Lujane</a:t>
+              </a:r>
+              <a:r>
+                <a:rPr lang="en-US" b="1" dirty="0"/>
+                <a:t>)</a:t>
+              </a:r>
+              <a:endParaRPr lang="en-CA" b="1" dirty="0"/>
+            </a:p>
+          </p:txBody>
+        </p:sp>
+        <p:sp>
+          <p:nvSpPr>
+            <p:cNvPr id="32" name="Arrow: Down 31">
+              <a:extLst>
+                <a:ext uri="{FF2B5EF4-FFF2-40B4-BE49-F238E27FC236}">
+                  <a16:creationId xmlns:a16="http://schemas.microsoft.com/office/drawing/2014/main" id="{33A21B13-DE13-4AA9-91FE-4FC1E8A332F8}"/>
+                </a:ext>
+              </a:extLst>
+            </p:cNvPr>
+            <p:cNvSpPr/>
+            <p:nvPr/>
+          </p:nvSpPr>
+          <p:spPr>
+            <a:xfrm>
+              <a:off x="8786148" y="3627338"/>
+              <a:ext cx="436229" cy="362767"/>
+            </a:xfrm>
+            <a:prstGeom prst="downArrow">
+              <a:avLst/>
+            </a:prstGeom>
+            <a:solidFill>
+              <a:schemeClr val="tx1"/>
+            </a:solidFill>
+            <a:ln>
+              <a:noFill/>
+            </a:ln>
+          </p:spPr>
+          <p:style>
+            <a:lnRef idx="2">
+              <a:schemeClr val="accent1">
+                <a:shade val="50000"/>
+              </a:schemeClr>
+            </a:lnRef>
+            <a:fillRef idx="1">
+              <a:schemeClr val="accent1"/>
+            </a:fillRef>
+            <a:effectRef idx="0">
+              <a:schemeClr val="accent1"/>
+            </a:effectRef>
+            <a:fontRef idx="minor">
+              <a:schemeClr val="lt1"/>
+            </a:fontRef>
+          </p:style>
+          <p:txBody>
+            <a:bodyPr rtlCol="0" anchor="ctr"/>
+            <a:lstStyle/>
+            <a:p>
+              <a:pPr algn="ctr"/>
+              <a:endParaRPr lang="en-CA"/>
+            </a:p>
+          </p:txBody>
+        </p:sp>
+        <p:sp>
+          <p:nvSpPr>
+            <p:cNvPr id="33" name="Rectangle 32">
+              <a:extLst>
+                <a:ext uri="{FF2B5EF4-FFF2-40B4-BE49-F238E27FC236}">
+                  <a16:creationId xmlns:a16="http://schemas.microsoft.com/office/drawing/2014/main" id="{168F6F17-AE0E-402A-ADBF-7F0A659905C5}"/>
+                </a:ext>
+              </a:extLst>
+            </p:cNvPr>
+            <p:cNvSpPr/>
+            <p:nvPr/>
+          </p:nvSpPr>
+          <p:spPr>
+            <a:xfrm>
+              <a:off x="4630439" y="4085584"/>
+              <a:ext cx="2190325" cy="653142"/>
+            </a:xfrm>
+            <a:prstGeom prst="rect">
+              <a:avLst/>
+            </a:prstGeom>
+          </p:spPr>
+          <p:style>
+            <a:lnRef idx="3">
+              <a:schemeClr val="lt1"/>
+            </a:lnRef>
+            <a:fillRef idx="1">
+              <a:schemeClr val="dk1"/>
+            </a:fillRef>
+            <a:effectRef idx="1">
+              <a:schemeClr val="dk1"/>
+            </a:effectRef>
+            <a:fontRef idx="minor">
+              <a:schemeClr val="lt1"/>
+            </a:fontRef>
+          </p:style>
+          <p:txBody>
+            <a:bodyPr rtlCol="0" anchor="ctr"/>
+            <a:lstStyle/>
+            <a:p>
+              <a:pPr algn="ctr"/>
+              <a:r>
+                <a:rPr lang="en-US" b="1" dirty="0"/>
+                <a:t>5. Data Source </a:t>
+              </a:r>
+              <a:endParaRPr lang="en-CA" b="1" dirty="0"/>
+            </a:p>
+          </p:txBody>
+        </p:sp>
+        <p:sp>
+          <p:nvSpPr>
+            <p:cNvPr id="34" name="Rectangle 33">
+              <a:extLst>
+                <a:ext uri="{FF2B5EF4-FFF2-40B4-BE49-F238E27FC236}">
+                  <a16:creationId xmlns:a16="http://schemas.microsoft.com/office/drawing/2014/main" id="{E6BA4809-59A2-4110-BFA0-F72FAA1EA09F}"/>
+                </a:ext>
+              </a:extLst>
+            </p:cNvPr>
+            <p:cNvSpPr/>
+            <p:nvPr/>
+          </p:nvSpPr>
+          <p:spPr>
+            <a:xfrm>
+              <a:off x="7886905" y="4085584"/>
+              <a:ext cx="2190325" cy="653142"/>
+            </a:xfrm>
+            <a:prstGeom prst="rect">
+              <a:avLst/>
+            </a:prstGeom>
+          </p:spPr>
+          <p:style>
+            <a:lnRef idx="3">
+              <a:schemeClr val="lt1"/>
+            </a:lnRef>
+            <a:fillRef idx="1">
+              <a:schemeClr val="dk1"/>
+            </a:fillRef>
+            <a:effectRef idx="1">
+              <a:schemeClr val="dk1"/>
+            </a:effectRef>
+            <a:fontRef idx="minor">
+              <a:schemeClr val="lt1"/>
+            </a:fontRef>
+          </p:style>
+          <p:txBody>
+            <a:bodyPr rtlCol="0" anchor="ctr"/>
+            <a:lstStyle/>
+            <a:p>
+              <a:pPr algn="ctr"/>
+              <a:r>
+                <a:rPr lang="en-US" b="1" dirty="0"/>
+                <a:t>4. Flask App(</a:t>
+              </a:r>
+              <a:r>
+                <a:rPr lang="en-US" b="1" dirty="0" err="1"/>
+                <a:t>Latyr</a:t>
+              </a:r>
+              <a:r>
+                <a:rPr lang="en-US" b="1" dirty="0"/>
+                <a:t>) </a:t>
+              </a:r>
+              <a:endParaRPr lang="en-CA" b="1" dirty="0"/>
+            </a:p>
+          </p:txBody>
+        </p:sp>
+        <p:sp>
+          <p:nvSpPr>
+            <p:cNvPr id="37" name="Rectangle: Rounded Corners 36">
+              <a:extLst>
+                <a:ext uri="{FF2B5EF4-FFF2-40B4-BE49-F238E27FC236}">
+                  <a16:creationId xmlns:a16="http://schemas.microsoft.com/office/drawing/2014/main" id="{C6291D1B-06C4-4905-AA1C-C598093D59C3}"/>
+                </a:ext>
+              </a:extLst>
+            </p:cNvPr>
+            <p:cNvSpPr/>
+            <p:nvPr/>
+          </p:nvSpPr>
+          <p:spPr>
+            <a:xfrm>
+              <a:off x="7651595" y="4923177"/>
+              <a:ext cx="2660943" cy="1516993"/>
+            </a:xfrm>
+            <a:prstGeom prst="roundRect">
+              <a:avLst/>
+            </a:prstGeom>
+            <a:solidFill>
+              <a:schemeClr val="accent1">
+                <a:lumMod val="20000"/>
+                <a:lumOff val="80000"/>
+              </a:schemeClr>
+            </a:solidFill>
+          </p:spPr>
+          <p:style>
+            <a:lnRef idx="2">
+              <a:schemeClr val="accent1">
+                <a:shade val="50000"/>
+              </a:schemeClr>
+            </a:lnRef>
+            <a:fillRef idx="1">
+              <a:schemeClr val="accent1"/>
+            </a:fillRef>
+            <a:effectRef idx="0">
+              <a:schemeClr val="accent1"/>
+            </a:effectRef>
+            <a:fontRef idx="minor">
+              <a:schemeClr val="lt1"/>
+            </a:fontRef>
+          </p:style>
+          <p:txBody>
+            <a:bodyPr rtlCol="0" anchor="ctr"/>
+            <a:lstStyle/>
+            <a:p>
+              <a:pPr algn="ctr"/>
+              <a:endParaRPr lang="en-CA"/>
+            </a:p>
+          </p:txBody>
+        </p:sp>
+        <p:sp>
+          <p:nvSpPr>
+            <p:cNvPr id="38" name="Flowchart: Magnetic Disk 37">
+              <a:extLst>
+                <a:ext uri="{FF2B5EF4-FFF2-40B4-BE49-F238E27FC236}">
+                  <a16:creationId xmlns:a16="http://schemas.microsoft.com/office/drawing/2014/main" id="{4D1DE30E-7FDC-4414-96D2-5980990D0819}"/>
+                </a:ext>
+              </a:extLst>
+            </p:cNvPr>
+            <p:cNvSpPr/>
+            <p:nvPr/>
+          </p:nvSpPr>
+          <p:spPr>
+            <a:xfrm>
+              <a:off x="8305022" y="4987153"/>
+              <a:ext cx="1398483" cy="1353527"/>
+            </a:xfrm>
+            <a:prstGeom prst="flowChartMagneticDisk">
+              <a:avLst/>
+            </a:prstGeom>
+            <a:solidFill>
+              <a:schemeClr val="bg1">
+                <a:lumMod val="85000"/>
+              </a:schemeClr>
+            </a:solidFill>
+          </p:spPr>
+          <p:style>
+            <a:lnRef idx="2">
+              <a:schemeClr val="accent1">
+                <a:shade val="50000"/>
+              </a:schemeClr>
+            </a:lnRef>
+            <a:fillRef idx="1">
+              <a:schemeClr val="accent1"/>
+            </a:fillRef>
+            <a:effectRef idx="0">
+              <a:schemeClr val="accent1"/>
+            </a:effectRef>
+            <a:fontRef idx="minor">
+              <a:schemeClr val="lt1"/>
+            </a:fontRef>
+          </p:style>
+          <p:txBody>
+            <a:bodyPr rtlCol="0" anchor="ctr"/>
+            <a:lstStyle/>
+            <a:p>
+              <a:pPr algn="ctr"/>
+              <a:r>
+                <a:rPr lang="en-US" b="1" dirty="0">
+                  <a:solidFill>
+                    <a:schemeClr val="accent5">
+                      <a:lumMod val="75000"/>
+                    </a:schemeClr>
+                  </a:solidFill>
+                </a:rPr>
+                <a:t>Flask + </a:t>
+              </a:r>
+              <a:r>
+                <a:rPr lang="en-US" b="1" dirty="0" err="1">
+                  <a:solidFill>
+                    <a:schemeClr val="accent5">
+                      <a:lumMod val="75000"/>
+                    </a:schemeClr>
+                  </a:solidFill>
+                </a:rPr>
+                <a:t>SQLAlchemy</a:t>
+              </a:r>
+              <a:endParaRPr lang="en-US" b="1" dirty="0">
+                <a:solidFill>
+                  <a:schemeClr val="accent5">
+                    <a:lumMod val="75000"/>
+                  </a:schemeClr>
+                </a:solidFill>
+              </a:endParaRPr>
+            </a:p>
+            <a:p>
+              <a:pPr algn="ctr"/>
+              <a:r>
+                <a:rPr lang="en-US" b="1" dirty="0">
+                  <a:solidFill>
+                    <a:schemeClr val="accent5">
+                      <a:lumMod val="75000"/>
+                    </a:schemeClr>
+                  </a:solidFill>
+                </a:rPr>
+                <a:t>(Stephen)</a:t>
+              </a:r>
+              <a:endParaRPr lang="en-CA" b="1" dirty="0">
+                <a:solidFill>
+                  <a:schemeClr val="accent5">
+                    <a:lumMod val="75000"/>
+                  </a:schemeClr>
+                </a:solidFill>
+              </a:endParaRPr>
+            </a:p>
+          </p:txBody>
+        </p:sp>
+        <p:pic>
+          <p:nvPicPr>
+            <p:cNvPr id="2052" name="Picture 4" descr="Image result for web logo">
+              <a:extLst>
+                <a:ext uri="{FF2B5EF4-FFF2-40B4-BE49-F238E27FC236}">
+                  <a16:creationId xmlns:a16="http://schemas.microsoft.com/office/drawing/2014/main" id="{C3B52A99-B717-497A-80C1-78FFE646B5AD}"/>
+                </a:ext>
+              </a:extLst>
+            </p:cNvPr>
+            <p:cNvPicPr>
+              <a:picLocks noChangeAspect="1" noChangeArrowheads="1"/>
+            </p:cNvPicPr>
+            <p:nvPr/>
+          </p:nvPicPr>
+          <p:blipFill>
+            <a:blip r:embed="rId2">
+              <a:extLst>
+                <a:ext uri="{28A0092B-C50C-407E-A947-70E740481C1C}">
+                  <a14:useLocalDpi xmlns:a14="http://schemas.microsoft.com/office/drawing/2010/main" val="0"/>
+                </a:ext>
+              </a:extLst>
+            </a:blip>
+            <a:srcRect/>
+            <a:stretch>
+              <a:fillRect/>
+            </a:stretch>
+          </p:blipFill>
+          <p:spPr bwMode="auto">
+            <a:xfrm>
+              <a:off x="1800257" y="2204240"/>
+              <a:ext cx="1276350" cy="1276350"/>
+            </a:xfrm>
+            <a:prstGeom prst="rect">
+              <a:avLst/>
+            </a:prstGeom>
+            <a:noFill/>
+            <a:extLst>
+              <a:ext uri="{909E8E84-426E-40DD-AFC4-6F175D3DCCD1}">
+                <a14:hiddenFill xmlns:a14="http://schemas.microsoft.com/office/drawing/2010/main">
+                  <a:solidFill>
+                    <a:srgbClr val="FFFFFF"/>
+                  </a:solidFill>
+                </a14:hiddenFill>
+              </a:ext>
+            </a:extLst>
+          </p:spPr>
+        </p:pic>
+        <p:sp>
+          <p:nvSpPr>
+            <p:cNvPr id="40" name="Rectangle: Rounded Corners 39">
+              <a:extLst>
+                <a:ext uri="{FF2B5EF4-FFF2-40B4-BE49-F238E27FC236}">
+                  <a16:creationId xmlns:a16="http://schemas.microsoft.com/office/drawing/2014/main" id="{E3743A29-FEFA-4D90-9ABD-3FCE075B3450}"/>
+                </a:ext>
+              </a:extLst>
+            </p:cNvPr>
+            <p:cNvSpPr/>
+            <p:nvPr/>
+          </p:nvSpPr>
+          <p:spPr>
+            <a:xfrm>
+              <a:off x="4400783" y="4923176"/>
+              <a:ext cx="2660943" cy="1516993"/>
+            </a:xfrm>
+            <a:prstGeom prst="roundRect">
+              <a:avLst/>
+            </a:prstGeom>
+            <a:solidFill>
+              <a:schemeClr val="accent1">
+                <a:lumMod val="20000"/>
+                <a:lumOff val="80000"/>
+              </a:schemeClr>
+            </a:solidFill>
+          </p:spPr>
+          <p:style>
+            <a:lnRef idx="2">
+              <a:schemeClr val="accent1">
+                <a:shade val="50000"/>
+              </a:schemeClr>
+            </a:lnRef>
+            <a:fillRef idx="1">
+              <a:schemeClr val="accent1"/>
+            </a:fillRef>
+            <a:effectRef idx="0">
+              <a:schemeClr val="accent1"/>
+            </a:effectRef>
+            <a:fontRef idx="minor">
+              <a:schemeClr val="lt1"/>
+            </a:fontRef>
+          </p:style>
+          <p:txBody>
+            <a:bodyPr rtlCol="0" anchor="ctr"/>
+            <a:lstStyle/>
+            <a:p>
+              <a:pPr algn="ctr"/>
+              <a:endParaRPr lang="en-CA"/>
+            </a:p>
+          </p:txBody>
+        </p:sp>
+        <p:sp>
+          <p:nvSpPr>
+            <p:cNvPr id="42" name="Arrow: Down 41">
+              <a:extLst>
+                <a:ext uri="{FF2B5EF4-FFF2-40B4-BE49-F238E27FC236}">
+                  <a16:creationId xmlns:a16="http://schemas.microsoft.com/office/drawing/2014/main" id="{F7AA2044-1B96-46B8-A037-20ADD8881452}"/>
+                </a:ext>
+              </a:extLst>
+            </p:cNvPr>
+            <p:cNvSpPr/>
+            <p:nvPr/>
+          </p:nvSpPr>
+          <p:spPr>
+            <a:xfrm rot="5400000">
+              <a:off x="7106767" y="5571157"/>
+              <a:ext cx="436229" cy="362767"/>
+            </a:xfrm>
+            <a:prstGeom prst="downArrow">
+              <a:avLst/>
+            </a:prstGeom>
+            <a:solidFill>
+              <a:schemeClr val="tx1"/>
+            </a:solidFill>
+            <a:ln>
+              <a:noFill/>
+            </a:ln>
+          </p:spPr>
+          <p:style>
+            <a:lnRef idx="2">
+              <a:schemeClr val="accent1">
+                <a:shade val="50000"/>
+              </a:schemeClr>
+            </a:lnRef>
+            <a:fillRef idx="1">
+              <a:schemeClr val="accent1"/>
+            </a:fillRef>
+            <a:effectRef idx="0">
+              <a:schemeClr val="accent1"/>
+            </a:effectRef>
+            <a:fontRef idx="minor">
+              <a:schemeClr val="lt1"/>
+            </a:fontRef>
+          </p:style>
+          <p:txBody>
+            <a:bodyPr rtlCol="0" anchor="ctr"/>
+            <a:lstStyle/>
+            <a:p>
+              <a:pPr algn="ctr"/>
+              <a:endParaRPr lang="en-CA"/>
+            </a:p>
+          </p:txBody>
+        </p:sp>
+        <p:pic>
+          <p:nvPicPr>
+            <p:cNvPr id="45" name="Picture 6" descr="Json file Icon of Flat style - Available in SVG, PNG, EPS, AI ...">
+              <a:extLst>
+                <a:ext uri="{FF2B5EF4-FFF2-40B4-BE49-F238E27FC236}">
+                  <a16:creationId xmlns:a16="http://schemas.microsoft.com/office/drawing/2014/main" id="{57561749-4867-4FF8-8688-155C7C7CEE9C}"/>
+                </a:ext>
+              </a:extLst>
+            </p:cNvPr>
+            <p:cNvPicPr>
+              <a:picLocks noChangeAspect="1" noChangeArrowheads="1"/>
+            </p:cNvPicPr>
+            <p:nvPr/>
+          </p:nvPicPr>
+          <p:blipFill>
+            <a:blip r:embed="rId3">
+              <a:extLst>
+                <a:ext uri="{28A0092B-C50C-407E-A947-70E740481C1C}">
+                  <a14:useLocalDpi xmlns:a14="http://schemas.microsoft.com/office/drawing/2010/main" val="0"/>
+                </a:ext>
+              </a:extLst>
+            </a:blip>
+            <a:srcRect/>
+            <a:stretch>
+              <a:fillRect/>
+            </a:stretch>
+          </p:blipFill>
+          <p:spPr bwMode="auto">
+            <a:xfrm>
+              <a:off x="4516410" y="5327888"/>
+              <a:ext cx="747918" cy="747918"/>
+            </a:xfrm>
+            <a:prstGeom prst="rect">
+              <a:avLst/>
+            </a:prstGeom>
+            <a:noFill/>
+            <a:extLst>
+              <a:ext uri="{909E8E84-426E-40DD-AFC4-6F175D3DCCD1}">
+                <a14:hiddenFill xmlns:a14="http://schemas.microsoft.com/office/drawing/2010/main">
+                  <a:solidFill>
+                    <a:srgbClr val="FFFFFF"/>
+                  </a:solidFill>
+                </a14:hiddenFill>
+              </a:ext>
+            </a:extLst>
+          </p:spPr>
+        </p:pic>
+        <p:pic>
+          <p:nvPicPr>
+            <p:cNvPr id="46" name="Picture 6" descr="Json file Icon of Flat style - Available in SVG, PNG, EPS, AI ...">
+              <a:extLst>
+                <a:ext uri="{FF2B5EF4-FFF2-40B4-BE49-F238E27FC236}">
+                  <a16:creationId xmlns:a16="http://schemas.microsoft.com/office/drawing/2014/main" id="{840718C8-C83F-42E7-9DC7-B9ABC1A8DE80}"/>
+                </a:ext>
+              </a:extLst>
+            </p:cNvPr>
+            <p:cNvPicPr>
+              <a:picLocks noChangeAspect="1" noChangeArrowheads="1"/>
+            </p:cNvPicPr>
+            <p:nvPr/>
+          </p:nvPicPr>
+          <p:blipFill>
+            <a:blip r:embed="rId3">
+              <a:extLst>
+                <a:ext uri="{28A0092B-C50C-407E-A947-70E740481C1C}">
+                  <a14:useLocalDpi xmlns:a14="http://schemas.microsoft.com/office/drawing/2010/main" val="0"/>
+                </a:ext>
+              </a:extLst>
+            </a:blip>
+            <a:srcRect/>
+            <a:stretch>
+              <a:fillRect/>
+            </a:stretch>
+          </p:blipFill>
+          <p:spPr bwMode="auto">
+            <a:xfrm>
+              <a:off x="5368864" y="5327888"/>
+              <a:ext cx="747918" cy="747918"/>
+            </a:xfrm>
+            <a:prstGeom prst="rect">
+              <a:avLst/>
+            </a:prstGeom>
+            <a:noFill/>
+            <a:extLst>
+              <a:ext uri="{909E8E84-426E-40DD-AFC4-6F175D3DCCD1}">
+                <a14:hiddenFill xmlns:a14="http://schemas.microsoft.com/office/drawing/2010/main">
+                  <a:solidFill>
+                    <a:srgbClr val="FFFFFF"/>
+                  </a:solidFill>
+                </a14:hiddenFill>
+              </a:ext>
+            </a:extLst>
+          </p:spPr>
+        </p:pic>
+        <p:pic>
+          <p:nvPicPr>
+            <p:cNvPr id="47" name="Picture 6" descr="Json file Icon of Flat style - Available in SVG, PNG, EPS, AI ...">
+              <a:extLst>
+                <a:ext uri="{FF2B5EF4-FFF2-40B4-BE49-F238E27FC236}">
+                  <a16:creationId xmlns:a16="http://schemas.microsoft.com/office/drawing/2014/main" id="{000D8E47-2122-42B9-BED6-0FB7209B1E95}"/>
+                </a:ext>
+              </a:extLst>
+            </p:cNvPr>
+            <p:cNvPicPr>
+              <a:picLocks noChangeAspect="1" noChangeArrowheads="1"/>
+            </p:cNvPicPr>
+            <p:nvPr/>
+          </p:nvPicPr>
+          <p:blipFill>
+            <a:blip r:embed="rId3">
+              <a:extLst>
+                <a:ext uri="{28A0092B-C50C-407E-A947-70E740481C1C}">
+                  <a14:useLocalDpi xmlns:a14="http://schemas.microsoft.com/office/drawing/2010/main" val="0"/>
+                </a:ext>
+              </a:extLst>
+            </a:blip>
+            <a:srcRect/>
+            <a:stretch>
+              <a:fillRect/>
+            </a:stretch>
+          </p:blipFill>
+          <p:spPr bwMode="auto">
+            <a:xfrm>
+              <a:off x="6205279" y="5327888"/>
+              <a:ext cx="747918" cy="747918"/>
+            </a:xfrm>
+            <a:prstGeom prst="rect">
+              <a:avLst/>
+            </a:prstGeom>
+            <a:noFill/>
+            <a:extLst>
+              <a:ext uri="{909E8E84-426E-40DD-AFC4-6F175D3DCCD1}">
+                <a14:hiddenFill xmlns:a14="http://schemas.microsoft.com/office/drawing/2010/main">
+                  <a:solidFill>
+                    <a:srgbClr val="FFFFFF"/>
+                  </a:solidFill>
+                </a14:hiddenFill>
+              </a:ext>
+            </a:extLst>
+          </p:spPr>
+        </p:pic>
+        <p:sp>
+          <p:nvSpPr>
+            <p:cNvPr id="48" name="Rectangle: Rounded Corners 47">
+              <a:extLst>
+                <a:ext uri="{FF2B5EF4-FFF2-40B4-BE49-F238E27FC236}">
+                  <a16:creationId xmlns:a16="http://schemas.microsoft.com/office/drawing/2014/main" id="{798A3D6C-F036-4980-BBF5-2807A3C6BF83}"/>
+                </a:ext>
+              </a:extLst>
+            </p:cNvPr>
+            <p:cNvSpPr/>
+            <p:nvPr/>
+          </p:nvSpPr>
+          <p:spPr>
+            <a:xfrm>
+              <a:off x="1107960" y="4923177"/>
+              <a:ext cx="2660943" cy="1516993"/>
+            </a:xfrm>
+            <a:prstGeom prst="roundRect">
+              <a:avLst/>
+            </a:prstGeom>
+            <a:solidFill>
+              <a:schemeClr val="accent1">
+                <a:lumMod val="20000"/>
+                <a:lumOff val="80000"/>
+              </a:schemeClr>
+            </a:solidFill>
+          </p:spPr>
+          <p:style>
+            <a:lnRef idx="2">
+              <a:schemeClr val="accent1">
+                <a:shade val="50000"/>
+              </a:schemeClr>
+            </a:lnRef>
+            <a:fillRef idx="1">
+              <a:schemeClr val="accent1"/>
+            </a:fillRef>
+            <a:effectRef idx="0">
+              <a:schemeClr val="accent1"/>
+            </a:effectRef>
+            <a:fontRef idx="minor">
+              <a:schemeClr val="lt1"/>
+            </a:fontRef>
+          </p:style>
+          <p:txBody>
+            <a:bodyPr rtlCol="0" anchor="ctr"/>
+            <a:lstStyle/>
+            <a:p>
+              <a:pPr algn="ctr"/>
+              <a:r>
+                <a:rPr lang="en-US" dirty="0"/>
+                <a:t>Anna</a:t>
+              </a:r>
+              <a:endParaRPr lang="en-CA" dirty="0"/>
+            </a:p>
+          </p:txBody>
+        </p:sp>
+        <p:pic>
+          <p:nvPicPr>
+            <p:cNvPr id="49" name="Picture 4">
+              <a:extLst>
+                <a:ext uri="{FF2B5EF4-FFF2-40B4-BE49-F238E27FC236}">
+                  <a16:creationId xmlns:a16="http://schemas.microsoft.com/office/drawing/2014/main" id="{D2FA3681-8C48-4CB4-AAD0-A3C7EFDBC87A}"/>
+                </a:ext>
+              </a:extLst>
+            </p:cNvPr>
+            <p:cNvPicPr>
+              <a:picLocks noChangeAspect="1" noChangeArrowheads="1"/>
+            </p:cNvPicPr>
+            <p:nvPr/>
+          </p:nvPicPr>
+          <p:blipFill>
+            <a:blip r:embed="rId4">
+              <a:extLst>
+                <a:ext uri="{28A0092B-C50C-407E-A947-70E740481C1C}">
+                  <a14:useLocalDpi xmlns:a14="http://schemas.microsoft.com/office/drawing/2010/main" val="0"/>
+                </a:ext>
+              </a:extLst>
+            </a:blip>
+            <a:srcRect/>
+            <a:stretch>
+              <a:fillRect/>
+            </a:stretch>
+          </p:blipFill>
+          <p:spPr bwMode="auto">
+            <a:xfrm>
+              <a:off x="1374034" y="5054391"/>
+              <a:ext cx="2077926" cy="1219050"/>
+            </a:xfrm>
+            <a:prstGeom prst="rect">
+              <a:avLst/>
+            </a:prstGeom>
+            <a:noFill/>
+            <a:extLst>
+              <a:ext uri="{909E8E84-426E-40DD-AFC4-6F175D3DCCD1}">
+                <a14:hiddenFill xmlns:a14="http://schemas.microsoft.com/office/drawing/2010/main">
+                  <a:solidFill>
+                    <a:srgbClr val="FFFFFF"/>
+                  </a:solidFill>
+                </a14:hiddenFill>
+              </a:ext>
+            </a:extLst>
+          </p:spPr>
+        </p:pic>
+        <p:sp>
+          <p:nvSpPr>
+            <p:cNvPr id="50" name="Arrow: Down 49">
+              <a:extLst>
+                <a:ext uri="{FF2B5EF4-FFF2-40B4-BE49-F238E27FC236}">
+                  <a16:creationId xmlns:a16="http://schemas.microsoft.com/office/drawing/2014/main" id="{74454AA1-19F0-4185-ABDE-A611C292541E}"/>
+                </a:ext>
+              </a:extLst>
+            </p:cNvPr>
+            <p:cNvSpPr/>
+            <p:nvPr/>
+          </p:nvSpPr>
+          <p:spPr>
+            <a:xfrm rot="5400000">
+              <a:off x="3877715" y="5482532"/>
+              <a:ext cx="436229" cy="362767"/>
+            </a:xfrm>
+            <a:prstGeom prst="downArrow">
+              <a:avLst/>
+            </a:prstGeom>
+            <a:solidFill>
+              <a:schemeClr val="tx1"/>
+            </a:solidFill>
+            <a:ln>
+              <a:noFill/>
+            </a:ln>
+          </p:spPr>
+          <p:style>
+            <a:lnRef idx="2">
+              <a:schemeClr val="accent1">
+                <a:shade val="50000"/>
+              </a:schemeClr>
+            </a:lnRef>
+            <a:fillRef idx="1">
+              <a:schemeClr val="accent1"/>
+            </a:fillRef>
+            <a:effectRef idx="0">
+              <a:schemeClr val="accent1"/>
+            </a:effectRef>
+            <a:fontRef idx="minor">
+              <a:schemeClr val="lt1"/>
+            </a:fontRef>
+          </p:style>
+          <p:txBody>
+            <a:bodyPr rtlCol="0" anchor="ctr"/>
+            <a:lstStyle/>
+            <a:p>
+              <a:pPr algn="ctr"/>
+              <a:endParaRPr lang="en-CA"/>
+            </a:p>
+          </p:txBody>
+        </p:sp>
+      </p:grpSp>
+    </p:spTree>
+    <p:extLst>
+      <p:ext uri="{BB962C8B-B14F-4D97-AF65-F5344CB8AC3E}">
+        <p14:creationId xmlns:p14="http://schemas.microsoft.com/office/powerpoint/2010/main" val="4216877541"/>
+      </p:ext>
+    </p:extLst>
+  </p:cSld>
+  <p:clrMapOvr>
+    <a:masterClrMapping/>
+  </p:clrMapOvr>
+</p:sld>
+</file>
+
+<file path=ppt/slides/slide8.xml><?xml version="1.0" encoding="utf-8"?>
+<p:sld xmlns:a="http://schemas.openxmlformats.org/drawingml/2006/main" xmlns:r="http://schemas.openxmlformats.org/officeDocument/2006/relationships" xmlns:p="http://schemas.openxmlformats.org/presentationml/2006/main">
+  <p:cSld>
+    <p:spTree>
+      <p:nvGrpSpPr>
+        <p:cNvPr id="1" name=""/>
+        <p:cNvGrpSpPr/>
+        <p:nvPr/>
+      </p:nvGrpSpPr>
+      <p:grpSpPr>
+        <a:xfrm>
+          <a:off x="0" y="0"/>
+          <a:ext cx="0" cy="0"/>
+          <a:chOff x="0" y="0"/>
+          <a:chExt cx="0" cy="0"/>
+        </a:xfrm>
+      </p:grpSpPr>
+      <p:pic>
+        <p:nvPicPr>
+          <p:cNvPr id="3074" name="Picture 2">
+            <a:extLst>
+              <a:ext uri="{FF2B5EF4-FFF2-40B4-BE49-F238E27FC236}">
+                <a16:creationId xmlns:a16="http://schemas.microsoft.com/office/drawing/2014/main" id="{654D1C78-521D-409D-A411-9709DCBEFE5B}"/>
+              </a:ext>
+            </a:extLst>
+          </p:cNvPr>
+          <p:cNvPicPr>
+            <a:picLocks noChangeAspect="1" noChangeArrowheads="1"/>
+          </p:cNvPicPr>
+          <p:nvPr/>
+        </p:nvPicPr>
+        <p:blipFill rotWithShape="1">
+          <a:blip r:embed="rId2">
+            <a:extLst>
+              <a:ext uri="{28A0092B-C50C-407E-A947-70E740481C1C}">
+                <a14:useLocalDpi xmlns:a14="http://schemas.microsoft.com/office/drawing/2010/main" val="0"/>
+              </a:ext>
+            </a:extLst>
+          </a:blip>
+          <a:srcRect l="6335" r="17607"/>
+          <a:stretch/>
+        </p:blipFill>
+        <p:spPr bwMode="auto">
+          <a:xfrm>
+            <a:off x="20" y="10"/>
+            <a:ext cx="9272902" cy="6857990"/>
+          </a:xfrm>
+          <a:custGeom>
+            <a:avLst/>
+            <a:gdLst/>
+            <a:ahLst/>
+            <a:cxnLst/>
+            <a:rect l="l" t="t" r="r" b="b"/>
+            <a:pathLst>
+              <a:path w="9272922" h="6858000">
+                <a:moveTo>
+                  <a:pt x="0" y="0"/>
+                </a:moveTo>
+                <a:lnTo>
+                  <a:pt x="1733417" y="0"/>
+                </a:lnTo>
+                <a:lnTo>
+                  <a:pt x="3307976" y="0"/>
+                </a:lnTo>
+                <a:lnTo>
+                  <a:pt x="8126249" y="0"/>
+                </a:lnTo>
+                <a:lnTo>
+                  <a:pt x="8138896" y="31774"/>
+                </a:lnTo>
+                <a:cubicBezTo>
+                  <a:pt x="9193904" y="2682457"/>
+                  <a:pt x="9193904" y="2682457"/>
+                  <a:pt x="9193904" y="2682457"/>
+                </a:cubicBezTo>
+                <a:cubicBezTo>
+                  <a:pt x="9299262" y="2988100"/>
+                  <a:pt x="9299262" y="3446565"/>
+                  <a:pt x="9193904" y="3752208"/>
+                </a:cubicBezTo>
+                <a:cubicBezTo>
+                  <a:pt x="8709916" y="4968215"/>
+                  <a:pt x="8331802" y="5918220"/>
+                  <a:pt x="8036400" y="6660411"/>
+                </a:cubicBezTo>
+                <a:lnTo>
+                  <a:pt x="7957938" y="6857542"/>
+                </a:lnTo>
+                <a:lnTo>
+                  <a:pt x="3307976" y="6857542"/>
+                </a:lnTo>
+                <a:lnTo>
+                  <a:pt x="3307976" y="6858000"/>
+                </a:lnTo>
+                <a:lnTo>
+                  <a:pt x="0" y="6858000"/>
+                </a:lnTo>
+                <a:close/>
+              </a:path>
+            </a:pathLst>
+          </a:custGeom>
+          <a:noFill/>
+          <a:extLst>
+            <a:ext uri="{909E8E84-426E-40DD-AFC4-6F175D3DCCD1}">
+              <a14:hiddenFill xmlns:a14="http://schemas.microsoft.com/office/drawing/2010/main">
+                <a:solidFill>
+                  <a:srgbClr val="FFFFFF"/>
+                </a:solidFill>
+              </a14:hiddenFill>
+            </a:ext>
+          </a:extLst>
+        </p:spPr>
+      </p:pic>
+    </p:spTree>
+    <p:extLst>
+      <p:ext uri="{BB962C8B-B14F-4D97-AF65-F5344CB8AC3E}">
+        <p14:creationId xmlns:p14="http://schemas.microsoft.com/office/powerpoint/2010/main" val="1727691567"/>
+      </p:ext>
+    </p:extLst>
+  </p:cSld>
+  <p:clrMapOvr>
+    <a:masterClrMapping/>
+  </p:clrMapOvr>
+</p:sld>
+</file>
+
+<file path=ppt/slides/slide9.xml><?xml version="1.0" encoding="utf-8"?>
+<p:sld xmlns:a="http://schemas.openxmlformats.org/drawingml/2006/main" xmlns:r="http://schemas.openxmlformats.org/officeDocument/2006/relationships" xmlns:p="http://schemas.openxmlformats.org/presentationml/2006/main">
+  <p:cSld>
+    <p:spTree>
+      <p:nvGrpSpPr>
+        <p:cNvPr id="1" name=""/>
+        <p:cNvGrpSpPr/>
+        <p:nvPr/>
+      </p:nvGrpSpPr>
+      <p:grpSpPr>
+        <a:xfrm>
+          <a:off x="0" y="0"/>
+          <a:ext cx="0" cy="0"/>
+          <a:chOff x="0" y="0"/>
+          <a:chExt cx="0" cy="0"/>
+        </a:xfrm>
+      </p:grpSpPr>
+      <p:pic>
+        <p:nvPicPr>
+          <p:cNvPr id="3074" name="Picture 2">
+            <a:extLst>
+              <a:ext uri="{FF2B5EF4-FFF2-40B4-BE49-F238E27FC236}">
+                <a16:creationId xmlns:a16="http://schemas.microsoft.com/office/drawing/2014/main" id="{654D1C78-521D-409D-A411-9709DCBEFE5B}"/>
+              </a:ext>
+            </a:extLst>
+          </p:cNvPr>
+          <p:cNvPicPr>
+            <a:picLocks noChangeAspect="1" noChangeArrowheads="1"/>
+          </p:cNvPicPr>
+          <p:nvPr/>
+        </p:nvPicPr>
+        <p:blipFill rotWithShape="1">
+          <a:blip r:embed="rId2">
+            <a:extLst>
+              <a:ext uri="{28A0092B-C50C-407E-A947-70E740481C1C}">
+                <a14:useLocalDpi xmlns:a14="http://schemas.microsoft.com/office/drawing/2010/main" val="0"/>
+              </a:ext>
+            </a:extLst>
+          </a:blip>
+          <a:srcRect l="666" r="11937"/>
+          <a:stretch/>
+        </p:blipFill>
+        <p:spPr bwMode="auto">
+          <a:xfrm>
+            <a:off x="3" y="10"/>
+            <a:ext cx="10655455" cy="6857990"/>
+          </a:xfrm>
+          <a:custGeom>
+            <a:avLst/>
+            <a:gdLst/>
+            <a:ahLst/>
+            <a:cxnLst/>
+            <a:rect l="l" t="t" r="r" b="b"/>
+            <a:pathLst>
+              <a:path w="10655455" h="6858000">
+                <a:moveTo>
+                  <a:pt x="8526285" y="6283111"/>
+                </a:moveTo>
+                <a:cubicBezTo>
+                  <a:pt x="8526285" y="6283111"/>
+                  <a:pt x="8526285" y="6283111"/>
+                  <a:pt x="10157124" y="6283111"/>
+                </a:cubicBezTo>
+                <a:cubicBezTo>
+                  <a:pt x="10259271" y="6283111"/>
+                  <a:pt x="10357896" y="6339261"/>
+                  <a:pt x="10407209" y="6430504"/>
+                </a:cubicBezTo>
+                <a:cubicBezTo>
+                  <a:pt x="10407209" y="6430504"/>
+                  <a:pt x="10407209" y="6430504"/>
+                  <a:pt x="10606716" y="6774068"/>
+                </a:cubicBezTo>
+                <a:lnTo>
+                  <a:pt x="10655455" y="6858000"/>
+                </a:lnTo>
+                <a:lnTo>
+                  <a:pt x="8025501" y="6858000"/>
+                </a:lnTo>
+                <a:lnTo>
+                  <a:pt x="8129453" y="6678214"/>
+                </a:lnTo>
+                <a:cubicBezTo>
+                  <a:pt x="8174148" y="6600912"/>
+                  <a:pt x="8221824" y="6518457"/>
+                  <a:pt x="8272677" y="6430504"/>
+                </a:cubicBezTo>
+                <a:cubicBezTo>
+                  <a:pt x="8325512" y="6339261"/>
+                  <a:pt x="8420615" y="6283111"/>
+                  <a:pt x="8526285" y="6283111"/>
+                </a:cubicBezTo>
+                <a:close/>
+                <a:moveTo>
+                  <a:pt x="8508611" y="4776272"/>
+                </a:moveTo>
+                <a:cubicBezTo>
+                  <a:pt x="8508611" y="4776272"/>
+                  <a:pt x="8508611" y="4776272"/>
+                  <a:pt x="9153763" y="4776272"/>
+                </a:cubicBezTo>
+                <a:cubicBezTo>
+                  <a:pt x="9194173" y="4776272"/>
+                  <a:pt x="9233188" y="4798484"/>
+                  <a:pt x="9252696" y="4834580"/>
+                </a:cubicBezTo>
+                <a:cubicBezTo>
+                  <a:pt x="9252696" y="4834580"/>
+                  <a:pt x="9252696" y="4834580"/>
+                  <a:pt x="9575969" y="5391278"/>
+                </a:cubicBezTo>
+                <a:cubicBezTo>
+                  <a:pt x="9596871" y="5425985"/>
+                  <a:pt x="9596871" y="5470409"/>
+                  <a:pt x="9575969" y="5505116"/>
+                </a:cubicBezTo>
+                <a:cubicBezTo>
+                  <a:pt x="9575969" y="5505116"/>
+                  <a:pt x="9575969" y="5505116"/>
+                  <a:pt x="9252696" y="6061815"/>
+                </a:cubicBezTo>
+                <a:cubicBezTo>
+                  <a:pt x="9233188" y="6097909"/>
+                  <a:pt x="9194173" y="6120122"/>
+                  <a:pt x="9153763" y="6120122"/>
+                </a:cubicBezTo>
+                <a:cubicBezTo>
+                  <a:pt x="9153763" y="6120122"/>
+                  <a:pt x="9153763" y="6120122"/>
+                  <a:pt x="8508611" y="6120122"/>
+                </a:cubicBezTo>
+                <a:cubicBezTo>
+                  <a:pt x="8466808" y="6120122"/>
+                  <a:pt x="8429186" y="6097909"/>
+                  <a:pt x="8408284" y="6061815"/>
+                </a:cubicBezTo>
+                <a:cubicBezTo>
+                  <a:pt x="8408284" y="6061815"/>
+                  <a:pt x="8408284" y="6061815"/>
+                  <a:pt x="8086404" y="5505116"/>
+                </a:cubicBezTo>
+                <a:cubicBezTo>
+                  <a:pt x="8065503" y="5470409"/>
+                  <a:pt x="8065503" y="5425985"/>
+                  <a:pt x="8086404" y="5391278"/>
+                </a:cubicBezTo>
+                <a:cubicBezTo>
+                  <a:pt x="8086404" y="5391278"/>
+                  <a:pt x="8086404" y="5391278"/>
+                  <a:pt x="8408284" y="4834580"/>
+                </a:cubicBezTo>
+                <a:cubicBezTo>
+                  <a:pt x="8429186" y="4798484"/>
+                  <a:pt x="8466808" y="4776272"/>
+                  <a:pt x="8508611" y="4776272"/>
+                </a:cubicBezTo>
+                <a:close/>
+                <a:moveTo>
+                  <a:pt x="8438383" y="4182594"/>
+                </a:moveTo>
+                <a:cubicBezTo>
+                  <a:pt x="8438383" y="4182594"/>
+                  <a:pt x="8438383" y="4182594"/>
+                  <a:pt x="8671249" y="4182594"/>
+                </a:cubicBezTo>
+                <a:cubicBezTo>
+                  <a:pt x="8685834" y="4182594"/>
+                  <a:pt x="8699916" y="4190612"/>
+                  <a:pt x="8706958" y="4203640"/>
+                </a:cubicBezTo>
+                <a:cubicBezTo>
+                  <a:pt x="8706958" y="4203640"/>
+                  <a:pt x="8706958" y="4203640"/>
+                  <a:pt x="8823642" y="4404579"/>
+                </a:cubicBezTo>
+                <a:cubicBezTo>
+                  <a:pt x="8831187" y="4417106"/>
+                  <a:pt x="8831187" y="4433141"/>
+                  <a:pt x="8823642" y="4445668"/>
+                </a:cubicBezTo>
+                <a:cubicBezTo>
+                  <a:pt x="8823642" y="4445668"/>
+                  <a:pt x="8823642" y="4445668"/>
+                  <a:pt x="8706958" y="4646606"/>
+                </a:cubicBezTo>
+                <a:cubicBezTo>
+                  <a:pt x="8699916" y="4659635"/>
+                  <a:pt x="8685834" y="4667652"/>
+                  <a:pt x="8671249" y="4667652"/>
+                </a:cubicBezTo>
+                <a:cubicBezTo>
+                  <a:pt x="8671249" y="4667652"/>
+                  <a:pt x="8671249" y="4667652"/>
+                  <a:pt x="8438383" y="4667652"/>
+                </a:cubicBezTo>
+                <a:cubicBezTo>
+                  <a:pt x="8423295" y="4667652"/>
+                  <a:pt x="8409715" y="4659635"/>
+                  <a:pt x="8402170" y="4646606"/>
+                </a:cubicBezTo>
+                <a:cubicBezTo>
+                  <a:pt x="8402170" y="4646606"/>
+                  <a:pt x="8402170" y="4646606"/>
+                  <a:pt x="8285989" y="4445668"/>
+                </a:cubicBezTo>
+                <a:cubicBezTo>
+                  <a:pt x="8278445" y="4433141"/>
+                  <a:pt x="8278445" y="4417106"/>
+                  <a:pt x="8285989" y="4404579"/>
+                </a:cubicBezTo>
+                <a:cubicBezTo>
+                  <a:pt x="8285989" y="4404579"/>
+                  <a:pt x="8285989" y="4404579"/>
+                  <a:pt x="8402170" y="4203640"/>
+                </a:cubicBezTo>
+                <a:cubicBezTo>
+                  <a:pt x="8409715" y="4190612"/>
+                  <a:pt x="8423295" y="4182594"/>
+                  <a:pt x="8438383" y="4182594"/>
+                </a:cubicBezTo>
+                <a:close/>
+                <a:moveTo>
+                  <a:pt x="7678681" y="3459104"/>
+                </a:moveTo>
+                <a:cubicBezTo>
+                  <a:pt x="7678681" y="3459104"/>
+                  <a:pt x="7678681" y="3459104"/>
+                  <a:pt x="8119685" y="3459104"/>
+                </a:cubicBezTo>
+                <a:cubicBezTo>
+                  <a:pt x="8147308" y="3459104"/>
+                  <a:pt x="8173978" y="3474287"/>
+                  <a:pt x="8187313" y="3498961"/>
+                </a:cubicBezTo>
+                <a:cubicBezTo>
+                  <a:pt x="8187313" y="3498961"/>
+                  <a:pt x="8187313" y="3498961"/>
+                  <a:pt x="8408292" y="3879501"/>
+                </a:cubicBezTo>
+                <a:cubicBezTo>
+                  <a:pt x="8422579" y="3903225"/>
+                  <a:pt x="8422579" y="3933593"/>
+                  <a:pt x="8408292" y="3957318"/>
+                </a:cubicBezTo>
+                <a:cubicBezTo>
+                  <a:pt x="8408292" y="3957318"/>
+                  <a:pt x="8408292" y="3957318"/>
+                  <a:pt x="8187313" y="4337857"/>
+                </a:cubicBezTo>
+                <a:cubicBezTo>
+                  <a:pt x="8173978" y="4362531"/>
+                  <a:pt x="8147308" y="4377714"/>
+                  <a:pt x="8119685" y="4377714"/>
+                </a:cubicBezTo>
+                <a:cubicBezTo>
+                  <a:pt x="8119685" y="4377714"/>
+                  <a:pt x="8119685" y="4377714"/>
+                  <a:pt x="7678681" y="4377714"/>
+                </a:cubicBezTo>
+                <a:cubicBezTo>
+                  <a:pt x="7650106" y="4377714"/>
+                  <a:pt x="7624388" y="4362531"/>
+                  <a:pt x="7610101" y="4337857"/>
+                </a:cubicBezTo>
+                <a:cubicBezTo>
+                  <a:pt x="7610101" y="4337857"/>
+                  <a:pt x="7610101" y="4337857"/>
+                  <a:pt x="7390076" y="3957318"/>
+                </a:cubicBezTo>
+                <a:cubicBezTo>
+                  <a:pt x="7375787" y="3933593"/>
+                  <a:pt x="7375787" y="3903225"/>
+                  <a:pt x="7390076" y="3879501"/>
+                </a:cubicBezTo>
+                <a:cubicBezTo>
+                  <a:pt x="7390076" y="3879501"/>
+                  <a:pt x="7390076" y="3879501"/>
+                  <a:pt x="7610101" y="3498961"/>
+                </a:cubicBezTo>
+                <a:cubicBezTo>
+                  <a:pt x="7624388" y="3474287"/>
+                  <a:pt x="7650106" y="3459104"/>
+                  <a:pt x="7678681" y="3459104"/>
+                </a:cubicBezTo>
+                <a:close/>
+                <a:moveTo>
+                  <a:pt x="9108816" y="2082751"/>
+                </a:moveTo>
+                <a:cubicBezTo>
+                  <a:pt x="9108816" y="2082751"/>
+                  <a:pt x="9108816" y="2082751"/>
+                  <a:pt x="9876937" y="2082751"/>
+                </a:cubicBezTo>
+                <a:cubicBezTo>
+                  <a:pt x="9925048" y="2082751"/>
+                  <a:pt x="9971500" y="2109197"/>
+                  <a:pt x="9994727" y="2152172"/>
+                </a:cubicBezTo>
+                <a:cubicBezTo>
+                  <a:pt x="9994727" y="2152172"/>
+                  <a:pt x="9994727" y="2152172"/>
+                  <a:pt x="10379617" y="2814978"/>
+                </a:cubicBezTo>
+                <a:cubicBezTo>
+                  <a:pt x="10404502" y="2856301"/>
+                  <a:pt x="10404502" y="2909193"/>
+                  <a:pt x="10379617" y="2950515"/>
+                </a:cubicBezTo>
+                <a:cubicBezTo>
+                  <a:pt x="10379617" y="2950515"/>
+                  <a:pt x="10379617" y="2950515"/>
+                  <a:pt x="9994727" y="3613321"/>
+                </a:cubicBezTo>
+                <a:cubicBezTo>
+                  <a:pt x="9971500" y="3656296"/>
+                  <a:pt x="9925048" y="3682742"/>
+                  <a:pt x="9876937" y="3682742"/>
+                </a:cubicBezTo>
+                <a:cubicBezTo>
+                  <a:pt x="9876937" y="3682742"/>
+                  <a:pt x="9876937" y="3682742"/>
+                  <a:pt x="9108816" y="3682742"/>
+                </a:cubicBezTo>
+                <a:cubicBezTo>
+                  <a:pt x="9059045" y="3682742"/>
+                  <a:pt x="9014252" y="3656296"/>
+                  <a:pt x="8989367" y="3613321"/>
+                </a:cubicBezTo>
+                <a:cubicBezTo>
+                  <a:pt x="8989367" y="3613321"/>
+                  <a:pt x="8989367" y="3613321"/>
+                  <a:pt x="8606137" y="2950515"/>
+                </a:cubicBezTo>
+                <a:cubicBezTo>
+                  <a:pt x="8581251" y="2909193"/>
+                  <a:pt x="8581251" y="2856301"/>
+                  <a:pt x="8606137" y="2814978"/>
+                </a:cubicBezTo>
+                <a:cubicBezTo>
+                  <a:pt x="8606137" y="2814978"/>
+                  <a:pt x="8606137" y="2814978"/>
+                  <a:pt x="8989367" y="2152172"/>
+                </a:cubicBezTo>
+                <a:cubicBezTo>
+                  <a:pt x="9014252" y="2109197"/>
+                  <a:pt x="9059045" y="2082751"/>
+                  <a:pt x="9108816" y="2082751"/>
+                </a:cubicBezTo>
+                <a:close/>
+                <a:moveTo>
+                  <a:pt x="1321854" y="2071857"/>
+                </a:moveTo>
+                <a:cubicBezTo>
+                  <a:pt x="1321854" y="2071857"/>
+                  <a:pt x="1321854" y="2071857"/>
+                  <a:pt x="5365317" y="2071857"/>
+                </a:cubicBezTo>
+                <a:cubicBezTo>
+                  <a:pt x="5618580" y="2071857"/>
+                  <a:pt x="5863108" y="2211072"/>
+                  <a:pt x="5985373" y="2437296"/>
+                </a:cubicBezTo>
+                <a:cubicBezTo>
+                  <a:pt x="5985373" y="2437296"/>
+                  <a:pt x="5985373" y="2437296"/>
+                  <a:pt x="8011470" y="5926372"/>
+                </a:cubicBezTo>
+                <a:cubicBezTo>
+                  <a:pt x="8142468" y="6143896"/>
+                  <a:pt x="8142468" y="6422327"/>
+                  <a:pt x="8011470" y="6639850"/>
+                </a:cubicBezTo>
+                <a:cubicBezTo>
+                  <a:pt x="8011470" y="6639850"/>
+                  <a:pt x="8011470" y="6639850"/>
+                  <a:pt x="7904625" y="6823844"/>
+                </a:cubicBezTo>
+                <a:lnTo>
+                  <a:pt x="7884791" y="6858000"/>
+                </a:lnTo>
+                <a:lnTo>
+                  <a:pt x="0" y="6858000"/>
+                </a:lnTo>
+                <a:lnTo>
+                  <a:pt x="0" y="3635967"/>
+                </a:lnTo>
+                <a:lnTo>
+                  <a:pt x="27177" y="3588964"/>
+                </a:lnTo>
+                <a:cubicBezTo>
+                  <a:pt x="220245" y="3255048"/>
+                  <a:pt x="440895" y="2873431"/>
+                  <a:pt x="693065" y="2437296"/>
+                </a:cubicBezTo>
+                <a:cubicBezTo>
+                  <a:pt x="824063" y="2211072"/>
+                  <a:pt x="1059859" y="2071857"/>
+                  <a:pt x="1321854" y="2071857"/>
+                </a:cubicBezTo>
+                <a:close/>
+                <a:moveTo>
+                  <a:pt x="6786399" y="753840"/>
+                </a:moveTo>
+                <a:cubicBezTo>
+                  <a:pt x="6786399" y="753840"/>
+                  <a:pt x="6786399" y="753840"/>
+                  <a:pt x="8025968" y="753840"/>
+                </a:cubicBezTo>
+                <a:cubicBezTo>
+                  <a:pt x="8103608" y="753840"/>
+                  <a:pt x="8178571" y="796518"/>
+                  <a:pt x="8216053" y="865869"/>
+                </a:cubicBezTo>
+                <a:cubicBezTo>
+                  <a:pt x="8216053" y="865869"/>
+                  <a:pt x="8216053" y="865869"/>
+                  <a:pt x="8837177" y="1935484"/>
+                </a:cubicBezTo>
+                <a:cubicBezTo>
+                  <a:pt x="8877335" y="2002169"/>
+                  <a:pt x="8877335" y="2087523"/>
+                  <a:pt x="8837177" y="2154207"/>
+                </a:cubicBezTo>
+                <a:cubicBezTo>
+                  <a:pt x="8837177" y="2154207"/>
+                  <a:pt x="8837177" y="2154207"/>
+                  <a:pt x="8216053" y="3223823"/>
+                </a:cubicBezTo>
+                <a:cubicBezTo>
+                  <a:pt x="8178571" y="3293174"/>
+                  <a:pt x="8103608" y="3335852"/>
+                  <a:pt x="8025968" y="3335852"/>
+                </a:cubicBezTo>
+                <a:cubicBezTo>
+                  <a:pt x="8025968" y="3335852"/>
+                  <a:pt x="8025968" y="3335852"/>
+                  <a:pt x="6786399" y="3335852"/>
+                </a:cubicBezTo>
+                <a:cubicBezTo>
+                  <a:pt x="6706082" y="3335852"/>
+                  <a:pt x="6633796" y="3293174"/>
+                  <a:pt x="6593637" y="3223823"/>
+                </a:cubicBezTo>
+                <a:cubicBezTo>
+                  <a:pt x="6593637" y="3223823"/>
+                  <a:pt x="6593637" y="3223823"/>
+                  <a:pt x="5975192" y="2154207"/>
+                </a:cubicBezTo>
+                <a:cubicBezTo>
+                  <a:pt x="5935033" y="2087523"/>
+                  <a:pt x="5935033" y="2002169"/>
+                  <a:pt x="5975192" y="1935484"/>
+                </a:cubicBezTo>
+                <a:cubicBezTo>
+                  <a:pt x="5975192" y="1935484"/>
+                  <a:pt x="5975192" y="1935484"/>
+                  <a:pt x="6593637" y="865869"/>
+                </a:cubicBezTo>
+                <a:cubicBezTo>
+                  <a:pt x="6633796" y="796518"/>
+                  <a:pt x="6706082" y="753840"/>
+                  <a:pt x="6786399" y="753840"/>
+                </a:cubicBezTo>
+                <a:close/>
+                <a:moveTo>
+                  <a:pt x="0" y="0"/>
+                </a:moveTo>
+                <a:lnTo>
+                  <a:pt x="6966294" y="0"/>
+                </a:lnTo>
+                <a:lnTo>
+                  <a:pt x="6852387" y="196155"/>
+                </a:lnTo>
+                <a:cubicBezTo>
+                  <a:pt x="6627011" y="584267"/>
+                  <a:pt x="6359899" y="1044253"/>
+                  <a:pt x="6043322" y="1589421"/>
+                </a:cubicBezTo>
+                <a:cubicBezTo>
+                  <a:pt x="5921057" y="1815646"/>
+                  <a:pt x="5676528" y="1954861"/>
+                  <a:pt x="5423265" y="1954861"/>
+                </a:cubicBezTo>
+                <a:cubicBezTo>
+                  <a:pt x="5423265" y="1954861"/>
+                  <a:pt x="5423265" y="1954861"/>
+                  <a:pt x="1379802" y="1954861"/>
+                </a:cubicBezTo>
+                <a:cubicBezTo>
+                  <a:pt x="1117807" y="1954861"/>
+                  <a:pt x="882012" y="1815646"/>
+                  <a:pt x="751013" y="1589421"/>
+                </a:cubicBezTo>
+                <a:cubicBezTo>
+                  <a:pt x="751013" y="1589421"/>
+                  <a:pt x="751013" y="1589421"/>
+                  <a:pt x="1951" y="293901"/>
+                </a:cubicBezTo>
+                <a:lnTo>
+                  <a:pt x="0" y="290527"/>
+                </a:lnTo>
+                <a:close/>
+              </a:path>
+            </a:pathLst>
+          </a:custGeom>
+          <a:noFill/>
+          <a:extLst>
+            <a:ext uri="{909E8E84-426E-40DD-AFC4-6F175D3DCCD1}">
+              <a14:hiddenFill xmlns:a14="http://schemas.microsoft.com/office/drawing/2010/main">
+                <a:solidFill>
+                  <a:srgbClr val="FFFFFF"/>
+                </a:solidFill>
+              </a14:hiddenFill>
+            </a:ext>
+          </a:extLst>
+        </p:spPr>
+      </p:pic>
+    </p:spTree>
+    <p:extLst>
+      <p:ext uri="{BB962C8B-B14F-4D97-AF65-F5344CB8AC3E}">
+        <p14:creationId xmlns:p14="http://schemas.microsoft.com/office/powerpoint/2010/main" val="3005796944"/>
       </p:ext>
     </p:extLst>
   </p:cSld>

--- a/03 - Presentation/Digital Disparity - Draft presentation.pptx
+++ b/03 - Presentation/Digital Disparity - Draft presentation.pptx
@@ -10618,12 +10618,8 @@
                 <a:t>2. Transform (</a:t>
               </a:r>
               <a:r>
-                <a:rPr lang="en-US" b="1" dirty="0" err="1"/>
-                <a:t>Latyr</a:t>
-              </a:r>
-              <a:r>
-                <a:rPr lang="en-US" b="1" dirty="0"/>
-                <a:t>/Stephen)</a:t>
+                <a:rPr lang="en-US" b="1"/>
+                <a:t>Latyr)</a:t>
               </a:r>
               <a:endParaRPr lang="en-CA" b="1" dirty="0"/>
             </a:p>
@@ -10643,8 +10639,8 @@
           </p:nvSpPr>
           <p:spPr>
             <a:xfrm>
-              <a:off x="4553757" y="2106288"/>
-              <a:ext cx="915768" cy="1353527"/>
+              <a:off x="4487082" y="2106288"/>
+              <a:ext cx="988058" cy="1353527"/>
             </a:xfrm>
             <a:prstGeom prst="flowChartMagneticDisk">
               <a:avLst/>
@@ -10699,46 +10695,6 @@
                 </a:rPr>
                 <a:t>+ Json</a:t>
               </a:r>
-            </a:p>
-            <a:p>
-              <a:pPr algn="ctr"/>
-              <a:r>
-                <a:rPr lang="en-US" b="1" dirty="0">
-                  <a:solidFill>
-                    <a:schemeClr val="accent5">
-                      <a:lumMod val="75000"/>
-                    </a:schemeClr>
-                  </a:solidFill>
-                </a:rPr>
-                <a:t>(</a:t>
-              </a:r>
-              <a:r>
-                <a:rPr lang="en-US" b="1" dirty="0" err="1">
-                  <a:solidFill>
-                    <a:schemeClr val="accent5">
-                      <a:lumMod val="75000"/>
-                    </a:schemeClr>
-                  </a:solidFill>
-                </a:rPr>
-                <a:t>Latyr</a:t>
-              </a:r>
-              <a:r>
-                <a:rPr lang="en-US" b="1" dirty="0">
-                  <a:solidFill>
-                    <a:schemeClr val="accent5">
-                      <a:lumMod val="75000"/>
-                    </a:schemeClr>
-                  </a:solidFill>
-                </a:rPr>
-                <a:t>)</a:t>
-              </a:r>
-              <a:endParaRPr lang="en-CA" b="1" dirty="0">
-                <a:solidFill>
-                  <a:schemeClr val="accent5">
-                    <a:lumMod val="75000"/>
-                  </a:schemeClr>
-                </a:solidFill>
-              </a:endParaRPr>
             </a:p>
           </p:txBody>
         </p:sp>
@@ -10808,8 +10764,8 @@
           </p:nvSpPr>
           <p:spPr>
             <a:xfrm>
-              <a:off x="5954259" y="2099950"/>
-              <a:ext cx="915768" cy="1353527"/>
+              <a:off x="5992359" y="2099950"/>
+              <a:ext cx="988058" cy="1353527"/>
             </a:xfrm>
             <a:prstGeom prst="flowChartMagneticDisk">
               <a:avLst/>
@@ -10852,46 +10808,6 @@
                 <a:t>Csv files</a:t>
               </a:r>
             </a:p>
-            <a:p>
-              <a:pPr algn="ctr"/>
-              <a:r>
-                <a:rPr lang="en-US" b="1" dirty="0">
-                  <a:solidFill>
-                    <a:schemeClr val="accent5">
-                      <a:lumMod val="75000"/>
-                    </a:schemeClr>
-                  </a:solidFill>
-                </a:rPr>
-                <a:t>(</a:t>
-              </a:r>
-              <a:r>
-                <a:rPr lang="en-US" b="1" dirty="0" err="1">
-                  <a:solidFill>
-                    <a:schemeClr val="accent5">
-                      <a:lumMod val="75000"/>
-                    </a:schemeClr>
-                  </a:solidFill>
-                </a:rPr>
-                <a:t>Latyr</a:t>
-              </a:r>
-              <a:r>
-                <a:rPr lang="en-US" b="1" dirty="0">
-                  <a:solidFill>
-                    <a:schemeClr val="accent5">
-                      <a:lumMod val="75000"/>
-                    </a:schemeClr>
-                  </a:solidFill>
-                </a:rPr>
-                <a:t>)</a:t>
-              </a:r>
-              <a:endParaRPr lang="en-CA" b="1" dirty="0">
-                <a:solidFill>
-                  <a:schemeClr val="accent5">
-                    <a:lumMod val="75000"/>
-                  </a:schemeClr>
-                </a:solidFill>
-              </a:endParaRPr>
-            </a:p>
           </p:txBody>
         </p:sp>
         <p:sp>
@@ -10908,7 +10824,7 @@
           </p:nvSpPr>
           <p:spPr>
             <a:xfrm rot="16200000">
-              <a:off x="5600513" y="2555985"/>
+              <a:off x="5619563" y="2555985"/>
               <a:ext cx="250178" cy="361766"/>
             </a:xfrm>
             <a:prstGeom prst="downArrow">
@@ -11339,15 +11255,7 @@
               <a:pPr algn="ctr"/>
               <a:r>
                 <a:rPr lang="en-US" b="1" dirty="0"/>
-                <a:t>4. Flask App(</a:t>
-              </a:r>
-              <a:r>
-                <a:rPr lang="en-US" b="1" dirty="0" err="1"/>
-                <a:t>Latyr</a:t>
-              </a:r>
-              <a:r>
-                <a:rPr lang="en-US" b="1" dirty="0"/>
-                <a:t>) </a:t>
+                <a:t>4. Flask App(Stephen) </a:t>
               </a:r>
               <a:endParaRPr lang="en-CA" b="1" dirty="0"/>
             </a:p>
@@ -11473,26 +11381,6 @@
                 <a:t>SQLAlchemy</a:t>
               </a:r>
               <a:endParaRPr lang="en-US" b="1" dirty="0">
-                <a:solidFill>
-                  <a:schemeClr val="accent5">
-                    <a:lumMod val="75000"/>
-                  </a:schemeClr>
-                </a:solidFill>
-              </a:endParaRPr>
-            </a:p>
-            <a:p>
-              <a:pPr algn="ctr"/>
-              <a:r>
-                <a:rPr lang="en-US" b="1" dirty="0">
-                  <a:solidFill>
-                    <a:schemeClr val="accent5">
-                      <a:lumMod val="75000"/>
-                    </a:schemeClr>
-                  </a:solidFill>
-                </a:rPr>
-                <a:t>(Stephen)</a:t>
-              </a:r>
-              <a:endParaRPr lang="en-CA" b="1" dirty="0">
                 <a:solidFill>
                   <a:schemeClr val="accent5">
                     <a:lumMod val="75000"/>

--- a/03 - Presentation/Digital Disparity - Draft presentation.pptx
+++ b/03 - Presentation/Digital Disparity - Draft presentation.pptx
@@ -273,7 +273,7 @@
           <a:p>
             <a:fld id="{D762E32F-5F27-499B-9DCA-6C60135BCA69}" type="datetimeFigureOut">
               <a:rPr lang="en-US" smtClean="0"/>
-              <a:t>6/6/2020</a:t>
+              <a:t>6/8/2020</a:t>
             </a:fld>
             <a:endParaRPr lang="en-US"/>
           </a:p>
@@ -471,7 +471,7 @@
           <a:p>
             <a:fld id="{D762E32F-5F27-499B-9DCA-6C60135BCA69}" type="datetimeFigureOut">
               <a:rPr lang="en-US" smtClean="0"/>
-              <a:t>6/6/2020</a:t>
+              <a:t>6/8/2020</a:t>
             </a:fld>
             <a:endParaRPr lang="en-US"/>
           </a:p>
@@ -679,7 +679,7 @@
           <a:p>
             <a:fld id="{D762E32F-5F27-499B-9DCA-6C60135BCA69}" type="datetimeFigureOut">
               <a:rPr lang="en-US" smtClean="0"/>
-              <a:t>6/6/2020</a:t>
+              <a:t>6/8/2020</a:t>
             </a:fld>
             <a:endParaRPr lang="en-US"/>
           </a:p>
@@ -908,7 +908,7 @@
           <a:p>
             <a:fld id="{02AC24A9-CCB6-4F8D-B8DB-C2F3692CFA5A}" type="datetimeFigureOut">
               <a:rPr lang="en-US" smtClean="0"/>
-              <a:t>6/6/2020</a:t>
+              <a:t>6/8/2020</a:t>
             </a:fld>
             <a:endParaRPr lang="en-US" dirty="0"/>
           </a:p>
@@ -1549,7 +1549,7 @@
           <a:p>
             <a:fld id="{02AC24A9-CCB6-4F8D-B8DB-C2F3692CFA5A}" type="datetimeFigureOut">
               <a:rPr lang="en-US" smtClean="0"/>
-              <a:t>6/6/2020</a:t>
+              <a:t>6/8/2020</a:t>
             </a:fld>
             <a:endParaRPr lang="en-US"/>
           </a:p>
@@ -2003,7 +2003,7 @@
           <a:p>
             <a:fld id="{02AC24A9-CCB6-4F8D-B8DB-C2F3692CFA5A}" type="datetimeFigureOut">
               <a:rPr lang="en-US" smtClean="0"/>
-              <a:t>6/6/2020</a:t>
+              <a:t>6/8/2020</a:t>
             </a:fld>
             <a:endParaRPr lang="en-US"/>
           </a:p>
@@ -2535,7 +2535,7 @@
           <a:p>
             <a:fld id="{02AC24A9-CCB6-4F8D-B8DB-C2F3692CFA5A}" type="datetimeFigureOut">
               <a:rPr lang="en-US" smtClean="0"/>
-              <a:t>6/6/2020</a:t>
+              <a:t>6/8/2020</a:t>
             </a:fld>
             <a:endParaRPr lang="en-US"/>
           </a:p>
@@ -3234,7 +3234,7 @@
           <a:p>
             <a:fld id="{02AC24A9-CCB6-4F8D-B8DB-C2F3692CFA5A}" type="datetimeFigureOut">
               <a:rPr lang="en-US" smtClean="0"/>
-              <a:t>6/6/2020</a:t>
+              <a:t>6/8/2020</a:t>
             </a:fld>
             <a:endParaRPr lang="en-US"/>
           </a:p>
@@ -3563,7 +3563,7 @@
           <a:p>
             <a:fld id="{02AC24A9-CCB6-4F8D-B8DB-C2F3692CFA5A}" type="datetimeFigureOut">
               <a:rPr lang="en-US" smtClean="0"/>
-              <a:t>6/6/2020</a:t>
+              <a:t>6/8/2020</a:t>
             </a:fld>
             <a:endParaRPr lang="en-US"/>
           </a:p>
@@ -3676,7 +3676,7 @@
           <a:p>
             <a:fld id="{02AC24A9-CCB6-4F8D-B8DB-C2F3692CFA5A}" type="datetimeFigureOut">
               <a:rPr lang="en-US" smtClean="0"/>
-              <a:t>6/6/2020</a:t>
+              <a:t>6/8/2020</a:t>
             </a:fld>
             <a:endParaRPr lang="en-US"/>
           </a:p>
@@ -4171,7 +4171,7 @@
           <a:p>
             <a:fld id="{02AC24A9-CCB6-4F8D-B8DB-C2F3692CFA5A}" type="datetimeFigureOut">
               <a:rPr lang="en-US" smtClean="0"/>
-              <a:t>6/6/2020</a:t>
+              <a:t>6/8/2020</a:t>
             </a:fld>
             <a:endParaRPr lang="en-US" dirty="0"/>
           </a:p>
@@ -4369,7 +4369,7 @@
           <a:p>
             <a:fld id="{D762E32F-5F27-499B-9DCA-6C60135BCA69}" type="datetimeFigureOut">
               <a:rPr lang="en-US" smtClean="0"/>
-              <a:t>6/6/2020</a:t>
+              <a:t>6/8/2020</a:t>
             </a:fld>
             <a:endParaRPr lang="en-US"/>
           </a:p>
@@ -4846,7 +4846,7 @@
           <a:p>
             <a:fld id="{02AC24A9-CCB6-4F8D-B8DB-C2F3692CFA5A}" type="datetimeFigureOut">
               <a:rPr lang="en-US" smtClean="0"/>
-              <a:t>6/6/2020</a:t>
+              <a:t>6/8/2020</a:t>
             </a:fld>
             <a:endParaRPr lang="en-US"/>
           </a:p>
@@ -5045,7 +5045,7 @@
           <a:p>
             <a:fld id="{02AC24A9-CCB6-4F8D-B8DB-C2F3692CFA5A}" type="datetimeFigureOut">
               <a:rPr lang="en-US" smtClean="0"/>
-              <a:t>6/6/2020</a:t>
+              <a:t>6/8/2020</a:t>
             </a:fld>
             <a:endParaRPr lang="en-US"/>
           </a:p>
@@ -5254,7 +5254,7 @@
           <a:p>
             <a:fld id="{02AC24A9-CCB6-4F8D-B8DB-C2F3692CFA5A}" type="datetimeFigureOut">
               <a:rPr lang="en-US" smtClean="0"/>
-              <a:t>6/6/2020</a:t>
+              <a:t>6/8/2020</a:t>
             </a:fld>
             <a:endParaRPr lang="en-US"/>
           </a:p>
@@ -5529,7 +5529,7 @@
           <a:p>
             <a:fld id="{D762E32F-5F27-499B-9DCA-6C60135BCA69}" type="datetimeFigureOut">
               <a:rPr lang="en-US" smtClean="0"/>
-              <a:t>6/6/2020</a:t>
+              <a:t>6/8/2020</a:t>
             </a:fld>
             <a:endParaRPr lang="en-US"/>
           </a:p>
@@ -5794,7 +5794,7 @@
           <a:p>
             <a:fld id="{D762E32F-5F27-499B-9DCA-6C60135BCA69}" type="datetimeFigureOut">
               <a:rPr lang="en-US" smtClean="0"/>
-              <a:t>6/6/2020</a:t>
+              <a:t>6/8/2020</a:t>
             </a:fld>
             <a:endParaRPr lang="en-US"/>
           </a:p>
@@ -6206,7 +6206,7 @@
           <a:p>
             <a:fld id="{D762E32F-5F27-499B-9DCA-6C60135BCA69}" type="datetimeFigureOut">
               <a:rPr lang="en-US" smtClean="0"/>
-              <a:t>6/6/2020</a:t>
+              <a:t>6/8/2020</a:t>
             </a:fld>
             <a:endParaRPr lang="en-US"/>
           </a:p>
@@ -6347,7 +6347,7 @@
           <a:p>
             <a:fld id="{D762E32F-5F27-499B-9DCA-6C60135BCA69}" type="datetimeFigureOut">
               <a:rPr lang="en-US" smtClean="0"/>
-              <a:t>6/6/2020</a:t>
+              <a:t>6/8/2020</a:t>
             </a:fld>
             <a:endParaRPr lang="en-US"/>
           </a:p>
@@ -6460,7 +6460,7 @@
           <a:p>
             <a:fld id="{D762E32F-5F27-499B-9DCA-6C60135BCA69}" type="datetimeFigureOut">
               <a:rPr lang="en-US" smtClean="0"/>
-              <a:t>6/6/2020</a:t>
+              <a:t>6/8/2020</a:t>
             </a:fld>
             <a:endParaRPr lang="en-US"/>
           </a:p>
@@ -6771,7 +6771,7 @@
           <a:p>
             <a:fld id="{D762E32F-5F27-499B-9DCA-6C60135BCA69}" type="datetimeFigureOut">
               <a:rPr lang="en-US" smtClean="0"/>
-              <a:t>6/6/2020</a:t>
+              <a:t>6/8/2020</a:t>
             </a:fld>
             <a:endParaRPr lang="en-US"/>
           </a:p>
@@ -7059,7 +7059,7 @@
           <a:p>
             <a:fld id="{D762E32F-5F27-499B-9DCA-6C60135BCA69}" type="datetimeFigureOut">
               <a:rPr lang="en-US" smtClean="0"/>
-              <a:t>6/6/2020</a:t>
+              <a:t>6/8/2020</a:t>
             </a:fld>
             <a:endParaRPr lang="en-US"/>
           </a:p>
@@ -7300,7 +7300,7 @@
           <a:p>
             <a:fld id="{D762E32F-5F27-499B-9DCA-6C60135BCA69}" type="datetimeFigureOut">
               <a:rPr lang="en-US" smtClean="0"/>
-              <a:t>6/6/2020</a:t>
+              <a:t>6/8/2020</a:t>
             </a:fld>
             <a:endParaRPr lang="en-US"/>
           </a:p>
@@ -7870,7 +7870,7 @@
           <a:p>
             <a:fld id="{02AC24A9-CCB6-4F8D-B8DB-C2F3692CFA5A}" type="datetimeFigureOut">
               <a:rPr lang="en-US" smtClean="0"/>
-              <a:t>6/6/2020</a:t>
+              <a:t>6/8/2020</a:t>
             </a:fld>
             <a:endParaRPr lang="en-US"/>
           </a:p>
@@ -10567,7 +10567,7 @@
               <a:pPr algn="ctr"/>
               <a:r>
                 <a:rPr lang="en-US" b="1" dirty="0"/>
-                <a:t>1. Extract</a:t>
+                <a:t>1. Web</a:t>
               </a:r>
               <a:endParaRPr lang="en-CA" b="1" dirty="0"/>
             </a:p>
@@ -10615,11 +10615,22 @@
               <a:pPr algn="ctr"/>
               <a:r>
                 <a:rPr lang="en-US" b="1" dirty="0"/>
-                <a:t>2. Transform (</a:t>
+                <a:t>2. Extract</a:t>
+              </a:r>
+            </a:p>
+            <a:p>
+              <a:pPr algn="ctr"/>
+              <a:r>
+                <a:rPr lang="en-US" b="1" dirty="0"/>
+                <a:t> (</a:t>
               </a:r>
               <a:r>
-                <a:rPr lang="en-US" b="1"/>
-                <a:t>Latyr)</a:t>
+                <a:rPr lang="en-US" b="1" dirty="0" err="1"/>
+                <a:t>Latyr</a:t>
+              </a:r>
+              <a:r>
+                <a:rPr lang="en-US" b="1" dirty="0"/>
+                <a:t>)</a:t>
               </a:r>
               <a:endParaRPr lang="en-CA" b="1" dirty="0"/>
             </a:p>
@@ -10950,7 +10961,7 @@
               <a:pPr algn="ctr"/>
               <a:r>
                 <a:rPr lang="en-US" b="1" dirty="0"/>
-                <a:t>3. Load/Analyze (</a:t>
+                <a:t>3. Transform/Load (</a:t>
               </a:r>
               <a:r>
                 <a:rPr lang="en-US" b="1" dirty="0">

--- a/03 - Presentation/Digital Disparity - Draft presentation.pptx
+++ b/03 - Presentation/Digital Disparity - Draft presentation.pptx
@@ -1963,925 +1963,6 @@
 </dgm:colorsDef>
 </file>
 
-<file path=ppt/diagrams/colors3.xml><?xml version="1.0" encoding="utf-8"?>
-<dgm:colorsDef xmlns:dgm="http://schemas.openxmlformats.org/drawingml/2006/diagram" xmlns:a="http://schemas.openxmlformats.org/drawingml/2006/main" uniqueId="urn:microsoft.com/office/officeart/2005/8/colors/colorful1">
-  <dgm:title val=""/>
-  <dgm:desc val=""/>
-  <dgm:catLst>
-    <dgm:cat type="colorful" pri="10100"/>
-  </dgm:catLst>
-  <dgm:styleLbl name="node0">
-    <dgm:fillClrLst meth="repeat">
-      <a:schemeClr val="accent1"/>
-    </dgm:fillClrLst>
-    <dgm:linClrLst meth="repeat">
-      <a:schemeClr val="lt1"/>
-    </dgm:linClrLst>
-    <dgm:effectClrLst/>
-    <dgm:txLinClrLst/>
-    <dgm:txFillClrLst/>
-    <dgm:txEffectClrLst/>
-  </dgm:styleLbl>
-  <dgm:styleLbl name="node1">
-    <dgm:fillClrLst meth="repeat">
-      <a:schemeClr val="accent2"/>
-      <a:schemeClr val="accent3"/>
-      <a:schemeClr val="accent4"/>
-      <a:schemeClr val="accent5"/>
-      <a:schemeClr val="accent6"/>
-    </dgm:fillClrLst>
-    <dgm:linClrLst meth="repeat">
-      <a:schemeClr val="lt1"/>
-    </dgm:linClrLst>
-    <dgm:effectClrLst/>
-    <dgm:txLinClrLst/>
-    <dgm:txFillClrLst/>
-    <dgm:txEffectClrLst/>
-  </dgm:styleLbl>
-  <dgm:styleLbl name="alignNode1">
-    <dgm:fillClrLst meth="repeat">
-      <a:schemeClr val="accent2"/>
-      <a:schemeClr val="accent3"/>
-      <a:schemeClr val="accent4"/>
-      <a:schemeClr val="accent5"/>
-      <a:schemeClr val="accent6"/>
-    </dgm:fillClrLst>
-    <dgm:linClrLst meth="repeat">
-      <a:schemeClr val="accent2"/>
-      <a:schemeClr val="accent3"/>
-      <a:schemeClr val="accent4"/>
-      <a:schemeClr val="accent5"/>
-      <a:schemeClr val="accent6"/>
-    </dgm:linClrLst>
-    <dgm:effectClrLst/>
-    <dgm:txLinClrLst/>
-    <dgm:txFillClrLst/>
-    <dgm:txEffectClrLst/>
-  </dgm:styleLbl>
-  <dgm:styleLbl name="lnNode1">
-    <dgm:fillClrLst meth="repeat">
-      <a:schemeClr val="accent2"/>
-      <a:schemeClr val="accent3"/>
-      <a:schemeClr val="accent4"/>
-      <a:schemeClr val="accent5"/>
-      <a:schemeClr val="accent6"/>
-    </dgm:fillClrLst>
-    <dgm:linClrLst meth="repeat">
-      <a:schemeClr val="lt1"/>
-    </dgm:linClrLst>
-    <dgm:effectClrLst/>
-    <dgm:txLinClrLst/>
-    <dgm:txFillClrLst/>
-    <dgm:txEffectClrLst/>
-  </dgm:styleLbl>
-  <dgm:styleLbl name="vennNode1">
-    <dgm:fillClrLst meth="repeat">
-      <a:schemeClr val="accent2">
-        <a:alpha val="50000"/>
-      </a:schemeClr>
-      <a:schemeClr val="accent3">
-        <a:alpha val="50000"/>
-      </a:schemeClr>
-      <a:schemeClr val="accent4">
-        <a:alpha val="50000"/>
-      </a:schemeClr>
-      <a:schemeClr val="accent5">
-        <a:alpha val="50000"/>
-      </a:schemeClr>
-      <a:schemeClr val="accent6">
-        <a:alpha val="50000"/>
-      </a:schemeClr>
-    </dgm:fillClrLst>
-    <dgm:linClrLst meth="repeat">
-      <a:schemeClr val="lt1"/>
-    </dgm:linClrLst>
-    <dgm:effectClrLst/>
-    <dgm:txLinClrLst/>
-    <dgm:txFillClrLst/>
-    <dgm:txEffectClrLst/>
-  </dgm:styleLbl>
-  <dgm:styleLbl name="node2">
-    <dgm:fillClrLst>
-      <a:schemeClr val="accent2"/>
-    </dgm:fillClrLst>
-    <dgm:linClrLst meth="repeat">
-      <a:schemeClr val="lt1"/>
-    </dgm:linClrLst>
-    <dgm:effectClrLst/>
-    <dgm:txLinClrLst/>
-    <dgm:txFillClrLst/>
-    <dgm:txEffectClrLst/>
-  </dgm:styleLbl>
-  <dgm:styleLbl name="node3">
-    <dgm:fillClrLst>
-      <a:schemeClr val="accent3"/>
-    </dgm:fillClrLst>
-    <dgm:linClrLst meth="repeat">
-      <a:schemeClr val="lt1"/>
-    </dgm:linClrLst>
-    <dgm:effectClrLst/>
-    <dgm:txLinClrLst/>
-    <dgm:txFillClrLst/>
-    <dgm:txEffectClrLst/>
-  </dgm:styleLbl>
-  <dgm:styleLbl name="node4">
-    <dgm:fillClrLst>
-      <a:schemeClr val="accent4"/>
-    </dgm:fillClrLst>
-    <dgm:linClrLst meth="repeat">
-      <a:schemeClr val="lt1"/>
-    </dgm:linClrLst>
-    <dgm:effectClrLst/>
-    <dgm:txLinClrLst/>
-    <dgm:txFillClrLst/>
-    <dgm:txEffectClrLst/>
-  </dgm:styleLbl>
-  <dgm:styleLbl name="fgImgPlace1">
-    <dgm:fillClrLst meth="repeat">
-      <a:schemeClr val="accent2">
-        <a:tint val="50000"/>
-      </a:schemeClr>
-      <a:schemeClr val="accent3">
-        <a:tint val="50000"/>
-      </a:schemeClr>
-      <a:schemeClr val="accent4">
-        <a:tint val="50000"/>
-      </a:schemeClr>
-      <a:schemeClr val="accent5">
-        <a:tint val="50000"/>
-      </a:schemeClr>
-      <a:schemeClr val="accent6">
-        <a:tint val="50000"/>
-      </a:schemeClr>
-    </dgm:fillClrLst>
-    <dgm:linClrLst meth="repeat">
-      <a:schemeClr val="lt1"/>
-    </dgm:linClrLst>
-    <dgm:effectClrLst/>
-    <dgm:txLinClrLst/>
-    <dgm:txFillClrLst meth="repeat">
-      <a:schemeClr val="lt1"/>
-    </dgm:txFillClrLst>
-    <dgm:txEffectClrLst/>
-  </dgm:styleLbl>
-  <dgm:styleLbl name="alignImgPlace1">
-    <dgm:fillClrLst>
-      <a:schemeClr val="accent1">
-        <a:tint val="50000"/>
-      </a:schemeClr>
-      <a:schemeClr val="accent2">
-        <a:tint val="20000"/>
-      </a:schemeClr>
-    </dgm:fillClrLst>
-    <dgm:linClrLst meth="repeat">
-      <a:schemeClr val="lt1"/>
-    </dgm:linClrLst>
-    <dgm:effectClrLst/>
-    <dgm:txLinClrLst/>
-    <dgm:txFillClrLst meth="repeat">
-      <a:schemeClr val="lt1"/>
-    </dgm:txFillClrLst>
-    <dgm:txEffectClrLst/>
-  </dgm:styleLbl>
-  <dgm:styleLbl name="bgImgPlace1">
-    <dgm:fillClrLst>
-      <a:schemeClr val="accent1">
-        <a:tint val="50000"/>
-      </a:schemeClr>
-      <a:schemeClr val="accent2">
-        <a:tint val="20000"/>
-      </a:schemeClr>
-    </dgm:fillClrLst>
-    <dgm:linClrLst meth="repeat">
-      <a:schemeClr val="lt1"/>
-    </dgm:linClrLst>
-    <dgm:effectClrLst/>
-    <dgm:txLinClrLst/>
-    <dgm:txFillClrLst meth="repeat">
-      <a:schemeClr val="lt1"/>
-    </dgm:txFillClrLst>
-    <dgm:txEffectClrLst/>
-  </dgm:styleLbl>
-  <dgm:styleLbl name="sibTrans2D1">
-    <dgm:fillClrLst meth="repeat">
-      <a:schemeClr val="accent2"/>
-      <a:schemeClr val="accent3"/>
-      <a:schemeClr val="accent4"/>
-      <a:schemeClr val="accent5"/>
-      <a:schemeClr val="accent6"/>
-    </dgm:fillClrLst>
-    <dgm:linClrLst meth="cycle">
-      <a:schemeClr val="lt1"/>
-    </dgm:linClrLst>
-    <dgm:effectClrLst/>
-    <dgm:txLinClrLst/>
-    <dgm:txFillClrLst/>
-    <dgm:txEffectClrLst/>
-  </dgm:styleLbl>
-  <dgm:styleLbl name="fgSibTrans2D1">
-    <dgm:fillClrLst meth="repeat">
-      <a:schemeClr val="accent2"/>
-      <a:schemeClr val="accent3"/>
-      <a:schemeClr val="accent4"/>
-      <a:schemeClr val="accent5"/>
-      <a:schemeClr val="accent6"/>
-    </dgm:fillClrLst>
-    <dgm:linClrLst meth="cycle">
-      <a:schemeClr val="lt1"/>
-    </dgm:linClrLst>
-    <dgm:effectClrLst/>
-    <dgm:txLinClrLst/>
-    <dgm:txFillClrLst meth="repeat">
-      <a:schemeClr val="lt1"/>
-    </dgm:txFillClrLst>
-    <dgm:txEffectClrLst/>
-  </dgm:styleLbl>
-  <dgm:styleLbl name="bgSibTrans2D1">
-    <dgm:fillClrLst meth="repeat">
-      <a:schemeClr val="accent2"/>
-      <a:schemeClr val="accent3"/>
-      <a:schemeClr val="accent4"/>
-      <a:schemeClr val="accent5"/>
-      <a:schemeClr val="accent6"/>
-    </dgm:fillClrLst>
-    <dgm:linClrLst meth="cycle">
-      <a:schemeClr val="lt1"/>
-    </dgm:linClrLst>
-    <dgm:effectClrLst/>
-    <dgm:txLinClrLst/>
-    <dgm:txFillClrLst meth="repeat">
-      <a:schemeClr val="lt1"/>
-    </dgm:txFillClrLst>
-    <dgm:txEffectClrLst/>
-  </dgm:styleLbl>
-  <dgm:styleLbl name="sibTrans1D1">
-    <dgm:fillClrLst meth="repeat">
-      <a:schemeClr val="accent2"/>
-      <a:schemeClr val="accent3"/>
-      <a:schemeClr val="accent4"/>
-      <a:schemeClr val="accent5"/>
-      <a:schemeClr val="accent6"/>
-    </dgm:fillClrLst>
-    <dgm:linClrLst meth="repeat">
-      <a:schemeClr val="accent2"/>
-      <a:schemeClr val="accent3"/>
-      <a:schemeClr val="accent4"/>
-      <a:schemeClr val="accent5"/>
-      <a:schemeClr val="accent6"/>
-    </dgm:linClrLst>
-    <dgm:effectClrLst/>
-    <dgm:txLinClrLst/>
-    <dgm:txFillClrLst meth="repeat">
-      <a:schemeClr val="tx1"/>
-    </dgm:txFillClrLst>
-    <dgm:txEffectClrLst/>
-  </dgm:styleLbl>
-  <dgm:styleLbl name="callout">
-    <dgm:fillClrLst meth="repeat">
-      <a:schemeClr val="accent2"/>
-    </dgm:fillClrLst>
-    <dgm:linClrLst meth="repeat">
-      <a:schemeClr val="accent2">
-        <a:tint val="50000"/>
-      </a:schemeClr>
-    </dgm:linClrLst>
-    <dgm:effectClrLst/>
-    <dgm:txLinClrLst/>
-    <dgm:txFillClrLst meth="repeat">
-      <a:schemeClr val="tx1"/>
-    </dgm:txFillClrLst>
-    <dgm:txEffectClrLst/>
-  </dgm:styleLbl>
-  <dgm:styleLbl name="asst0">
-    <dgm:fillClrLst meth="repeat">
-      <a:schemeClr val="accent1"/>
-    </dgm:fillClrLst>
-    <dgm:linClrLst meth="repeat">
-      <a:schemeClr val="lt1"/>
-    </dgm:linClrLst>
-    <dgm:effectClrLst/>
-    <dgm:txLinClrLst/>
-    <dgm:txFillClrLst/>
-    <dgm:txEffectClrLst/>
-  </dgm:styleLbl>
-  <dgm:styleLbl name="asst1">
-    <dgm:fillClrLst meth="repeat">
-      <a:schemeClr val="accent2"/>
-    </dgm:fillClrLst>
-    <dgm:linClrLst meth="repeat">
-      <a:schemeClr val="lt1"/>
-    </dgm:linClrLst>
-    <dgm:effectClrLst/>
-    <dgm:txLinClrLst/>
-    <dgm:txFillClrLst/>
-    <dgm:txEffectClrLst/>
-  </dgm:styleLbl>
-  <dgm:styleLbl name="asst2">
-    <dgm:fillClrLst>
-      <a:schemeClr val="accent3"/>
-    </dgm:fillClrLst>
-    <dgm:linClrLst meth="repeat">
-      <a:schemeClr val="lt1"/>
-    </dgm:linClrLst>
-    <dgm:effectClrLst/>
-    <dgm:txLinClrLst/>
-    <dgm:txFillClrLst/>
-    <dgm:txEffectClrLst/>
-  </dgm:styleLbl>
-  <dgm:styleLbl name="asst3">
-    <dgm:fillClrLst>
-      <a:schemeClr val="accent4"/>
-    </dgm:fillClrLst>
-    <dgm:linClrLst meth="repeat">
-      <a:schemeClr val="lt1"/>
-    </dgm:linClrLst>
-    <dgm:effectClrLst/>
-    <dgm:txLinClrLst/>
-    <dgm:txFillClrLst/>
-    <dgm:txEffectClrLst/>
-  </dgm:styleLbl>
-  <dgm:styleLbl name="asst4">
-    <dgm:fillClrLst>
-      <a:schemeClr val="accent5"/>
-    </dgm:fillClrLst>
-    <dgm:linClrLst meth="repeat">
-      <a:schemeClr val="lt1"/>
-    </dgm:linClrLst>
-    <dgm:effectClrLst/>
-    <dgm:txLinClrLst/>
-    <dgm:txFillClrLst/>
-    <dgm:txEffectClrLst/>
-  </dgm:styleLbl>
-  <dgm:styleLbl name="parChTrans2D1">
-    <dgm:fillClrLst meth="repeat">
-      <a:schemeClr val="accent2"/>
-    </dgm:fillClrLst>
-    <dgm:linClrLst meth="repeat">
-      <a:schemeClr val="lt1"/>
-    </dgm:linClrLst>
-    <dgm:effectClrLst/>
-    <dgm:txLinClrLst/>
-    <dgm:txFillClrLst meth="repeat">
-      <a:schemeClr val="lt1"/>
-    </dgm:txFillClrLst>
-    <dgm:txEffectClrLst/>
-  </dgm:styleLbl>
-  <dgm:styleLbl name="parChTrans2D2">
-    <dgm:fillClrLst meth="repeat">
-      <a:schemeClr val="accent3"/>
-    </dgm:fillClrLst>
-    <dgm:linClrLst meth="repeat">
-      <a:schemeClr val="lt1"/>
-    </dgm:linClrLst>
-    <dgm:effectClrLst/>
-    <dgm:txLinClrLst/>
-    <dgm:txFillClrLst/>
-    <dgm:txEffectClrLst/>
-  </dgm:styleLbl>
-  <dgm:styleLbl name="parChTrans2D3">
-    <dgm:fillClrLst meth="repeat">
-      <a:schemeClr val="accent4"/>
-    </dgm:fillClrLst>
-    <dgm:linClrLst meth="repeat">
-      <a:schemeClr val="lt1"/>
-    </dgm:linClrLst>
-    <dgm:effectClrLst/>
-    <dgm:txLinClrLst/>
-    <dgm:txFillClrLst/>
-    <dgm:txEffectClrLst/>
-  </dgm:styleLbl>
-  <dgm:styleLbl name="parChTrans2D4">
-    <dgm:fillClrLst meth="repeat">
-      <a:schemeClr val="accent5"/>
-    </dgm:fillClrLst>
-    <dgm:linClrLst meth="repeat">
-      <a:schemeClr val="lt1"/>
-    </dgm:linClrLst>
-    <dgm:effectClrLst/>
-    <dgm:txLinClrLst/>
-    <dgm:txFillClrLst meth="repeat">
-      <a:schemeClr val="lt1"/>
-    </dgm:txFillClrLst>
-    <dgm:txEffectClrLst/>
-  </dgm:styleLbl>
-  <dgm:styleLbl name="parChTrans1D1">
-    <dgm:fillClrLst meth="repeat">
-      <a:schemeClr val="accent2"/>
-    </dgm:fillClrLst>
-    <dgm:linClrLst meth="repeat">
-      <a:schemeClr val="accent1"/>
-    </dgm:linClrLst>
-    <dgm:effectClrLst/>
-    <dgm:txLinClrLst/>
-    <dgm:txFillClrLst meth="repeat">
-      <a:schemeClr val="tx1"/>
-    </dgm:txFillClrLst>
-    <dgm:txEffectClrLst/>
-  </dgm:styleLbl>
-  <dgm:styleLbl name="parChTrans1D2">
-    <dgm:fillClrLst meth="repeat">
-      <a:schemeClr val="accent3">
-        <a:tint val="90000"/>
-      </a:schemeClr>
-    </dgm:fillClrLst>
-    <dgm:linClrLst meth="repeat">
-      <a:schemeClr val="accent2"/>
-    </dgm:linClrLst>
-    <dgm:effectClrLst/>
-    <dgm:txLinClrLst/>
-    <dgm:txFillClrLst meth="repeat">
-      <a:schemeClr val="tx1"/>
-    </dgm:txFillClrLst>
-    <dgm:txEffectClrLst/>
-  </dgm:styleLbl>
-  <dgm:styleLbl name="parChTrans1D3">
-    <dgm:fillClrLst meth="repeat">
-      <a:schemeClr val="accent4">
-        <a:tint val="70000"/>
-      </a:schemeClr>
-    </dgm:fillClrLst>
-    <dgm:linClrLst meth="repeat">
-      <a:schemeClr val="accent3"/>
-    </dgm:linClrLst>
-    <dgm:effectClrLst/>
-    <dgm:txLinClrLst/>
-    <dgm:txFillClrLst meth="repeat">
-      <a:schemeClr val="tx1"/>
-    </dgm:txFillClrLst>
-    <dgm:txEffectClrLst/>
-  </dgm:styleLbl>
-  <dgm:styleLbl name="parChTrans1D4">
-    <dgm:fillClrLst meth="repeat">
-      <a:schemeClr val="accent5">
-        <a:tint val="50000"/>
-      </a:schemeClr>
-    </dgm:fillClrLst>
-    <dgm:linClrLst meth="repeat">
-      <a:schemeClr val="accent4"/>
-    </dgm:linClrLst>
-    <dgm:effectClrLst/>
-    <dgm:txLinClrLst/>
-    <dgm:txFillClrLst meth="repeat">
-      <a:schemeClr val="tx1"/>
-    </dgm:txFillClrLst>
-    <dgm:txEffectClrLst/>
-  </dgm:styleLbl>
-  <dgm:styleLbl name="fgAcc1">
-    <dgm:fillClrLst meth="repeat">
-      <a:schemeClr val="lt1">
-        <a:alpha val="90000"/>
-      </a:schemeClr>
-    </dgm:fillClrLst>
-    <dgm:linClrLst meth="repeat">
-      <a:schemeClr val="accent2"/>
-      <a:schemeClr val="accent3"/>
-      <a:schemeClr val="accent4"/>
-      <a:schemeClr val="accent5"/>
-      <a:schemeClr val="accent6"/>
-    </dgm:linClrLst>
-    <dgm:effectClrLst/>
-    <dgm:txLinClrLst/>
-    <dgm:txFillClrLst meth="repeat">
-      <a:schemeClr val="dk1"/>
-    </dgm:txFillClrLst>
-    <dgm:txEffectClrLst/>
-  </dgm:styleLbl>
-  <dgm:styleLbl name="conFgAcc1">
-    <dgm:fillClrLst meth="repeat">
-      <a:schemeClr val="lt1">
-        <a:alpha val="90000"/>
-      </a:schemeClr>
-    </dgm:fillClrLst>
-    <dgm:linClrLst meth="repeat">
-      <a:schemeClr val="accent2"/>
-      <a:schemeClr val="accent3"/>
-      <a:schemeClr val="accent4"/>
-      <a:schemeClr val="accent5"/>
-      <a:schemeClr val="accent6"/>
-    </dgm:linClrLst>
-    <dgm:effectClrLst/>
-    <dgm:txLinClrLst/>
-    <dgm:txFillClrLst meth="repeat">
-      <a:schemeClr val="dk1"/>
-    </dgm:txFillClrLst>
-    <dgm:txEffectClrLst/>
-  </dgm:styleLbl>
-  <dgm:styleLbl name="alignAcc1">
-    <dgm:fillClrLst meth="repeat">
-      <a:schemeClr val="lt1">
-        <a:alpha val="90000"/>
-      </a:schemeClr>
-    </dgm:fillClrLst>
-    <dgm:linClrLst meth="repeat">
-      <a:schemeClr val="accent2"/>
-      <a:schemeClr val="accent3"/>
-      <a:schemeClr val="accent4"/>
-      <a:schemeClr val="accent5"/>
-      <a:schemeClr val="accent6"/>
-    </dgm:linClrLst>
-    <dgm:effectClrLst/>
-    <dgm:txLinClrLst/>
-    <dgm:txFillClrLst meth="repeat">
-      <a:schemeClr val="dk1"/>
-    </dgm:txFillClrLst>
-    <dgm:txEffectClrLst/>
-  </dgm:styleLbl>
-  <dgm:styleLbl name="trAlignAcc1">
-    <dgm:fillClrLst meth="repeat">
-      <a:schemeClr val="lt1">
-        <a:alpha val="40000"/>
-      </a:schemeClr>
-    </dgm:fillClrLst>
-    <dgm:linClrLst meth="repeat">
-      <a:schemeClr val="accent1"/>
-    </dgm:linClrLst>
-    <dgm:effectClrLst/>
-    <dgm:txLinClrLst/>
-    <dgm:txFillClrLst meth="repeat">
-      <a:schemeClr val="dk1"/>
-    </dgm:txFillClrLst>
-    <dgm:txEffectClrLst/>
-  </dgm:styleLbl>
-  <dgm:styleLbl name="bgAcc1">
-    <dgm:fillClrLst meth="repeat">
-      <a:schemeClr val="lt1">
-        <a:alpha val="90000"/>
-      </a:schemeClr>
-    </dgm:fillClrLst>
-    <dgm:linClrLst meth="repeat">
-      <a:schemeClr val="accent2"/>
-      <a:schemeClr val="accent3"/>
-      <a:schemeClr val="accent4"/>
-      <a:schemeClr val="accent5"/>
-      <a:schemeClr val="accent6"/>
-    </dgm:linClrLst>
-    <dgm:effectClrLst/>
-    <dgm:txLinClrLst/>
-    <dgm:txFillClrLst meth="repeat">
-      <a:schemeClr val="dk1"/>
-    </dgm:txFillClrLst>
-    <dgm:txEffectClrLst/>
-  </dgm:styleLbl>
-  <dgm:styleLbl name="solidFgAcc1">
-    <dgm:fillClrLst meth="repeat">
-      <a:schemeClr val="lt1"/>
-    </dgm:fillClrLst>
-    <dgm:linClrLst meth="repeat">
-      <a:schemeClr val="accent2"/>
-      <a:schemeClr val="accent3"/>
-      <a:schemeClr val="accent4"/>
-      <a:schemeClr val="accent5"/>
-      <a:schemeClr val="accent6"/>
-    </dgm:linClrLst>
-    <dgm:effectClrLst/>
-    <dgm:txLinClrLst/>
-    <dgm:txFillClrLst meth="repeat">
-      <a:schemeClr val="dk1"/>
-    </dgm:txFillClrLst>
-    <dgm:txEffectClrLst/>
-  </dgm:styleLbl>
-  <dgm:styleLbl name="solidAlignAcc1">
-    <dgm:fillClrLst meth="repeat">
-      <a:schemeClr val="lt1"/>
-    </dgm:fillClrLst>
-    <dgm:linClrLst meth="repeat">
-      <a:schemeClr val="accent2"/>
-      <a:schemeClr val="accent3"/>
-      <a:schemeClr val="accent4"/>
-      <a:schemeClr val="accent5"/>
-      <a:schemeClr val="accent6"/>
-    </dgm:linClrLst>
-    <dgm:effectClrLst/>
-    <dgm:txLinClrLst/>
-    <dgm:txFillClrLst meth="repeat">
-      <a:schemeClr val="dk1"/>
-    </dgm:txFillClrLst>
-    <dgm:txEffectClrLst/>
-  </dgm:styleLbl>
-  <dgm:styleLbl name="solidBgAcc1">
-    <dgm:fillClrLst meth="repeat">
-      <a:schemeClr val="lt1"/>
-    </dgm:fillClrLst>
-    <dgm:linClrLst meth="repeat">
-      <a:schemeClr val="accent2"/>
-      <a:schemeClr val="accent3"/>
-      <a:schemeClr val="accent4"/>
-      <a:schemeClr val="accent5"/>
-      <a:schemeClr val="accent6"/>
-    </dgm:linClrLst>
-    <dgm:effectClrLst/>
-    <dgm:txLinClrLst/>
-    <dgm:txFillClrLst meth="repeat">
-      <a:schemeClr val="dk1"/>
-    </dgm:txFillClrLst>
-    <dgm:txEffectClrLst/>
-  </dgm:styleLbl>
-  <dgm:styleLbl name="fgAccFollowNode1">
-    <dgm:fillClrLst meth="repeat">
-      <a:schemeClr val="accent2">
-        <a:tint val="40000"/>
-        <a:alpha val="90000"/>
-      </a:schemeClr>
-      <a:schemeClr val="accent3">
-        <a:tint val="40000"/>
-        <a:alpha val="90000"/>
-      </a:schemeClr>
-      <a:schemeClr val="accent4">
-        <a:tint val="40000"/>
-        <a:alpha val="90000"/>
-      </a:schemeClr>
-      <a:schemeClr val="accent5">
-        <a:tint val="40000"/>
-        <a:alpha val="90000"/>
-      </a:schemeClr>
-      <a:schemeClr val="accent6">
-        <a:tint val="40000"/>
-        <a:alpha val="90000"/>
-      </a:schemeClr>
-    </dgm:fillClrLst>
-    <dgm:linClrLst meth="repeat">
-      <a:schemeClr val="accent2">
-        <a:tint val="40000"/>
-        <a:alpha val="90000"/>
-      </a:schemeClr>
-      <a:schemeClr val="accent3">
-        <a:tint val="40000"/>
-        <a:alpha val="90000"/>
-      </a:schemeClr>
-      <a:schemeClr val="accent4">
-        <a:tint val="40000"/>
-        <a:alpha val="90000"/>
-      </a:schemeClr>
-      <a:schemeClr val="accent5">
-        <a:tint val="40000"/>
-        <a:alpha val="90000"/>
-      </a:schemeClr>
-      <a:schemeClr val="accent6">
-        <a:tint val="40000"/>
-        <a:alpha val="90000"/>
-      </a:schemeClr>
-    </dgm:linClrLst>
-    <dgm:effectClrLst/>
-    <dgm:txLinClrLst/>
-    <dgm:txFillClrLst meth="repeat">
-      <a:schemeClr val="dk1"/>
-    </dgm:txFillClrLst>
-    <dgm:txEffectClrLst/>
-  </dgm:styleLbl>
-  <dgm:styleLbl name="alignAccFollowNode1">
-    <dgm:fillClrLst meth="repeat">
-      <a:schemeClr val="accent2">
-        <a:tint val="40000"/>
-        <a:alpha val="90000"/>
-      </a:schemeClr>
-      <a:schemeClr val="accent3">
-        <a:tint val="40000"/>
-        <a:alpha val="90000"/>
-      </a:schemeClr>
-      <a:schemeClr val="accent4">
-        <a:tint val="40000"/>
-        <a:alpha val="90000"/>
-      </a:schemeClr>
-      <a:schemeClr val="accent5">
-        <a:tint val="40000"/>
-        <a:alpha val="90000"/>
-      </a:schemeClr>
-      <a:schemeClr val="accent6">
-        <a:tint val="40000"/>
-        <a:alpha val="90000"/>
-      </a:schemeClr>
-    </dgm:fillClrLst>
-    <dgm:linClrLst meth="repeat">
-      <a:schemeClr val="accent2">
-        <a:tint val="40000"/>
-        <a:alpha val="90000"/>
-      </a:schemeClr>
-      <a:schemeClr val="accent3">
-        <a:tint val="40000"/>
-        <a:alpha val="90000"/>
-      </a:schemeClr>
-      <a:schemeClr val="accent4">
-        <a:tint val="40000"/>
-        <a:alpha val="90000"/>
-      </a:schemeClr>
-      <a:schemeClr val="accent5">
-        <a:tint val="40000"/>
-        <a:alpha val="90000"/>
-      </a:schemeClr>
-      <a:schemeClr val="accent6">
-        <a:tint val="40000"/>
-        <a:alpha val="90000"/>
-      </a:schemeClr>
-    </dgm:linClrLst>
-    <dgm:effectClrLst/>
-    <dgm:txLinClrLst/>
-    <dgm:txFillClrLst meth="repeat">
-      <a:schemeClr val="dk1"/>
-    </dgm:txFillClrLst>
-    <dgm:txEffectClrLst/>
-  </dgm:styleLbl>
-  <dgm:styleLbl name="bgAccFollowNode1">
-    <dgm:fillClrLst meth="repeat">
-      <a:schemeClr val="accent2">
-        <a:tint val="40000"/>
-        <a:alpha val="90000"/>
-      </a:schemeClr>
-      <a:schemeClr val="accent3">
-        <a:tint val="40000"/>
-        <a:alpha val="90000"/>
-      </a:schemeClr>
-      <a:schemeClr val="accent4">
-        <a:tint val="40000"/>
-        <a:alpha val="90000"/>
-      </a:schemeClr>
-      <a:schemeClr val="accent5">
-        <a:tint val="40000"/>
-        <a:alpha val="90000"/>
-      </a:schemeClr>
-      <a:schemeClr val="accent6">
-        <a:tint val="40000"/>
-        <a:alpha val="90000"/>
-      </a:schemeClr>
-    </dgm:fillClrLst>
-    <dgm:linClrLst meth="repeat">
-      <a:schemeClr val="accent2">
-        <a:tint val="40000"/>
-        <a:alpha val="90000"/>
-      </a:schemeClr>
-      <a:schemeClr val="accent3">
-        <a:tint val="40000"/>
-        <a:alpha val="90000"/>
-      </a:schemeClr>
-      <a:schemeClr val="accent4">
-        <a:tint val="40000"/>
-        <a:alpha val="90000"/>
-      </a:schemeClr>
-      <a:schemeClr val="accent5">
-        <a:tint val="40000"/>
-        <a:alpha val="90000"/>
-      </a:schemeClr>
-      <a:schemeClr val="accent6">
-        <a:tint val="40000"/>
-        <a:alpha val="90000"/>
-      </a:schemeClr>
-    </dgm:linClrLst>
-    <dgm:effectClrLst/>
-    <dgm:txLinClrLst/>
-    <dgm:txFillClrLst meth="repeat">
-      <a:schemeClr val="dk1"/>
-    </dgm:txFillClrLst>
-    <dgm:txEffectClrLst/>
-  </dgm:styleLbl>
-  <dgm:styleLbl name="fgAcc0">
-    <dgm:fillClrLst meth="repeat">
-      <a:schemeClr val="lt1">
-        <a:alpha val="90000"/>
-      </a:schemeClr>
-    </dgm:fillClrLst>
-    <dgm:linClrLst>
-      <a:schemeClr val="accent1"/>
-    </dgm:linClrLst>
-    <dgm:effectClrLst/>
-    <dgm:txLinClrLst/>
-    <dgm:txFillClrLst meth="repeat">
-      <a:schemeClr val="dk1"/>
-    </dgm:txFillClrLst>
-    <dgm:txEffectClrLst/>
-  </dgm:styleLbl>
-  <dgm:styleLbl name="fgAcc2">
-    <dgm:fillClrLst meth="repeat">
-      <a:schemeClr val="lt1">
-        <a:alpha val="90000"/>
-      </a:schemeClr>
-    </dgm:fillClrLst>
-    <dgm:linClrLst>
-      <a:schemeClr val="accent2"/>
-    </dgm:linClrLst>
-    <dgm:effectClrLst/>
-    <dgm:txLinClrLst/>
-    <dgm:txFillClrLst meth="repeat">
-      <a:schemeClr val="dk1"/>
-    </dgm:txFillClrLst>
-    <dgm:txEffectClrLst/>
-  </dgm:styleLbl>
-  <dgm:styleLbl name="fgAcc3">
-    <dgm:fillClrLst meth="repeat">
-      <a:schemeClr val="lt1">
-        <a:alpha val="90000"/>
-      </a:schemeClr>
-    </dgm:fillClrLst>
-    <dgm:linClrLst>
-      <a:schemeClr val="accent3"/>
-    </dgm:linClrLst>
-    <dgm:effectClrLst/>
-    <dgm:txLinClrLst/>
-    <dgm:txFillClrLst meth="repeat">
-      <a:schemeClr val="dk1"/>
-    </dgm:txFillClrLst>
-    <dgm:txEffectClrLst/>
-  </dgm:styleLbl>
-  <dgm:styleLbl name="fgAcc4">
-    <dgm:fillClrLst meth="repeat">
-      <a:schemeClr val="lt1">
-        <a:alpha val="90000"/>
-      </a:schemeClr>
-    </dgm:fillClrLst>
-    <dgm:linClrLst>
-      <a:schemeClr val="accent4"/>
-    </dgm:linClrLst>
-    <dgm:effectClrLst/>
-    <dgm:txLinClrLst/>
-    <dgm:txFillClrLst meth="repeat">
-      <a:schemeClr val="dk1"/>
-    </dgm:txFillClrLst>
-    <dgm:txEffectClrLst/>
-  </dgm:styleLbl>
-  <dgm:styleLbl name="bgShp">
-    <dgm:fillClrLst meth="repeat">
-      <a:schemeClr val="accent2">
-        <a:tint val="40000"/>
-      </a:schemeClr>
-    </dgm:fillClrLst>
-    <dgm:linClrLst meth="repeat">
-      <a:schemeClr val="dk1"/>
-    </dgm:linClrLst>
-    <dgm:effectClrLst/>
-    <dgm:txLinClrLst/>
-    <dgm:txFillClrLst meth="repeat">
-      <a:schemeClr val="dk1"/>
-    </dgm:txFillClrLst>
-    <dgm:txEffectClrLst/>
-  </dgm:styleLbl>
-  <dgm:styleLbl name="dkBgShp">
-    <dgm:fillClrLst meth="repeat">
-      <a:schemeClr val="accent2">
-        <a:shade val="90000"/>
-      </a:schemeClr>
-    </dgm:fillClrLst>
-    <dgm:linClrLst meth="repeat">
-      <a:schemeClr val="dk1"/>
-    </dgm:linClrLst>
-    <dgm:effectClrLst/>
-    <dgm:txLinClrLst/>
-    <dgm:txFillClrLst meth="repeat">
-      <a:schemeClr val="lt1"/>
-    </dgm:txFillClrLst>
-    <dgm:txEffectClrLst/>
-  </dgm:styleLbl>
-  <dgm:styleLbl name="trBgShp">
-    <dgm:fillClrLst meth="repeat">
-      <a:schemeClr val="accent1">
-        <a:tint val="50000"/>
-        <a:alpha val="40000"/>
-      </a:schemeClr>
-    </dgm:fillClrLst>
-    <dgm:linClrLst meth="repeat">
-      <a:schemeClr val="accent2"/>
-    </dgm:linClrLst>
-    <dgm:effectClrLst/>
-    <dgm:txLinClrLst/>
-    <dgm:txFillClrLst meth="repeat">
-      <a:schemeClr val="lt1"/>
-    </dgm:txFillClrLst>
-    <dgm:txEffectClrLst/>
-  </dgm:styleLbl>
-  <dgm:styleLbl name="fgShp">
-    <dgm:fillClrLst meth="repeat">
-      <a:schemeClr val="accent2">
-        <a:tint val="40000"/>
-      </a:schemeClr>
-    </dgm:fillClrLst>
-    <dgm:linClrLst meth="repeat">
-      <a:schemeClr val="lt1"/>
-    </dgm:linClrLst>
-    <dgm:effectClrLst/>
-    <dgm:txLinClrLst/>
-    <dgm:txFillClrLst meth="repeat">
-      <a:schemeClr val="dk1"/>
-    </dgm:txFillClrLst>
-    <dgm:txEffectClrLst/>
-  </dgm:styleLbl>
-  <dgm:styleLbl name="revTx">
-    <dgm:fillClrLst meth="repeat">
-      <a:schemeClr val="lt1">
-        <a:alpha val="0"/>
-      </a:schemeClr>
-    </dgm:fillClrLst>
-    <dgm:linClrLst meth="repeat">
-      <a:schemeClr val="dk1">
-        <a:alpha val="0"/>
-      </a:schemeClr>
-    </dgm:linClrLst>
-    <dgm:effectClrLst/>
-    <dgm:txLinClrLst/>
-    <dgm:txFillClrLst meth="repeat">
-      <a:schemeClr val="tx1"/>
-    </dgm:txFillClrLst>
-    <dgm:txEffectClrLst/>
-  </dgm:styleLbl>
-</dgm:colorsDef>
-</file>
-
 <file path=ppt/diagrams/data1.xml><?xml version="1.0" encoding="utf-8"?>
 <dgm:dataModel xmlns:dgm="http://schemas.openxmlformats.org/drawingml/2006/diagram" xmlns:a="http://schemas.openxmlformats.org/drawingml/2006/main">
   <dgm:ptLst>
@@ -3258,178 +2339,6 @@
 </file>
 
 <file path=ppt/diagrams/data2.xml><?xml version="1.0" encoding="utf-8"?>
-<dgm:dataModel xmlns:dgm="http://schemas.openxmlformats.org/drawingml/2006/diagram" xmlns:a="http://schemas.openxmlformats.org/drawingml/2006/main">
-  <dgm:ptLst>
-    <dgm:pt modelId="{F346058B-1739-4FFC-A9E4-7FA92CADFF5D}" type="doc">
-      <dgm:prSet loTypeId="urn:microsoft.com/office/officeart/2005/8/layout/list1" loCatId="list" qsTypeId="urn:microsoft.com/office/officeart/2005/8/quickstyle/simple1" qsCatId="simple" csTypeId="urn:microsoft.com/office/officeart/2005/8/colors/colorful1" csCatId="colorful" phldr="1"/>
-      <dgm:spPr/>
-      <dgm:t>
-        <a:bodyPr/>
-        <a:lstStyle/>
-        <a:p>
-          <a:endParaRPr lang="en-CA"/>
-        </a:p>
-      </dgm:t>
-    </dgm:pt>
-    <dgm:pt modelId="{76A6B9EE-5B94-43AE-ACCB-1ED0F0901C47}">
-      <dgm:prSet phldrT="[Text]" custT="1"/>
-      <dgm:spPr/>
-      <dgm:t>
-        <a:bodyPr/>
-        <a:lstStyle/>
-        <a:p>
-          <a:r>
-            <a:rPr lang="en-US" sz="2000" dirty="0"/>
-            <a:t>Key Questions to explore</a:t>
-          </a:r>
-          <a:endParaRPr lang="en-CA" sz="2000" dirty="0"/>
-        </a:p>
-      </dgm:t>
-    </dgm:pt>
-    <dgm:pt modelId="{EE402176-571B-4EBF-900C-08EF35353813}" type="parTrans" cxnId="{D724BA5B-1911-41EB-847A-D313A55CCDD8}">
-      <dgm:prSet/>
-      <dgm:spPr/>
-      <dgm:t>
-        <a:bodyPr/>
-        <a:lstStyle/>
-        <a:p>
-          <a:endParaRPr lang="en-CA"/>
-        </a:p>
-      </dgm:t>
-    </dgm:pt>
-    <dgm:pt modelId="{93ED8E4E-99B7-4B43-A809-609B7DD9A973}" type="sibTrans" cxnId="{D724BA5B-1911-41EB-847A-D313A55CCDD8}">
-      <dgm:prSet/>
-      <dgm:spPr/>
-      <dgm:t>
-        <a:bodyPr/>
-        <a:lstStyle/>
-        <a:p>
-          <a:endParaRPr lang="en-CA"/>
-        </a:p>
-      </dgm:t>
-    </dgm:pt>
-    <dgm:pt modelId="{B02FCA66-E691-48FA-9FF3-87132A6ADCCE}">
-      <dgm:prSet phldrT="[Text]" custT="1"/>
-      <dgm:spPr/>
-      <dgm:t>
-        <a:bodyPr/>
-        <a:lstStyle/>
-        <a:p>
-          <a:pPr marL="171450" lvl="1" indent="-171450" algn="l" defTabSz="711200">
-            <a:lnSpc>
-              <a:spcPct val="90000"/>
-            </a:lnSpc>
-            <a:spcBef>
-              <a:spcPct val="0"/>
-            </a:spcBef>
-            <a:spcAft>
-              <a:spcPct val="15000"/>
-            </a:spcAft>
-            <a:buFont typeface="Courier New" panose="02070309020205020404" pitchFamily="49" charset="0"/>
-            <a:buNone/>
-          </a:pPr>
-          <a:endParaRPr lang="en-CA" sz="1400" b="0" i="0" kern="1200" dirty="0">
-            <a:solidFill>
-              <a:prstClr val="black">
-                <a:hueOff val="0"/>
-                <a:satOff val="0"/>
-                <a:lumOff val="0"/>
-                <a:alphaOff val="0"/>
-              </a:prstClr>
-            </a:solidFill>
-            <a:latin typeface="Avenir Next LT Pro"/>
-            <a:ea typeface="+mn-ea"/>
-            <a:cs typeface="+mn-cs"/>
-          </a:endParaRPr>
-        </a:p>
-      </dgm:t>
-    </dgm:pt>
-    <dgm:pt modelId="{1AAB6C5A-9DB6-4B02-84A4-C655D81641FA}" type="parTrans" cxnId="{704F8594-06E5-46A3-9699-71795B521BB2}">
-      <dgm:prSet/>
-      <dgm:spPr/>
-      <dgm:t>
-        <a:bodyPr/>
-        <a:lstStyle/>
-        <a:p>
-          <a:endParaRPr lang="en-CA"/>
-        </a:p>
-      </dgm:t>
-    </dgm:pt>
-    <dgm:pt modelId="{CE8535EA-F1D7-49E2-8658-2E92C6A76B7A}" type="sibTrans" cxnId="{704F8594-06E5-46A3-9699-71795B521BB2}">
-      <dgm:prSet/>
-      <dgm:spPr/>
-      <dgm:t>
-        <a:bodyPr/>
-        <a:lstStyle/>
-        <a:p>
-          <a:endParaRPr lang="en-CA"/>
-        </a:p>
-      </dgm:t>
-    </dgm:pt>
-    <dgm:pt modelId="{2F047876-6753-45F2-B4C8-FF21943EF401}" type="pres">
-      <dgm:prSet presAssocID="{F346058B-1739-4FFC-A9E4-7FA92CADFF5D}" presName="linear" presStyleCnt="0">
-        <dgm:presLayoutVars>
-          <dgm:dir/>
-          <dgm:animLvl val="lvl"/>
-          <dgm:resizeHandles val="exact"/>
-        </dgm:presLayoutVars>
-      </dgm:prSet>
-      <dgm:spPr/>
-    </dgm:pt>
-    <dgm:pt modelId="{90C96B50-1130-4213-B931-638A3713B57C}" type="pres">
-      <dgm:prSet presAssocID="{76A6B9EE-5B94-43AE-ACCB-1ED0F0901C47}" presName="parentLin" presStyleCnt="0"/>
-      <dgm:spPr/>
-    </dgm:pt>
-    <dgm:pt modelId="{002EC05A-8CBA-49DA-991D-1925B705D6F8}" type="pres">
-      <dgm:prSet presAssocID="{76A6B9EE-5B94-43AE-ACCB-1ED0F0901C47}" presName="parentLeftMargin" presStyleLbl="node1" presStyleIdx="0" presStyleCnt="1"/>
-      <dgm:spPr/>
-    </dgm:pt>
-    <dgm:pt modelId="{BC0F53CF-A740-4438-8BD9-DBFC96D991DE}" type="pres">
-      <dgm:prSet presAssocID="{76A6B9EE-5B94-43AE-ACCB-1ED0F0901C47}" presName="parentText" presStyleLbl="node1" presStyleIdx="0" presStyleCnt="1" custScaleX="118817" custScaleY="33374" custLinFactNeighborX="-36378" custLinFactNeighborY="-23693">
-        <dgm:presLayoutVars>
-          <dgm:chMax val="0"/>
-          <dgm:bulletEnabled val="1"/>
-        </dgm:presLayoutVars>
-      </dgm:prSet>
-      <dgm:spPr/>
-    </dgm:pt>
-    <dgm:pt modelId="{10B0212B-0410-4AC0-8C34-A11C1B1008CC}" type="pres">
-      <dgm:prSet presAssocID="{76A6B9EE-5B94-43AE-ACCB-1ED0F0901C47}" presName="negativeSpace" presStyleCnt="0"/>
-      <dgm:spPr/>
-    </dgm:pt>
-    <dgm:pt modelId="{F1355E1B-D785-4DCD-BFE0-89E13F1560FA}" type="pres">
-      <dgm:prSet presAssocID="{76A6B9EE-5B94-43AE-ACCB-1ED0F0901C47}" presName="childText" presStyleLbl="conFgAcc1" presStyleIdx="0" presStyleCnt="1" custScaleY="172398">
-        <dgm:presLayoutVars>
-          <dgm:bulletEnabled val="1"/>
-        </dgm:presLayoutVars>
-      </dgm:prSet>
-      <dgm:spPr/>
-    </dgm:pt>
-  </dgm:ptLst>
-  <dgm:cxnLst>
-    <dgm:cxn modelId="{219B1D3E-0D48-410D-8C0A-4432FF54F557}" type="presOf" srcId="{F346058B-1739-4FFC-A9E4-7FA92CADFF5D}" destId="{2F047876-6753-45F2-B4C8-FF21943EF401}" srcOrd="0" destOrd="0" presId="urn:microsoft.com/office/officeart/2005/8/layout/list1"/>
-    <dgm:cxn modelId="{D724BA5B-1911-41EB-847A-D313A55CCDD8}" srcId="{F346058B-1739-4FFC-A9E4-7FA92CADFF5D}" destId="{76A6B9EE-5B94-43AE-ACCB-1ED0F0901C47}" srcOrd="0" destOrd="0" parTransId="{EE402176-571B-4EBF-900C-08EF35353813}" sibTransId="{93ED8E4E-99B7-4B43-A809-609B7DD9A973}"/>
-    <dgm:cxn modelId="{59391667-C6C3-466D-B5B3-7B38CCE1D2E7}" type="presOf" srcId="{B02FCA66-E691-48FA-9FF3-87132A6ADCCE}" destId="{F1355E1B-D785-4DCD-BFE0-89E13F1560FA}" srcOrd="0" destOrd="0" presId="urn:microsoft.com/office/officeart/2005/8/layout/list1"/>
-    <dgm:cxn modelId="{704F8594-06E5-46A3-9699-71795B521BB2}" srcId="{76A6B9EE-5B94-43AE-ACCB-1ED0F0901C47}" destId="{B02FCA66-E691-48FA-9FF3-87132A6ADCCE}" srcOrd="0" destOrd="0" parTransId="{1AAB6C5A-9DB6-4B02-84A4-C655D81641FA}" sibTransId="{CE8535EA-F1D7-49E2-8658-2E92C6A76B7A}"/>
-    <dgm:cxn modelId="{A8C008AE-C572-424D-B68B-740D4DF6561C}" type="presOf" srcId="{76A6B9EE-5B94-43AE-ACCB-1ED0F0901C47}" destId="{BC0F53CF-A740-4438-8BD9-DBFC96D991DE}" srcOrd="1" destOrd="0" presId="urn:microsoft.com/office/officeart/2005/8/layout/list1"/>
-    <dgm:cxn modelId="{B03534F2-75AD-45D7-9517-C8FABD7B6A09}" type="presOf" srcId="{76A6B9EE-5B94-43AE-ACCB-1ED0F0901C47}" destId="{002EC05A-8CBA-49DA-991D-1925B705D6F8}" srcOrd="0" destOrd="0" presId="urn:microsoft.com/office/officeart/2005/8/layout/list1"/>
-    <dgm:cxn modelId="{6409F8A6-8F96-4B01-9868-2CD2F21D1304}" type="presParOf" srcId="{2F047876-6753-45F2-B4C8-FF21943EF401}" destId="{90C96B50-1130-4213-B931-638A3713B57C}" srcOrd="0" destOrd="0" presId="urn:microsoft.com/office/officeart/2005/8/layout/list1"/>
-    <dgm:cxn modelId="{EA43BF6B-0C84-4E35-8435-20EE04AE21EF}" type="presParOf" srcId="{90C96B50-1130-4213-B931-638A3713B57C}" destId="{002EC05A-8CBA-49DA-991D-1925B705D6F8}" srcOrd="0" destOrd="0" presId="urn:microsoft.com/office/officeart/2005/8/layout/list1"/>
-    <dgm:cxn modelId="{4067FF00-3E13-493F-833D-448EFEFEA61B}" type="presParOf" srcId="{90C96B50-1130-4213-B931-638A3713B57C}" destId="{BC0F53CF-A740-4438-8BD9-DBFC96D991DE}" srcOrd="1" destOrd="0" presId="urn:microsoft.com/office/officeart/2005/8/layout/list1"/>
-    <dgm:cxn modelId="{F0AEF637-08E4-4858-8AE1-E59D00E8D61F}" type="presParOf" srcId="{2F047876-6753-45F2-B4C8-FF21943EF401}" destId="{10B0212B-0410-4AC0-8C34-A11C1B1008CC}" srcOrd="1" destOrd="0" presId="urn:microsoft.com/office/officeart/2005/8/layout/list1"/>
-    <dgm:cxn modelId="{02647667-E9EA-4A6A-A5B4-3478D61179EE}" type="presParOf" srcId="{2F047876-6753-45F2-B4C8-FF21943EF401}" destId="{F1355E1B-D785-4DCD-BFE0-89E13F1560FA}" srcOrd="2" destOrd="0" presId="urn:microsoft.com/office/officeart/2005/8/layout/list1"/>
-  </dgm:cxnLst>
-  <dgm:bg/>
-  <dgm:whole/>
-  <dgm:extLst>
-    <a:ext uri="http://schemas.microsoft.com/office/drawing/2008/diagram">
-      <dsp:dataModelExt xmlns:dsp="http://schemas.microsoft.com/office/drawing/2008/diagram" relId="rId6" minVer="http://schemas.openxmlformats.org/drawingml/2006/diagram"/>
-    </a:ext>
-  </dgm:extLst>
-</dgm:dataModel>
-</file>
-
-<file path=ppt/diagrams/data3.xml><?xml version="1.0" encoding="utf-8"?>
 <dgm:dataModel xmlns:dgm="http://schemas.openxmlformats.org/drawingml/2006/diagram" xmlns:a="http://schemas.openxmlformats.org/drawingml/2006/main">
   <dgm:ptLst>
     <dgm:pt modelId="{F346058B-1739-4FFC-A9E4-7FA92CADFF5D}" type="doc">
@@ -4745,184 +3654,6 @@
       <dsp:cNvGrpSpPr/>
     </dsp:nvGrpSpPr>
     <dsp:grpSpPr/>
-    <dsp:sp modelId="{F1355E1B-D785-4DCD-BFE0-89E13F1560FA}">
-      <dsp:nvSpPr>
-        <dsp:cNvPr id="0" name=""/>
-        <dsp:cNvSpPr/>
-      </dsp:nvSpPr>
-      <dsp:spPr>
-        <a:xfrm>
-          <a:off x="0" y="770966"/>
-          <a:ext cx="11134164" cy="2823879"/>
-        </a:xfrm>
-        <a:prstGeom prst="rect">
-          <a:avLst/>
-        </a:prstGeom>
-        <a:solidFill>
-          <a:schemeClr val="lt1">
-            <a:alpha val="90000"/>
-            <a:hueOff val="0"/>
-            <a:satOff val="0"/>
-            <a:lumOff val="0"/>
-            <a:alphaOff val="0"/>
-          </a:schemeClr>
-        </a:solidFill>
-        <a:ln w="12700" cap="flat" cmpd="sng" algn="ctr">
-          <a:solidFill>
-            <a:schemeClr val="accent2">
-              <a:hueOff val="0"/>
-              <a:satOff val="0"/>
-              <a:lumOff val="0"/>
-              <a:alphaOff val="0"/>
-            </a:schemeClr>
-          </a:solidFill>
-          <a:prstDash val="solid"/>
-          <a:miter lim="800000"/>
-        </a:ln>
-        <a:effectLst/>
-      </dsp:spPr>
-      <dsp:style>
-        <a:lnRef idx="2">
-          <a:scrgbClr r="0" g="0" b="0"/>
-        </a:lnRef>
-        <a:fillRef idx="1">
-          <a:scrgbClr r="0" g="0" b="0"/>
-        </a:fillRef>
-        <a:effectRef idx="0">
-          <a:scrgbClr r="0" g="0" b="0"/>
-        </a:effectRef>
-        <a:fontRef idx="minor"/>
-      </dsp:style>
-      <dsp:txBody>
-        <a:bodyPr spcFirstLastPara="0" vert="horz" wrap="square" lIns="864135" tIns="1353820" rIns="864135" bIns="99568" numCol="1" spcCol="1270" anchor="t" anchorCtr="0">
-          <a:noAutofit/>
-        </a:bodyPr>
-        <a:lstStyle/>
-        <a:p>
-          <a:pPr marL="171450" lvl="1" indent="-171450" algn="l" defTabSz="711200">
-            <a:lnSpc>
-              <a:spcPct val="90000"/>
-            </a:lnSpc>
-            <a:spcBef>
-              <a:spcPct val="0"/>
-            </a:spcBef>
-            <a:spcAft>
-              <a:spcPct val="15000"/>
-            </a:spcAft>
-            <a:buFont typeface="Courier New" panose="02070309020205020404" pitchFamily="49" charset="0"/>
-            <a:buNone/>
-          </a:pPr>
-          <a:endParaRPr lang="en-CA" sz="1400" b="0" i="0" kern="1200" dirty="0">
-            <a:solidFill>
-              <a:prstClr val="black">
-                <a:hueOff val="0"/>
-                <a:satOff val="0"/>
-                <a:lumOff val="0"/>
-                <a:alphaOff val="0"/>
-              </a:prstClr>
-            </a:solidFill>
-            <a:latin typeface="Avenir Next LT Pro"/>
-            <a:ea typeface="+mn-ea"/>
-            <a:cs typeface="+mn-cs"/>
-          </a:endParaRPr>
-        </a:p>
-      </dsp:txBody>
-      <dsp:txXfrm>
-        <a:off x="0" y="770966"/>
-        <a:ext cx="11134164" cy="2823879"/>
-      </dsp:txXfrm>
-    </dsp:sp>
-    <dsp:sp modelId="{BC0F53CF-A740-4438-8BD9-DBFC96D991DE}">
-      <dsp:nvSpPr>
-        <dsp:cNvPr id="0" name=""/>
-        <dsp:cNvSpPr/>
-      </dsp:nvSpPr>
-      <dsp:spPr>
-        <a:xfrm>
-          <a:off x="354188" y="635364"/>
-          <a:ext cx="9260495" cy="640380"/>
-        </a:xfrm>
-        <a:prstGeom prst="roundRect">
-          <a:avLst/>
-        </a:prstGeom>
-        <a:solidFill>
-          <a:schemeClr val="accent2">
-            <a:hueOff val="0"/>
-            <a:satOff val="0"/>
-            <a:lumOff val="0"/>
-            <a:alphaOff val="0"/>
-          </a:schemeClr>
-        </a:solidFill>
-        <a:ln w="12700" cap="flat" cmpd="sng" algn="ctr">
-          <a:solidFill>
-            <a:schemeClr val="lt1">
-              <a:hueOff val="0"/>
-              <a:satOff val="0"/>
-              <a:lumOff val="0"/>
-              <a:alphaOff val="0"/>
-            </a:schemeClr>
-          </a:solidFill>
-          <a:prstDash val="solid"/>
-          <a:miter lim="800000"/>
-        </a:ln>
-        <a:effectLst/>
-      </dsp:spPr>
-      <dsp:style>
-        <a:lnRef idx="2">
-          <a:scrgbClr r="0" g="0" b="0"/>
-        </a:lnRef>
-        <a:fillRef idx="1">
-          <a:scrgbClr r="0" g="0" b="0"/>
-        </a:fillRef>
-        <a:effectRef idx="0">
-          <a:scrgbClr r="0" g="0" b="0"/>
-        </a:effectRef>
-        <a:fontRef idx="minor">
-          <a:schemeClr val="lt1"/>
-        </a:fontRef>
-      </dsp:style>
-      <dsp:txBody>
-        <a:bodyPr spcFirstLastPara="0" vert="horz" wrap="square" lIns="294591" tIns="0" rIns="294591" bIns="0" numCol="1" spcCol="1270" anchor="ctr" anchorCtr="0">
-          <a:noAutofit/>
-        </a:bodyPr>
-        <a:lstStyle/>
-        <a:p>
-          <a:pPr marL="0" lvl="0" indent="0" algn="l" defTabSz="889000">
-            <a:lnSpc>
-              <a:spcPct val="90000"/>
-            </a:lnSpc>
-            <a:spcBef>
-              <a:spcPct val="0"/>
-            </a:spcBef>
-            <a:spcAft>
-              <a:spcPct val="35000"/>
-            </a:spcAft>
-            <a:buNone/>
-          </a:pPr>
-          <a:r>
-            <a:rPr lang="en-US" sz="2000" kern="1200" dirty="0"/>
-            <a:t>Key Questions to explore</a:t>
-          </a:r>
-          <a:endParaRPr lang="en-CA" sz="2000" kern="1200" dirty="0"/>
-        </a:p>
-      </dsp:txBody>
-      <dsp:txXfrm>
-        <a:off x="385449" y="666625"/>
-        <a:ext cx="9197973" cy="577858"/>
-      </dsp:txXfrm>
-    </dsp:sp>
-  </dsp:spTree>
-</dsp:drawing>
-</file>
-
-<file path=ppt/diagrams/drawing3.xml><?xml version="1.0" encoding="utf-8"?>
-<dsp:drawing xmlns:dgm="http://schemas.openxmlformats.org/drawingml/2006/diagram" xmlns:dsp="http://schemas.microsoft.com/office/drawing/2008/diagram" xmlns:a="http://schemas.openxmlformats.org/drawingml/2006/main">
-  <dsp:spTree>
-    <dsp:nvGrpSpPr>
-      <dsp:cNvPr id="0" name=""/>
-      <dsp:cNvGrpSpPr/>
-    </dsp:nvGrpSpPr>
-    <dsp:grpSpPr/>
     <dsp:sp modelId="{2F81915F-14F6-466D-A6CF-5F1ACF3C1657}">
       <dsp:nvSpPr>
         <dsp:cNvPr id="0" name=""/>
@@ -6073,231 +4804,6 @@
 </dgm:layoutDef>
 </file>
 
-<file path=ppt/diagrams/layout3.xml><?xml version="1.0" encoding="utf-8"?>
-<dgm:layoutDef xmlns:dgm="http://schemas.openxmlformats.org/drawingml/2006/diagram" xmlns:a="http://schemas.openxmlformats.org/drawingml/2006/main" uniqueId="urn:microsoft.com/office/officeart/2005/8/layout/list1">
-  <dgm:title val=""/>
-  <dgm:desc val=""/>
-  <dgm:catLst>
-    <dgm:cat type="list" pri="4000"/>
-  </dgm:catLst>
-  <dgm:sampData>
-    <dgm:dataModel>
-      <dgm:ptLst>
-        <dgm:pt modelId="0" type="doc"/>
-        <dgm:pt modelId="1">
-          <dgm:prSet phldr="1"/>
-        </dgm:pt>
-        <dgm:pt modelId="2">
-          <dgm:prSet phldr="1"/>
-        </dgm:pt>
-        <dgm:pt modelId="3">
-          <dgm:prSet phldr="1"/>
-        </dgm:pt>
-      </dgm:ptLst>
-      <dgm:cxnLst>
-        <dgm:cxn modelId="4" srcId="0" destId="1" srcOrd="0" destOrd="0"/>
-        <dgm:cxn modelId="5" srcId="0" destId="2" srcOrd="1" destOrd="0"/>
-        <dgm:cxn modelId="6" srcId="0" destId="3" srcOrd="2" destOrd="0"/>
-      </dgm:cxnLst>
-      <dgm:bg/>
-      <dgm:whole/>
-    </dgm:dataModel>
-  </dgm:sampData>
-  <dgm:styleData>
-    <dgm:dataModel>
-      <dgm:ptLst>
-        <dgm:pt modelId="0" type="doc"/>
-        <dgm:pt modelId="1"/>
-        <dgm:pt modelId="2"/>
-      </dgm:ptLst>
-      <dgm:cxnLst>
-        <dgm:cxn modelId="4" srcId="0" destId="1" srcOrd="0" destOrd="0"/>
-        <dgm:cxn modelId="5" srcId="0" destId="2" srcOrd="1" destOrd="0"/>
-      </dgm:cxnLst>
-      <dgm:bg/>
-      <dgm:whole/>
-    </dgm:dataModel>
-  </dgm:styleData>
-  <dgm:clrData>
-    <dgm:dataModel>
-      <dgm:ptLst>
-        <dgm:pt modelId="0" type="doc"/>
-        <dgm:pt modelId="1"/>
-        <dgm:pt modelId="2"/>
-        <dgm:pt modelId="3"/>
-        <dgm:pt modelId="4"/>
-      </dgm:ptLst>
-      <dgm:cxnLst>
-        <dgm:cxn modelId="5" srcId="0" destId="1" srcOrd="0" destOrd="0"/>
-        <dgm:cxn modelId="6" srcId="0" destId="2" srcOrd="1" destOrd="0"/>
-        <dgm:cxn modelId="7" srcId="0" destId="3" srcOrd="2" destOrd="0"/>
-        <dgm:cxn modelId="8" srcId="0" destId="4" srcOrd="3" destOrd="0"/>
-      </dgm:cxnLst>
-      <dgm:bg/>
-      <dgm:whole/>
-    </dgm:dataModel>
-  </dgm:clrData>
-  <dgm:layoutNode name="linear">
-    <dgm:varLst>
-      <dgm:dir/>
-      <dgm:animLvl val="lvl"/>
-      <dgm:resizeHandles val="exact"/>
-    </dgm:varLst>
-    <dgm:choose name="Name0">
-      <dgm:if name="Name1" func="var" arg="dir" op="equ" val="norm">
-        <dgm:alg type="lin">
-          <dgm:param type="linDir" val="fromT"/>
-          <dgm:param type="vertAlign" val="mid"/>
-          <dgm:param type="horzAlign" val="l"/>
-          <dgm:param type="nodeHorzAlign" val="l"/>
-        </dgm:alg>
-      </dgm:if>
-      <dgm:else name="Name2">
-        <dgm:alg type="lin">
-          <dgm:param type="linDir" val="fromT"/>
-          <dgm:param type="vertAlign" val="mid"/>
-          <dgm:param type="horzAlign" val="r"/>
-          <dgm:param type="nodeHorzAlign" val="r"/>
-        </dgm:alg>
-      </dgm:else>
-    </dgm:choose>
-    <dgm:shape xmlns:r="http://schemas.openxmlformats.org/officeDocument/2006/relationships" r:blip="">
-      <dgm:adjLst/>
-    </dgm:shape>
-    <dgm:presOf/>
-    <dgm:constrLst>
-      <dgm:constr type="w" for="ch" forName="parentLin" refType="w"/>
-      <dgm:constr type="h" for="ch" forName="parentLin" val="INF"/>
-      <dgm:constr type="w" for="des" forName="parentLeftMargin" refType="w" fact="0.05"/>
-      <dgm:constr type="w" for="des" forName="parentText" refType="w" fact="0.7"/>
-      <dgm:constr type="h" for="des" forName="parentText" refType="primFontSz" refFor="des" refForName="parentText" fact="0.82"/>
-      <dgm:constr type="h" for="ch" forName="negativeSpace" refType="primFontSz" refFor="des" refForName="parentText" fact="-0.41"/>
-      <dgm:constr type="h" for="ch" forName="negativeSpace" refType="h" refFor="des" refForName="parentText" op="lte" fact="-0.82"/>
-      <dgm:constr type="h" for="ch" forName="negativeSpace" refType="h" refFor="des" refForName="parentText" op="gte" fact="-0.82"/>
-      <dgm:constr type="w" for="ch" forName="childText" refType="w"/>
-      <dgm:constr type="h" for="ch" forName="childText" refType="primFontSz" refFor="des" refForName="parentText" fact="0.7"/>
-      <dgm:constr type="primFontSz" for="des" forName="parentText" val="65"/>
-      <dgm:constr type="primFontSz" for="ch" forName="childText" refType="primFontSz" refFor="des" refForName="parentText"/>
-      <dgm:constr type="tMarg" for="ch" forName="childText" refType="primFontSz" refFor="des" refForName="parentText" fact="1.64"/>
-      <dgm:constr type="tMarg" for="ch" forName="childText" refType="h" refFor="des" refForName="parentText" op="lte" fact="3.28"/>
-      <dgm:constr type="tMarg" for="ch" forName="childText" refType="h" refFor="des" refForName="parentText" op="gte" fact="3.28"/>
-      <dgm:constr type="lMarg" for="ch" forName="childText" refType="w" fact="0.22"/>
-      <dgm:constr type="rMarg" for="ch" forName="childText" refType="lMarg" refFor="ch" refForName="childText"/>
-      <dgm:constr type="lMarg" for="des" forName="parentText" refType="w" fact="0.075"/>
-      <dgm:constr type="rMarg" for="des" forName="parentText" refType="lMarg" refFor="des" refForName="parentText"/>
-      <dgm:constr type="h" for="ch" forName="spaceBetweenRectangles" refType="primFontSz" refFor="des" refForName="parentText" fact="0.15"/>
-    </dgm:constrLst>
-    <dgm:ruleLst>
-      <dgm:rule type="primFontSz" for="des" forName="parentText" val="5" fact="NaN" max="NaN"/>
-    </dgm:ruleLst>
-    <dgm:forEach name="Name3" axis="ch" ptType="node">
-      <dgm:layoutNode name="parentLin">
-        <dgm:choose name="Name4">
-          <dgm:if name="Name5" func="var" arg="dir" op="equ" val="norm">
-            <dgm:alg type="lin">
-              <dgm:param type="linDir" val="fromL"/>
-              <dgm:param type="horzAlign" val="l"/>
-              <dgm:param type="nodeHorzAlign" val="l"/>
-            </dgm:alg>
-          </dgm:if>
-          <dgm:else name="Name6">
-            <dgm:alg type="lin">
-              <dgm:param type="linDir" val="fromR"/>
-              <dgm:param type="horzAlign" val="r"/>
-              <dgm:param type="nodeHorzAlign" val="r"/>
-            </dgm:alg>
-          </dgm:else>
-        </dgm:choose>
-        <dgm:shape xmlns:r="http://schemas.openxmlformats.org/officeDocument/2006/relationships" r:blip="">
-          <dgm:adjLst/>
-        </dgm:shape>
-        <dgm:presOf/>
-        <dgm:constrLst/>
-        <dgm:ruleLst/>
-        <dgm:layoutNode name="parentLeftMargin">
-          <dgm:alg type="sp"/>
-          <dgm:shape xmlns:r="http://schemas.openxmlformats.org/officeDocument/2006/relationships" type="rect" r:blip="" hideGeom="1">
-            <dgm:adjLst/>
-          </dgm:shape>
-          <dgm:presOf axis="self"/>
-          <dgm:constrLst>
-            <dgm:constr type="h"/>
-          </dgm:constrLst>
-          <dgm:ruleLst/>
-        </dgm:layoutNode>
-        <dgm:layoutNode name="parentText" styleLbl="node1">
-          <dgm:varLst>
-            <dgm:chMax val="0"/>
-            <dgm:bulletEnabled val="1"/>
-          </dgm:varLst>
-          <dgm:choose name="Name7">
-            <dgm:if name="Name8" func="var" arg="dir" op="equ" val="norm">
-              <dgm:alg type="tx">
-                <dgm:param type="parTxLTRAlign" val="l"/>
-                <dgm:param type="parTxRTLAlign" val="l"/>
-              </dgm:alg>
-            </dgm:if>
-            <dgm:else name="Name9">
-              <dgm:alg type="tx">
-                <dgm:param type="parTxLTRAlign" val="r"/>
-                <dgm:param type="parTxRTLAlign" val="r"/>
-              </dgm:alg>
-            </dgm:else>
-          </dgm:choose>
-          <dgm:shape xmlns:r="http://schemas.openxmlformats.org/officeDocument/2006/relationships" type="roundRect" r:blip="">
-            <dgm:adjLst/>
-          </dgm:shape>
-          <dgm:presOf axis="self" ptType="node"/>
-          <dgm:constrLst>
-            <dgm:constr type="tMarg"/>
-            <dgm:constr type="bMarg"/>
-          </dgm:constrLst>
-          <dgm:ruleLst/>
-        </dgm:layoutNode>
-      </dgm:layoutNode>
-      <dgm:layoutNode name="negativeSpace">
-        <dgm:alg type="sp"/>
-        <dgm:shape xmlns:r="http://schemas.openxmlformats.org/officeDocument/2006/relationships" r:blip="">
-          <dgm:adjLst/>
-        </dgm:shape>
-        <dgm:presOf/>
-        <dgm:constrLst/>
-        <dgm:ruleLst/>
-      </dgm:layoutNode>
-      <dgm:layoutNode name="childText" styleLbl="conFgAcc1">
-        <dgm:varLst>
-          <dgm:bulletEnabled val="1"/>
-        </dgm:varLst>
-        <dgm:alg type="tx">
-          <dgm:param type="stBulletLvl" val="1"/>
-        </dgm:alg>
-        <dgm:shape xmlns:r="http://schemas.openxmlformats.org/officeDocument/2006/relationships" type="rect" r:blip="" zOrderOff="-2">
-          <dgm:adjLst/>
-        </dgm:shape>
-        <dgm:presOf axis="des" ptType="node"/>
-        <dgm:constrLst>
-          <dgm:constr type="secFontSz" refType="primFontSz"/>
-        </dgm:constrLst>
-        <dgm:ruleLst>
-          <dgm:rule type="h" val="INF" fact="NaN" max="NaN"/>
-        </dgm:ruleLst>
-      </dgm:layoutNode>
-      <dgm:forEach name="Name10" axis="followSib" ptType="sibTrans" cnt="1">
-        <dgm:layoutNode name="spaceBetweenRectangles">
-          <dgm:alg type="sp"/>
-          <dgm:shape xmlns:r="http://schemas.openxmlformats.org/officeDocument/2006/relationships" r:blip="">
-            <dgm:adjLst/>
-          </dgm:shape>
-          <dgm:presOf/>
-          <dgm:constrLst/>
-          <dgm:ruleLst/>
-        </dgm:layoutNode>
-      </dgm:forEach>
-    </dgm:forEach>
-  </dgm:layoutNode>
-</dgm:layoutDef>
-</file>
-
 <file path=ppt/diagrams/quickStyle1.xml><?xml version="1.0" encoding="utf-8"?>
 <dgm:styleDef xmlns:dgm="http://schemas.openxmlformats.org/drawingml/2006/diagram" xmlns:a="http://schemas.openxmlformats.org/drawingml/2006/main" uniqueId="urn:microsoft.com/office/officeart/2005/8/quickstyle/simple1">
   <dgm:title val=""/>
@@ -7333,1040 +5839,6 @@
 </file>
 
 <file path=ppt/diagrams/quickStyle2.xml><?xml version="1.0" encoding="utf-8"?>
-<dgm:styleDef xmlns:dgm="http://schemas.openxmlformats.org/drawingml/2006/diagram" xmlns:a="http://schemas.openxmlformats.org/drawingml/2006/main" uniqueId="urn:microsoft.com/office/officeart/2005/8/quickstyle/simple1">
-  <dgm:title val=""/>
-  <dgm:desc val=""/>
-  <dgm:catLst>
-    <dgm:cat type="simple" pri="10100"/>
-  </dgm:catLst>
-  <dgm:scene3d>
-    <a:camera prst="orthographicFront"/>
-    <a:lightRig rig="threePt" dir="t"/>
-  </dgm:scene3d>
-  <dgm:styleLbl name="node0">
-    <dgm:scene3d>
-      <a:camera prst="orthographicFront"/>
-      <a:lightRig rig="threePt" dir="t"/>
-    </dgm:scene3d>
-    <dgm:sp3d/>
-    <dgm:txPr/>
-    <dgm:style>
-      <a:lnRef idx="2">
-        <a:scrgbClr r="0" g="0" b="0"/>
-      </a:lnRef>
-      <a:fillRef idx="1">
-        <a:scrgbClr r="0" g="0" b="0"/>
-      </a:fillRef>
-      <a:effectRef idx="0">
-        <a:scrgbClr r="0" g="0" b="0"/>
-      </a:effectRef>
-      <a:fontRef idx="minor">
-        <a:schemeClr val="lt1"/>
-      </a:fontRef>
-    </dgm:style>
-  </dgm:styleLbl>
-  <dgm:styleLbl name="lnNode1">
-    <dgm:scene3d>
-      <a:camera prst="orthographicFront"/>
-      <a:lightRig rig="threePt" dir="t"/>
-    </dgm:scene3d>
-    <dgm:sp3d/>
-    <dgm:txPr/>
-    <dgm:style>
-      <a:lnRef idx="2">
-        <a:scrgbClr r="0" g="0" b="0"/>
-      </a:lnRef>
-      <a:fillRef idx="1">
-        <a:scrgbClr r="0" g="0" b="0"/>
-      </a:fillRef>
-      <a:effectRef idx="0">
-        <a:scrgbClr r="0" g="0" b="0"/>
-      </a:effectRef>
-      <a:fontRef idx="minor">
-        <a:schemeClr val="lt1"/>
-      </a:fontRef>
-    </dgm:style>
-  </dgm:styleLbl>
-  <dgm:styleLbl name="vennNode1">
-    <dgm:scene3d>
-      <a:camera prst="orthographicFront"/>
-      <a:lightRig rig="threePt" dir="t"/>
-    </dgm:scene3d>
-    <dgm:sp3d/>
-    <dgm:txPr/>
-    <dgm:style>
-      <a:lnRef idx="2">
-        <a:scrgbClr r="0" g="0" b="0"/>
-      </a:lnRef>
-      <a:fillRef idx="1">
-        <a:scrgbClr r="0" g="0" b="0"/>
-      </a:fillRef>
-      <a:effectRef idx="0">
-        <a:scrgbClr r="0" g="0" b="0"/>
-      </a:effectRef>
-      <a:fontRef idx="minor">
-        <a:schemeClr val="tx1"/>
-      </a:fontRef>
-    </dgm:style>
-  </dgm:styleLbl>
-  <dgm:styleLbl name="alignNode1">
-    <dgm:scene3d>
-      <a:camera prst="orthographicFront"/>
-      <a:lightRig rig="threePt" dir="t"/>
-    </dgm:scene3d>
-    <dgm:sp3d/>
-    <dgm:txPr/>
-    <dgm:style>
-      <a:lnRef idx="2">
-        <a:scrgbClr r="0" g="0" b="0"/>
-      </a:lnRef>
-      <a:fillRef idx="1">
-        <a:scrgbClr r="0" g="0" b="0"/>
-      </a:fillRef>
-      <a:effectRef idx="0">
-        <a:scrgbClr r="0" g="0" b="0"/>
-      </a:effectRef>
-      <a:fontRef idx="minor">
-        <a:schemeClr val="lt1"/>
-      </a:fontRef>
-    </dgm:style>
-  </dgm:styleLbl>
-  <dgm:styleLbl name="node1">
-    <dgm:scene3d>
-      <a:camera prst="orthographicFront"/>
-      <a:lightRig rig="threePt" dir="t"/>
-    </dgm:scene3d>
-    <dgm:sp3d/>
-    <dgm:txPr/>
-    <dgm:style>
-      <a:lnRef idx="2">
-        <a:scrgbClr r="0" g="0" b="0"/>
-      </a:lnRef>
-      <a:fillRef idx="1">
-        <a:scrgbClr r="0" g="0" b="0"/>
-      </a:fillRef>
-      <a:effectRef idx="0">
-        <a:scrgbClr r="0" g="0" b="0"/>
-      </a:effectRef>
-      <a:fontRef idx="minor">
-        <a:schemeClr val="lt1"/>
-      </a:fontRef>
-    </dgm:style>
-  </dgm:styleLbl>
-  <dgm:styleLbl name="node2">
-    <dgm:scene3d>
-      <a:camera prst="orthographicFront"/>
-      <a:lightRig rig="threePt" dir="t"/>
-    </dgm:scene3d>
-    <dgm:sp3d/>
-    <dgm:txPr/>
-    <dgm:style>
-      <a:lnRef idx="2">
-        <a:scrgbClr r="0" g="0" b="0"/>
-      </a:lnRef>
-      <a:fillRef idx="1">
-        <a:scrgbClr r="0" g="0" b="0"/>
-      </a:fillRef>
-      <a:effectRef idx="0">
-        <a:scrgbClr r="0" g="0" b="0"/>
-      </a:effectRef>
-      <a:fontRef idx="minor">
-        <a:schemeClr val="lt1"/>
-      </a:fontRef>
-    </dgm:style>
-  </dgm:styleLbl>
-  <dgm:styleLbl name="node3">
-    <dgm:scene3d>
-      <a:camera prst="orthographicFront"/>
-      <a:lightRig rig="threePt" dir="t"/>
-    </dgm:scene3d>
-    <dgm:sp3d/>
-    <dgm:txPr/>
-    <dgm:style>
-      <a:lnRef idx="2">
-        <a:scrgbClr r="0" g="0" b="0"/>
-      </a:lnRef>
-      <a:fillRef idx="1">
-        <a:scrgbClr r="0" g="0" b="0"/>
-      </a:fillRef>
-      <a:effectRef idx="0">
-        <a:scrgbClr r="0" g="0" b="0"/>
-      </a:effectRef>
-      <a:fontRef idx="minor">
-        <a:schemeClr val="lt1"/>
-      </a:fontRef>
-    </dgm:style>
-  </dgm:styleLbl>
-  <dgm:styleLbl name="node4">
-    <dgm:scene3d>
-      <a:camera prst="orthographicFront"/>
-      <a:lightRig rig="threePt" dir="t"/>
-    </dgm:scene3d>
-    <dgm:sp3d/>
-    <dgm:txPr/>
-    <dgm:style>
-      <a:lnRef idx="2">
-        <a:scrgbClr r="0" g="0" b="0"/>
-      </a:lnRef>
-      <a:fillRef idx="1">
-        <a:scrgbClr r="0" g="0" b="0"/>
-      </a:fillRef>
-      <a:effectRef idx="0">
-        <a:scrgbClr r="0" g="0" b="0"/>
-      </a:effectRef>
-      <a:fontRef idx="minor">
-        <a:schemeClr val="lt1"/>
-      </a:fontRef>
-    </dgm:style>
-  </dgm:styleLbl>
-  <dgm:styleLbl name="fgImgPlace1">
-    <dgm:scene3d>
-      <a:camera prst="orthographicFront"/>
-      <a:lightRig rig="threePt" dir="t"/>
-    </dgm:scene3d>
-    <dgm:sp3d/>
-    <dgm:txPr/>
-    <dgm:style>
-      <a:lnRef idx="2">
-        <a:scrgbClr r="0" g="0" b="0"/>
-      </a:lnRef>
-      <a:fillRef idx="1">
-        <a:scrgbClr r="0" g="0" b="0"/>
-      </a:fillRef>
-      <a:effectRef idx="0">
-        <a:scrgbClr r="0" g="0" b="0"/>
-      </a:effectRef>
-      <a:fontRef idx="minor"/>
-    </dgm:style>
-  </dgm:styleLbl>
-  <dgm:styleLbl name="alignImgPlace1">
-    <dgm:scene3d>
-      <a:camera prst="orthographicFront"/>
-      <a:lightRig rig="threePt" dir="t"/>
-    </dgm:scene3d>
-    <dgm:sp3d/>
-    <dgm:txPr/>
-    <dgm:style>
-      <a:lnRef idx="2">
-        <a:scrgbClr r="0" g="0" b="0"/>
-      </a:lnRef>
-      <a:fillRef idx="1">
-        <a:scrgbClr r="0" g="0" b="0"/>
-      </a:fillRef>
-      <a:effectRef idx="0">
-        <a:scrgbClr r="0" g="0" b="0"/>
-      </a:effectRef>
-      <a:fontRef idx="minor"/>
-    </dgm:style>
-  </dgm:styleLbl>
-  <dgm:styleLbl name="bgImgPlace1">
-    <dgm:scene3d>
-      <a:camera prst="orthographicFront"/>
-      <a:lightRig rig="threePt" dir="t"/>
-    </dgm:scene3d>
-    <dgm:sp3d/>
-    <dgm:txPr/>
-    <dgm:style>
-      <a:lnRef idx="2">
-        <a:scrgbClr r="0" g="0" b="0"/>
-      </a:lnRef>
-      <a:fillRef idx="1">
-        <a:scrgbClr r="0" g="0" b="0"/>
-      </a:fillRef>
-      <a:effectRef idx="0">
-        <a:scrgbClr r="0" g="0" b="0"/>
-      </a:effectRef>
-      <a:fontRef idx="minor"/>
-    </dgm:style>
-  </dgm:styleLbl>
-  <dgm:styleLbl name="sibTrans2D1">
-    <dgm:scene3d>
-      <a:camera prst="orthographicFront"/>
-      <a:lightRig rig="threePt" dir="t"/>
-    </dgm:scene3d>
-    <dgm:sp3d/>
-    <dgm:txPr/>
-    <dgm:style>
-      <a:lnRef idx="0">
-        <a:scrgbClr r="0" g="0" b="0"/>
-      </a:lnRef>
-      <a:fillRef idx="1">
-        <a:scrgbClr r="0" g="0" b="0"/>
-      </a:fillRef>
-      <a:effectRef idx="0">
-        <a:scrgbClr r="0" g="0" b="0"/>
-      </a:effectRef>
-      <a:fontRef idx="minor">
-        <a:schemeClr val="lt1"/>
-      </a:fontRef>
-    </dgm:style>
-  </dgm:styleLbl>
-  <dgm:styleLbl name="fgSibTrans2D1">
-    <dgm:scene3d>
-      <a:camera prst="orthographicFront"/>
-      <a:lightRig rig="threePt" dir="t"/>
-    </dgm:scene3d>
-    <dgm:sp3d/>
-    <dgm:txPr/>
-    <dgm:style>
-      <a:lnRef idx="0">
-        <a:scrgbClr r="0" g="0" b="0"/>
-      </a:lnRef>
-      <a:fillRef idx="1">
-        <a:scrgbClr r="0" g="0" b="0"/>
-      </a:fillRef>
-      <a:effectRef idx="0">
-        <a:scrgbClr r="0" g="0" b="0"/>
-      </a:effectRef>
-      <a:fontRef idx="minor">
-        <a:schemeClr val="lt1"/>
-      </a:fontRef>
-    </dgm:style>
-  </dgm:styleLbl>
-  <dgm:styleLbl name="bgSibTrans2D1">
-    <dgm:scene3d>
-      <a:camera prst="orthographicFront"/>
-      <a:lightRig rig="threePt" dir="t"/>
-    </dgm:scene3d>
-    <dgm:sp3d/>
-    <dgm:txPr/>
-    <dgm:style>
-      <a:lnRef idx="0">
-        <a:scrgbClr r="0" g="0" b="0"/>
-      </a:lnRef>
-      <a:fillRef idx="1">
-        <a:scrgbClr r="0" g="0" b="0"/>
-      </a:fillRef>
-      <a:effectRef idx="0">
-        <a:scrgbClr r="0" g="0" b="0"/>
-      </a:effectRef>
-      <a:fontRef idx="minor">
-        <a:schemeClr val="lt1"/>
-      </a:fontRef>
-    </dgm:style>
-  </dgm:styleLbl>
-  <dgm:styleLbl name="sibTrans1D1">
-    <dgm:scene3d>
-      <a:camera prst="orthographicFront"/>
-      <a:lightRig rig="threePt" dir="t"/>
-    </dgm:scene3d>
-    <dgm:sp3d/>
-    <dgm:txPr/>
-    <dgm:style>
-      <a:lnRef idx="1">
-        <a:scrgbClr r="0" g="0" b="0"/>
-      </a:lnRef>
-      <a:fillRef idx="0">
-        <a:scrgbClr r="0" g="0" b="0"/>
-      </a:fillRef>
-      <a:effectRef idx="0">
-        <a:scrgbClr r="0" g="0" b="0"/>
-      </a:effectRef>
-      <a:fontRef idx="minor"/>
-    </dgm:style>
-  </dgm:styleLbl>
-  <dgm:styleLbl name="callout">
-    <dgm:scene3d>
-      <a:camera prst="orthographicFront"/>
-      <a:lightRig rig="threePt" dir="t"/>
-    </dgm:scene3d>
-    <dgm:sp3d/>
-    <dgm:txPr/>
-    <dgm:style>
-      <a:lnRef idx="2">
-        <a:scrgbClr r="0" g="0" b="0"/>
-      </a:lnRef>
-      <a:fillRef idx="1">
-        <a:scrgbClr r="0" g="0" b="0"/>
-      </a:fillRef>
-      <a:effectRef idx="0">
-        <a:scrgbClr r="0" g="0" b="0"/>
-      </a:effectRef>
-      <a:fontRef idx="minor"/>
-    </dgm:style>
-  </dgm:styleLbl>
-  <dgm:styleLbl name="asst0">
-    <dgm:scene3d>
-      <a:camera prst="orthographicFront"/>
-      <a:lightRig rig="threePt" dir="t"/>
-    </dgm:scene3d>
-    <dgm:sp3d/>
-    <dgm:txPr/>
-    <dgm:style>
-      <a:lnRef idx="2">
-        <a:scrgbClr r="0" g="0" b="0"/>
-      </a:lnRef>
-      <a:fillRef idx="1">
-        <a:scrgbClr r="0" g="0" b="0"/>
-      </a:fillRef>
-      <a:effectRef idx="0">
-        <a:scrgbClr r="0" g="0" b="0"/>
-      </a:effectRef>
-      <a:fontRef idx="minor">
-        <a:schemeClr val="lt1"/>
-      </a:fontRef>
-    </dgm:style>
-  </dgm:styleLbl>
-  <dgm:styleLbl name="asst1">
-    <dgm:scene3d>
-      <a:camera prst="orthographicFront"/>
-      <a:lightRig rig="threePt" dir="t"/>
-    </dgm:scene3d>
-    <dgm:sp3d/>
-    <dgm:txPr/>
-    <dgm:style>
-      <a:lnRef idx="2">
-        <a:scrgbClr r="0" g="0" b="0"/>
-      </a:lnRef>
-      <a:fillRef idx="1">
-        <a:scrgbClr r="0" g="0" b="0"/>
-      </a:fillRef>
-      <a:effectRef idx="0">
-        <a:scrgbClr r="0" g="0" b="0"/>
-      </a:effectRef>
-      <a:fontRef idx="minor">
-        <a:schemeClr val="lt1"/>
-      </a:fontRef>
-    </dgm:style>
-  </dgm:styleLbl>
-  <dgm:styleLbl name="asst2">
-    <dgm:scene3d>
-      <a:camera prst="orthographicFront"/>
-      <a:lightRig rig="threePt" dir="t"/>
-    </dgm:scene3d>
-    <dgm:sp3d/>
-    <dgm:txPr/>
-    <dgm:style>
-      <a:lnRef idx="2">
-        <a:scrgbClr r="0" g="0" b="0"/>
-      </a:lnRef>
-      <a:fillRef idx="1">
-        <a:scrgbClr r="0" g="0" b="0"/>
-      </a:fillRef>
-      <a:effectRef idx="0">
-        <a:scrgbClr r="0" g="0" b="0"/>
-      </a:effectRef>
-      <a:fontRef idx="minor">
-        <a:schemeClr val="lt1"/>
-      </a:fontRef>
-    </dgm:style>
-  </dgm:styleLbl>
-  <dgm:styleLbl name="asst3">
-    <dgm:scene3d>
-      <a:camera prst="orthographicFront"/>
-      <a:lightRig rig="threePt" dir="t"/>
-    </dgm:scene3d>
-    <dgm:sp3d/>
-    <dgm:txPr/>
-    <dgm:style>
-      <a:lnRef idx="2">
-        <a:scrgbClr r="0" g="0" b="0"/>
-      </a:lnRef>
-      <a:fillRef idx="1">
-        <a:scrgbClr r="0" g="0" b="0"/>
-      </a:fillRef>
-      <a:effectRef idx="0">
-        <a:scrgbClr r="0" g="0" b="0"/>
-      </a:effectRef>
-      <a:fontRef idx="minor">
-        <a:schemeClr val="lt1"/>
-      </a:fontRef>
-    </dgm:style>
-  </dgm:styleLbl>
-  <dgm:styleLbl name="asst4">
-    <dgm:scene3d>
-      <a:camera prst="orthographicFront"/>
-      <a:lightRig rig="threePt" dir="t"/>
-    </dgm:scene3d>
-    <dgm:sp3d/>
-    <dgm:txPr/>
-    <dgm:style>
-      <a:lnRef idx="2">
-        <a:scrgbClr r="0" g="0" b="0"/>
-      </a:lnRef>
-      <a:fillRef idx="1">
-        <a:scrgbClr r="0" g="0" b="0"/>
-      </a:fillRef>
-      <a:effectRef idx="0">
-        <a:scrgbClr r="0" g="0" b="0"/>
-      </a:effectRef>
-      <a:fontRef idx="minor">
-        <a:schemeClr val="lt1"/>
-      </a:fontRef>
-    </dgm:style>
-  </dgm:styleLbl>
-  <dgm:styleLbl name="parChTrans2D1">
-    <dgm:scene3d>
-      <a:camera prst="orthographicFront"/>
-      <a:lightRig rig="threePt" dir="t"/>
-    </dgm:scene3d>
-    <dgm:sp3d/>
-    <dgm:txPr/>
-    <dgm:style>
-      <a:lnRef idx="2">
-        <a:scrgbClr r="0" g="0" b="0"/>
-      </a:lnRef>
-      <a:fillRef idx="1">
-        <a:scrgbClr r="0" g="0" b="0"/>
-      </a:fillRef>
-      <a:effectRef idx="0">
-        <a:scrgbClr r="0" g="0" b="0"/>
-      </a:effectRef>
-      <a:fontRef idx="minor">
-        <a:schemeClr val="lt1"/>
-      </a:fontRef>
-    </dgm:style>
-  </dgm:styleLbl>
-  <dgm:styleLbl name="parChTrans2D2">
-    <dgm:scene3d>
-      <a:camera prst="orthographicFront"/>
-      <a:lightRig rig="threePt" dir="t"/>
-    </dgm:scene3d>
-    <dgm:sp3d/>
-    <dgm:txPr/>
-    <dgm:style>
-      <a:lnRef idx="2">
-        <a:scrgbClr r="0" g="0" b="0"/>
-      </a:lnRef>
-      <a:fillRef idx="1">
-        <a:scrgbClr r="0" g="0" b="0"/>
-      </a:fillRef>
-      <a:effectRef idx="0">
-        <a:scrgbClr r="0" g="0" b="0"/>
-      </a:effectRef>
-      <a:fontRef idx="minor">
-        <a:schemeClr val="lt1"/>
-      </a:fontRef>
-    </dgm:style>
-  </dgm:styleLbl>
-  <dgm:styleLbl name="parChTrans2D3">
-    <dgm:scene3d>
-      <a:camera prst="orthographicFront"/>
-      <a:lightRig rig="threePt" dir="t"/>
-    </dgm:scene3d>
-    <dgm:sp3d/>
-    <dgm:txPr/>
-    <dgm:style>
-      <a:lnRef idx="2">
-        <a:scrgbClr r="0" g="0" b="0"/>
-      </a:lnRef>
-      <a:fillRef idx="1">
-        <a:scrgbClr r="0" g="0" b="0"/>
-      </a:fillRef>
-      <a:effectRef idx="0">
-        <a:scrgbClr r="0" g="0" b="0"/>
-      </a:effectRef>
-      <a:fontRef idx="minor">
-        <a:schemeClr val="lt1"/>
-      </a:fontRef>
-    </dgm:style>
-  </dgm:styleLbl>
-  <dgm:styleLbl name="parChTrans2D4">
-    <dgm:scene3d>
-      <a:camera prst="orthographicFront"/>
-      <a:lightRig rig="threePt" dir="t"/>
-    </dgm:scene3d>
-    <dgm:sp3d/>
-    <dgm:txPr/>
-    <dgm:style>
-      <a:lnRef idx="2">
-        <a:scrgbClr r="0" g="0" b="0"/>
-      </a:lnRef>
-      <a:fillRef idx="1">
-        <a:scrgbClr r="0" g="0" b="0"/>
-      </a:fillRef>
-      <a:effectRef idx="0">
-        <a:scrgbClr r="0" g="0" b="0"/>
-      </a:effectRef>
-      <a:fontRef idx="minor">
-        <a:schemeClr val="lt1"/>
-      </a:fontRef>
-    </dgm:style>
-  </dgm:styleLbl>
-  <dgm:styleLbl name="parChTrans1D1">
-    <dgm:scene3d>
-      <a:camera prst="orthographicFront"/>
-      <a:lightRig rig="threePt" dir="t"/>
-    </dgm:scene3d>
-    <dgm:sp3d/>
-    <dgm:txPr/>
-    <dgm:style>
-      <a:lnRef idx="2">
-        <a:scrgbClr r="0" g="0" b="0"/>
-      </a:lnRef>
-      <a:fillRef idx="0">
-        <a:scrgbClr r="0" g="0" b="0"/>
-      </a:fillRef>
-      <a:effectRef idx="0">
-        <a:scrgbClr r="0" g="0" b="0"/>
-      </a:effectRef>
-      <a:fontRef idx="minor"/>
-    </dgm:style>
-  </dgm:styleLbl>
-  <dgm:styleLbl name="parChTrans1D2">
-    <dgm:scene3d>
-      <a:camera prst="orthographicFront"/>
-      <a:lightRig rig="threePt" dir="t"/>
-    </dgm:scene3d>
-    <dgm:sp3d/>
-    <dgm:txPr/>
-    <dgm:style>
-      <a:lnRef idx="2">
-        <a:scrgbClr r="0" g="0" b="0"/>
-      </a:lnRef>
-      <a:fillRef idx="0">
-        <a:scrgbClr r="0" g="0" b="0"/>
-      </a:fillRef>
-      <a:effectRef idx="0">
-        <a:scrgbClr r="0" g="0" b="0"/>
-      </a:effectRef>
-      <a:fontRef idx="minor"/>
-    </dgm:style>
-  </dgm:styleLbl>
-  <dgm:styleLbl name="parChTrans1D3">
-    <dgm:scene3d>
-      <a:camera prst="orthographicFront"/>
-      <a:lightRig rig="threePt" dir="t"/>
-    </dgm:scene3d>
-    <dgm:sp3d/>
-    <dgm:txPr/>
-    <dgm:style>
-      <a:lnRef idx="2">
-        <a:scrgbClr r="0" g="0" b="0"/>
-      </a:lnRef>
-      <a:fillRef idx="0">
-        <a:scrgbClr r="0" g="0" b="0"/>
-      </a:fillRef>
-      <a:effectRef idx="0">
-        <a:scrgbClr r="0" g="0" b="0"/>
-      </a:effectRef>
-      <a:fontRef idx="minor"/>
-    </dgm:style>
-  </dgm:styleLbl>
-  <dgm:styleLbl name="parChTrans1D4">
-    <dgm:scene3d>
-      <a:camera prst="orthographicFront"/>
-      <a:lightRig rig="threePt" dir="t"/>
-    </dgm:scene3d>
-    <dgm:sp3d/>
-    <dgm:txPr/>
-    <dgm:style>
-      <a:lnRef idx="2">
-        <a:scrgbClr r="0" g="0" b="0"/>
-      </a:lnRef>
-      <a:fillRef idx="0">
-        <a:scrgbClr r="0" g="0" b="0"/>
-      </a:fillRef>
-      <a:effectRef idx="0">
-        <a:scrgbClr r="0" g="0" b="0"/>
-      </a:effectRef>
-      <a:fontRef idx="minor"/>
-    </dgm:style>
-  </dgm:styleLbl>
-  <dgm:styleLbl name="fgAcc1">
-    <dgm:scene3d>
-      <a:camera prst="orthographicFront"/>
-      <a:lightRig rig="threePt" dir="t"/>
-    </dgm:scene3d>
-    <dgm:sp3d/>
-    <dgm:txPr/>
-    <dgm:style>
-      <a:lnRef idx="2">
-        <a:scrgbClr r="0" g="0" b="0"/>
-      </a:lnRef>
-      <a:fillRef idx="1">
-        <a:scrgbClr r="0" g="0" b="0"/>
-      </a:fillRef>
-      <a:effectRef idx="0">
-        <a:scrgbClr r="0" g="0" b="0"/>
-      </a:effectRef>
-      <a:fontRef idx="minor"/>
-    </dgm:style>
-  </dgm:styleLbl>
-  <dgm:styleLbl name="conFgAcc1">
-    <dgm:scene3d>
-      <a:camera prst="orthographicFront"/>
-      <a:lightRig rig="threePt" dir="t"/>
-    </dgm:scene3d>
-    <dgm:sp3d/>
-    <dgm:txPr/>
-    <dgm:style>
-      <a:lnRef idx="2">
-        <a:scrgbClr r="0" g="0" b="0"/>
-      </a:lnRef>
-      <a:fillRef idx="1">
-        <a:scrgbClr r="0" g="0" b="0"/>
-      </a:fillRef>
-      <a:effectRef idx="0">
-        <a:scrgbClr r="0" g="0" b="0"/>
-      </a:effectRef>
-      <a:fontRef idx="minor"/>
-    </dgm:style>
-  </dgm:styleLbl>
-  <dgm:styleLbl name="alignAcc1">
-    <dgm:scene3d>
-      <a:camera prst="orthographicFront"/>
-      <a:lightRig rig="threePt" dir="t"/>
-    </dgm:scene3d>
-    <dgm:sp3d/>
-    <dgm:txPr/>
-    <dgm:style>
-      <a:lnRef idx="2">
-        <a:scrgbClr r="0" g="0" b="0"/>
-      </a:lnRef>
-      <a:fillRef idx="1">
-        <a:scrgbClr r="0" g="0" b="0"/>
-      </a:fillRef>
-      <a:effectRef idx="0">
-        <a:scrgbClr r="0" g="0" b="0"/>
-      </a:effectRef>
-      <a:fontRef idx="minor"/>
-    </dgm:style>
-  </dgm:styleLbl>
-  <dgm:styleLbl name="trAlignAcc1">
-    <dgm:scene3d>
-      <a:camera prst="orthographicFront"/>
-      <a:lightRig rig="threePt" dir="t"/>
-    </dgm:scene3d>
-    <dgm:sp3d/>
-    <dgm:txPr/>
-    <dgm:style>
-      <a:lnRef idx="1">
-        <a:scrgbClr r="0" g="0" b="0"/>
-      </a:lnRef>
-      <a:fillRef idx="1">
-        <a:scrgbClr r="0" g="0" b="0"/>
-      </a:fillRef>
-      <a:effectRef idx="0">
-        <a:scrgbClr r="0" g="0" b="0"/>
-      </a:effectRef>
-      <a:fontRef idx="minor"/>
-    </dgm:style>
-  </dgm:styleLbl>
-  <dgm:styleLbl name="bgAcc1">
-    <dgm:scene3d>
-      <a:camera prst="orthographicFront"/>
-      <a:lightRig rig="threePt" dir="t"/>
-    </dgm:scene3d>
-    <dgm:sp3d/>
-    <dgm:txPr/>
-    <dgm:style>
-      <a:lnRef idx="2">
-        <a:scrgbClr r="0" g="0" b="0"/>
-      </a:lnRef>
-      <a:fillRef idx="1">
-        <a:scrgbClr r="0" g="0" b="0"/>
-      </a:fillRef>
-      <a:effectRef idx="0">
-        <a:scrgbClr r="0" g="0" b="0"/>
-      </a:effectRef>
-      <a:fontRef idx="minor"/>
-    </dgm:style>
-  </dgm:styleLbl>
-  <dgm:styleLbl name="solidFgAcc1">
-    <dgm:scene3d>
-      <a:camera prst="orthographicFront"/>
-      <a:lightRig rig="threePt" dir="t"/>
-    </dgm:scene3d>
-    <dgm:sp3d/>
-    <dgm:txPr/>
-    <dgm:style>
-      <a:lnRef idx="2">
-        <a:scrgbClr r="0" g="0" b="0"/>
-      </a:lnRef>
-      <a:fillRef idx="1">
-        <a:scrgbClr r="0" g="0" b="0"/>
-      </a:fillRef>
-      <a:effectRef idx="0">
-        <a:scrgbClr r="0" g="0" b="0"/>
-      </a:effectRef>
-      <a:fontRef idx="minor"/>
-    </dgm:style>
-  </dgm:styleLbl>
-  <dgm:styleLbl name="solidAlignAcc1">
-    <dgm:scene3d>
-      <a:camera prst="orthographicFront"/>
-      <a:lightRig rig="threePt" dir="t"/>
-    </dgm:scene3d>
-    <dgm:sp3d/>
-    <dgm:txPr/>
-    <dgm:style>
-      <a:lnRef idx="2">
-        <a:scrgbClr r="0" g="0" b="0"/>
-      </a:lnRef>
-      <a:fillRef idx="1">
-        <a:scrgbClr r="0" g="0" b="0"/>
-      </a:fillRef>
-      <a:effectRef idx="0">
-        <a:scrgbClr r="0" g="0" b="0"/>
-      </a:effectRef>
-      <a:fontRef idx="minor"/>
-    </dgm:style>
-  </dgm:styleLbl>
-  <dgm:styleLbl name="solidBgAcc1">
-    <dgm:scene3d>
-      <a:camera prst="orthographicFront"/>
-      <a:lightRig rig="threePt" dir="t"/>
-    </dgm:scene3d>
-    <dgm:sp3d/>
-    <dgm:txPr/>
-    <dgm:style>
-      <a:lnRef idx="2">
-        <a:scrgbClr r="0" g="0" b="0"/>
-      </a:lnRef>
-      <a:fillRef idx="1">
-        <a:scrgbClr r="0" g="0" b="0"/>
-      </a:fillRef>
-      <a:effectRef idx="0">
-        <a:scrgbClr r="0" g="0" b="0"/>
-      </a:effectRef>
-      <a:fontRef idx="minor"/>
-    </dgm:style>
-  </dgm:styleLbl>
-  <dgm:styleLbl name="fgAccFollowNode1">
-    <dgm:scene3d>
-      <a:camera prst="orthographicFront"/>
-      <a:lightRig rig="threePt" dir="t"/>
-    </dgm:scene3d>
-    <dgm:sp3d/>
-    <dgm:txPr/>
-    <dgm:style>
-      <a:lnRef idx="2">
-        <a:scrgbClr r="0" g="0" b="0"/>
-      </a:lnRef>
-      <a:fillRef idx="1">
-        <a:scrgbClr r="0" g="0" b="0"/>
-      </a:fillRef>
-      <a:effectRef idx="0">
-        <a:scrgbClr r="0" g="0" b="0"/>
-      </a:effectRef>
-      <a:fontRef idx="minor"/>
-    </dgm:style>
-  </dgm:styleLbl>
-  <dgm:styleLbl name="alignAccFollowNode1">
-    <dgm:scene3d>
-      <a:camera prst="orthographicFront"/>
-      <a:lightRig rig="threePt" dir="t"/>
-    </dgm:scene3d>
-    <dgm:sp3d/>
-    <dgm:txPr/>
-    <dgm:style>
-      <a:lnRef idx="2">
-        <a:scrgbClr r="0" g="0" b="0"/>
-      </a:lnRef>
-      <a:fillRef idx="1">
-        <a:scrgbClr r="0" g="0" b="0"/>
-      </a:fillRef>
-      <a:effectRef idx="0">
-        <a:scrgbClr r="0" g="0" b="0"/>
-      </a:effectRef>
-      <a:fontRef idx="minor"/>
-    </dgm:style>
-  </dgm:styleLbl>
-  <dgm:styleLbl name="bgAccFollowNode1">
-    <dgm:scene3d>
-      <a:camera prst="orthographicFront"/>
-      <a:lightRig rig="threePt" dir="t"/>
-    </dgm:scene3d>
-    <dgm:sp3d/>
-    <dgm:txPr/>
-    <dgm:style>
-      <a:lnRef idx="2">
-        <a:scrgbClr r="0" g="0" b="0"/>
-      </a:lnRef>
-      <a:fillRef idx="1">
-        <a:scrgbClr r="0" g="0" b="0"/>
-      </a:fillRef>
-      <a:effectRef idx="0">
-        <a:scrgbClr r="0" g="0" b="0"/>
-      </a:effectRef>
-      <a:fontRef idx="minor"/>
-    </dgm:style>
-  </dgm:styleLbl>
-  <dgm:styleLbl name="fgAcc0">
-    <dgm:scene3d>
-      <a:camera prst="orthographicFront"/>
-      <a:lightRig rig="threePt" dir="t"/>
-    </dgm:scene3d>
-    <dgm:sp3d/>
-    <dgm:txPr/>
-    <dgm:style>
-      <a:lnRef idx="2">
-        <a:scrgbClr r="0" g="0" b="0"/>
-      </a:lnRef>
-      <a:fillRef idx="1">
-        <a:scrgbClr r="0" g="0" b="0"/>
-      </a:fillRef>
-      <a:effectRef idx="0">
-        <a:scrgbClr r="0" g="0" b="0"/>
-      </a:effectRef>
-      <a:fontRef idx="minor"/>
-    </dgm:style>
-  </dgm:styleLbl>
-  <dgm:styleLbl name="fgAcc2">
-    <dgm:scene3d>
-      <a:camera prst="orthographicFront"/>
-      <a:lightRig rig="threePt" dir="t"/>
-    </dgm:scene3d>
-    <dgm:sp3d/>
-    <dgm:txPr/>
-    <dgm:style>
-      <a:lnRef idx="2">
-        <a:scrgbClr r="0" g="0" b="0"/>
-      </a:lnRef>
-      <a:fillRef idx="1">
-        <a:scrgbClr r="0" g="0" b="0"/>
-      </a:fillRef>
-      <a:effectRef idx="0">
-        <a:scrgbClr r="0" g="0" b="0"/>
-      </a:effectRef>
-      <a:fontRef idx="minor"/>
-    </dgm:style>
-  </dgm:styleLbl>
-  <dgm:styleLbl name="fgAcc3">
-    <dgm:scene3d>
-      <a:camera prst="orthographicFront"/>
-      <a:lightRig rig="threePt" dir="t"/>
-    </dgm:scene3d>
-    <dgm:sp3d/>
-    <dgm:txPr/>
-    <dgm:style>
-      <a:lnRef idx="2">
-        <a:scrgbClr r="0" g="0" b="0"/>
-      </a:lnRef>
-      <a:fillRef idx="1">
-        <a:scrgbClr r="0" g="0" b="0"/>
-      </a:fillRef>
-      <a:effectRef idx="0">
-        <a:scrgbClr r="0" g="0" b="0"/>
-      </a:effectRef>
-      <a:fontRef idx="minor"/>
-    </dgm:style>
-  </dgm:styleLbl>
-  <dgm:styleLbl name="fgAcc4">
-    <dgm:scene3d>
-      <a:camera prst="orthographicFront"/>
-      <a:lightRig rig="threePt" dir="t"/>
-    </dgm:scene3d>
-    <dgm:sp3d/>
-    <dgm:txPr/>
-    <dgm:style>
-      <a:lnRef idx="2">
-        <a:scrgbClr r="0" g="0" b="0"/>
-      </a:lnRef>
-      <a:fillRef idx="1">
-        <a:scrgbClr r="0" g="0" b="0"/>
-      </a:fillRef>
-      <a:effectRef idx="0">
-        <a:scrgbClr r="0" g="0" b="0"/>
-      </a:effectRef>
-      <a:fontRef idx="minor"/>
-    </dgm:style>
-  </dgm:styleLbl>
-  <dgm:styleLbl name="bgShp">
-    <dgm:scene3d>
-      <a:camera prst="orthographicFront"/>
-      <a:lightRig rig="threePt" dir="t"/>
-    </dgm:scene3d>
-    <dgm:sp3d/>
-    <dgm:txPr/>
-    <dgm:style>
-      <a:lnRef idx="0">
-        <a:scrgbClr r="0" g="0" b="0"/>
-      </a:lnRef>
-      <a:fillRef idx="1">
-        <a:scrgbClr r="0" g="0" b="0"/>
-      </a:fillRef>
-      <a:effectRef idx="0">
-        <a:scrgbClr r="0" g="0" b="0"/>
-      </a:effectRef>
-      <a:fontRef idx="minor"/>
-    </dgm:style>
-  </dgm:styleLbl>
-  <dgm:styleLbl name="dkBgShp">
-    <dgm:scene3d>
-      <a:camera prst="orthographicFront"/>
-      <a:lightRig rig="threePt" dir="t"/>
-    </dgm:scene3d>
-    <dgm:sp3d/>
-    <dgm:txPr/>
-    <dgm:style>
-      <a:lnRef idx="0">
-        <a:scrgbClr r="0" g="0" b="0"/>
-      </a:lnRef>
-      <a:fillRef idx="1">
-        <a:scrgbClr r="0" g="0" b="0"/>
-      </a:fillRef>
-      <a:effectRef idx="0">
-        <a:scrgbClr r="0" g="0" b="0"/>
-      </a:effectRef>
-      <a:fontRef idx="minor"/>
-    </dgm:style>
-  </dgm:styleLbl>
-  <dgm:styleLbl name="trBgShp">
-    <dgm:scene3d>
-      <a:camera prst="orthographicFront"/>
-      <a:lightRig rig="threePt" dir="t"/>
-    </dgm:scene3d>
-    <dgm:sp3d/>
-    <dgm:txPr/>
-    <dgm:style>
-      <a:lnRef idx="0">
-        <a:scrgbClr r="0" g="0" b="0"/>
-      </a:lnRef>
-      <a:fillRef idx="1">
-        <a:scrgbClr r="0" g="0" b="0"/>
-      </a:fillRef>
-      <a:effectRef idx="0">
-        <a:scrgbClr r="0" g="0" b="0"/>
-      </a:effectRef>
-      <a:fontRef idx="minor"/>
-    </dgm:style>
-  </dgm:styleLbl>
-  <dgm:styleLbl name="fgShp">
-    <dgm:scene3d>
-      <a:camera prst="orthographicFront"/>
-      <a:lightRig rig="threePt" dir="t"/>
-    </dgm:scene3d>
-    <dgm:sp3d/>
-    <dgm:txPr/>
-    <dgm:style>
-      <a:lnRef idx="2">
-        <a:scrgbClr r="0" g="0" b="0"/>
-      </a:lnRef>
-      <a:fillRef idx="1">
-        <a:scrgbClr r="0" g="0" b="0"/>
-      </a:fillRef>
-      <a:effectRef idx="0">
-        <a:scrgbClr r="0" g="0" b="0"/>
-      </a:effectRef>
-      <a:fontRef idx="minor"/>
-    </dgm:style>
-  </dgm:styleLbl>
-  <dgm:styleLbl name="revTx">
-    <dgm:scene3d>
-      <a:camera prst="orthographicFront"/>
-      <a:lightRig rig="threePt" dir="t"/>
-    </dgm:scene3d>
-    <dgm:sp3d/>
-    <dgm:txPr/>
-    <dgm:style>
-      <a:lnRef idx="0">
-        <a:scrgbClr r="0" g="0" b="0"/>
-      </a:lnRef>
-      <a:fillRef idx="0">
-        <a:scrgbClr r="0" g="0" b="0"/>
-      </a:fillRef>
-      <a:effectRef idx="0">
-        <a:scrgbClr r="0" g="0" b="0"/>
-      </a:effectRef>
-      <a:fontRef idx="minor"/>
-    </dgm:style>
-  </dgm:styleLbl>
-</dgm:styleDef>
-</file>
-
-<file path=ppt/diagrams/quickStyle3.xml><?xml version="1.0" encoding="utf-8"?>
 <dgm:styleDef xmlns:dgm="http://schemas.openxmlformats.org/drawingml/2006/diagram" xmlns:a="http://schemas.openxmlformats.org/drawingml/2006/main" uniqueId="urn:microsoft.com/office/officeart/2005/8/quickstyle/simple1">
   <dgm:title val=""/>
   <dgm:desc val=""/>
@@ -9547,7 +7019,7 @@
           <a:p>
             <a:fld id="{D762E32F-5F27-499B-9DCA-6C60135BCA69}" type="datetimeFigureOut">
               <a:rPr lang="en-US" smtClean="0"/>
-              <a:t>6/11/2020</a:t>
+              <a:t>6/12/2020</a:t>
             </a:fld>
             <a:endParaRPr lang="en-US"/>
           </a:p>
@@ -9745,7 +7217,7 @@
           <a:p>
             <a:fld id="{D762E32F-5F27-499B-9DCA-6C60135BCA69}" type="datetimeFigureOut">
               <a:rPr lang="en-US" smtClean="0"/>
-              <a:t>6/11/2020</a:t>
+              <a:t>6/12/2020</a:t>
             </a:fld>
             <a:endParaRPr lang="en-US"/>
           </a:p>
@@ -9953,7 +7425,7 @@
           <a:p>
             <a:fld id="{D762E32F-5F27-499B-9DCA-6C60135BCA69}" type="datetimeFigureOut">
               <a:rPr lang="en-US" smtClean="0"/>
-              <a:t>6/11/2020</a:t>
+              <a:t>6/12/2020</a:t>
             </a:fld>
             <a:endParaRPr lang="en-US"/>
           </a:p>
@@ -10182,7 +7654,7 @@
           <a:p>
             <a:fld id="{02AC24A9-CCB6-4F8D-B8DB-C2F3692CFA5A}" type="datetimeFigureOut">
               <a:rPr lang="en-US" smtClean="0"/>
-              <a:t>6/11/2020</a:t>
+              <a:t>6/12/2020</a:t>
             </a:fld>
             <a:endParaRPr lang="en-US" dirty="0"/>
           </a:p>
@@ -10823,7 +8295,7 @@
           <a:p>
             <a:fld id="{02AC24A9-CCB6-4F8D-B8DB-C2F3692CFA5A}" type="datetimeFigureOut">
               <a:rPr lang="en-US" smtClean="0"/>
-              <a:t>6/11/2020</a:t>
+              <a:t>6/12/2020</a:t>
             </a:fld>
             <a:endParaRPr lang="en-US"/>
           </a:p>
@@ -11277,7 +8749,7 @@
           <a:p>
             <a:fld id="{02AC24A9-CCB6-4F8D-B8DB-C2F3692CFA5A}" type="datetimeFigureOut">
               <a:rPr lang="en-US" smtClean="0"/>
-              <a:t>6/11/2020</a:t>
+              <a:t>6/12/2020</a:t>
             </a:fld>
             <a:endParaRPr lang="en-US"/>
           </a:p>
@@ -11809,7 +9281,7 @@
           <a:p>
             <a:fld id="{02AC24A9-CCB6-4F8D-B8DB-C2F3692CFA5A}" type="datetimeFigureOut">
               <a:rPr lang="en-US" smtClean="0"/>
-              <a:t>6/11/2020</a:t>
+              <a:t>6/12/2020</a:t>
             </a:fld>
             <a:endParaRPr lang="en-US"/>
           </a:p>
@@ -12508,7 +9980,7 @@
           <a:p>
             <a:fld id="{02AC24A9-CCB6-4F8D-B8DB-C2F3692CFA5A}" type="datetimeFigureOut">
               <a:rPr lang="en-US" smtClean="0"/>
-              <a:t>6/11/2020</a:t>
+              <a:t>6/12/2020</a:t>
             </a:fld>
             <a:endParaRPr lang="en-US"/>
           </a:p>
@@ -12837,7 +10309,7 @@
           <a:p>
             <a:fld id="{02AC24A9-CCB6-4F8D-B8DB-C2F3692CFA5A}" type="datetimeFigureOut">
               <a:rPr lang="en-US" smtClean="0"/>
-              <a:t>6/11/2020</a:t>
+              <a:t>6/12/2020</a:t>
             </a:fld>
             <a:endParaRPr lang="en-US"/>
           </a:p>
@@ -12950,7 +10422,7 @@
           <a:p>
             <a:fld id="{02AC24A9-CCB6-4F8D-B8DB-C2F3692CFA5A}" type="datetimeFigureOut">
               <a:rPr lang="en-US" smtClean="0"/>
-              <a:t>6/11/2020</a:t>
+              <a:t>6/12/2020</a:t>
             </a:fld>
             <a:endParaRPr lang="en-US"/>
           </a:p>
@@ -13445,7 +10917,7 @@
           <a:p>
             <a:fld id="{02AC24A9-CCB6-4F8D-B8DB-C2F3692CFA5A}" type="datetimeFigureOut">
               <a:rPr lang="en-US" smtClean="0"/>
-              <a:t>6/11/2020</a:t>
+              <a:t>6/12/2020</a:t>
             </a:fld>
             <a:endParaRPr lang="en-US" dirty="0"/>
           </a:p>
@@ -13643,7 +11115,7 @@
           <a:p>
             <a:fld id="{D762E32F-5F27-499B-9DCA-6C60135BCA69}" type="datetimeFigureOut">
               <a:rPr lang="en-US" smtClean="0"/>
-              <a:t>6/11/2020</a:t>
+              <a:t>6/12/2020</a:t>
             </a:fld>
             <a:endParaRPr lang="en-US"/>
           </a:p>
@@ -14120,7 +11592,7 @@
           <a:p>
             <a:fld id="{02AC24A9-CCB6-4F8D-B8DB-C2F3692CFA5A}" type="datetimeFigureOut">
               <a:rPr lang="en-US" smtClean="0"/>
-              <a:t>6/11/2020</a:t>
+              <a:t>6/12/2020</a:t>
             </a:fld>
             <a:endParaRPr lang="en-US"/>
           </a:p>
@@ -14319,7 +11791,7 @@
           <a:p>
             <a:fld id="{02AC24A9-CCB6-4F8D-B8DB-C2F3692CFA5A}" type="datetimeFigureOut">
               <a:rPr lang="en-US" smtClean="0"/>
-              <a:t>6/11/2020</a:t>
+              <a:t>6/12/2020</a:t>
             </a:fld>
             <a:endParaRPr lang="en-US"/>
           </a:p>
@@ -14528,7 +12000,7 @@
           <a:p>
             <a:fld id="{02AC24A9-CCB6-4F8D-B8DB-C2F3692CFA5A}" type="datetimeFigureOut">
               <a:rPr lang="en-US" smtClean="0"/>
-              <a:t>6/11/2020</a:t>
+              <a:t>6/12/2020</a:t>
             </a:fld>
             <a:endParaRPr lang="en-US"/>
           </a:p>
@@ -14803,7 +12275,7 @@
           <a:p>
             <a:fld id="{D762E32F-5F27-499B-9DCA-6C60135BCA69}" type="datetimeFigureOut">
               <a:rPr lang="en-US" smtClean="0"/>
-              <a:t>6/11/2020</a:t>
+              <a:t>6/12/2020</a:t>
             </a:fld>
             <a:endParaRPr lang="en-US"/>
           </a:p>
@@ -15068,7 +12540,7 @@
           <a:p>
             <a:fld id="{D762E32F-5F27-499B-9DCA-6C60135BCA69}" type="datetimeFigureOut">
               <a:rPr lang="en-US" smtClean="0"/>
-              <a:t>6/11/2020</a:t>
+              <a:t>6/12/2020</a:t>
             </a:fld>
             <a:endParaRPr lang="en-US"/>
           </a:p>
@@ -15480,7 +12952,7 @@
           <a:p>
             <a:fld id="{D762E32F-5F27-499B-9DCA-6C60135BCA69}" type="datetimeFigureOut">
               <a:rPr lang="en-US" smtClean="0"/>
-              <a:t>6/11/2020</a:t>
+              <a:t>6/12/2020</a:t>
             </a:fld>
             <a:endParaRPr lang="en-US"/>
           </a:p>
@@ -15621,7 +13093,7 @@
           <a:p>
             <a:fld id="{D762E32F-5F27-499B-9DCA-6C60135BCA69}" type="datetimeFigureOut">
               <a:rPr lang="en-US" smtClean="0"/>
-              <a:t>6/11/2020</a:t>
+              <a:t>6/12/2020</a:t>
             </a:fld>
             <a:endParaRPr lang="en-US"/>
           </a:p>
@@ -15734,7 +13206,7 @@
           <a:p>
             <a:fld id="{D762E32F-5F27-499B-9DCA-6C60135BCA69}" type="datetimeFigureOut">
               <a:rPr lang="en-US" smtClean="0"/>
-              <a:t>6/11/2020</a:t>
+              <a:t>6/12/2020</a:t>
             </a:fld>
             <a:endParaRPr lang="en-US"/>
           </a:p>
@@ -16045,7 +13517,7 @@
           <a:p>
             <a:fld id="{D762E32F-5F27-499B-9DCA-6C60135BCA69}" type="datetimeFigureOut">
               <a:rPr lang="en-US" smtClean="0"/>
-              <a:t>6/11/2020</a:t>
+              <a:t>6/12/2020</a:t>
             </a:fld>
             <a:endParaRPr lang="en-US"/>
           </a:p>
@@ -16333,7 +13805,7 @@
           <a:p>
             <a:fld id="{D762E32F-5F27-499B-9DCA-6C60135BCA69}" type="datetimeFigureOut">
               <a:rPr lang="en-US" smtClean="0"/>
-              <a:t>6/11/2020</a:t>
+              <a:t>6/12/2020</a:t>
             </a:fld>
             <a:endParaRPr lang="en-US"/>
           </a:p>
@@ -16574,7 +14046,7 @@
           <a:p>
             <a:fld id="{D762E32F-5F27-499B-9DCA-6C60135BCA69}" type="datetimeFigureOut">
               <a:rPr lang="en-US" smtClean="0"/>
-              <a:t>6/11/2020</a:t>
+              <a:t>6/12/2020</a:t>
             </a:fld>
             <a:endParaRPr lang="en-US"/>
           </a:p>
@@ -17144,7 +14616,7 @@
           <a:p>
             <a:fld id="{02AC24A9-CCB6-4F8D-B8DB-C2F3692CFA5A}" type="datetimeFigureOut">
               <a:rPr lang="en-US" smtClean="0"/>
-              <a:t>6/11/2020</a:t>
+              <a:t>6/12/2020</a:t>
             </a:fld>
             <a:endParaRPr lang="en-US"/>
           </a:p>
@@ -19573,44 +17045,179 @@
               <a:rPr lang="en-CA" smtClean="0"/>
               <a:t>5</a:t>
             </a:fld>
-            <a:endParaRPr lang="en-CA"/>
+            <a:endParaRPr lang="en-CA" dirty="0"/>
           </a:p>
         </p:txBody>
       </p:sp>
-      <p:graphicFrame>
-        <p:nvGraphicFramePr>
-          <p:cNvPr id="5" name="Diagram 4">
-            <a:extLst>
-              <a:ext uri="{FF2B5EF4-FFF2-40B4-BE49-F238E27FC236}">
-                <a16:creationId xmlns:a16="http://schemas.microsoft.com/office/drawing/2014/main" id="{B6BCC572-A888-4ECB-985C-B9F8E4678CF8}"/>
-              </a:ext>
-            </a:extLst>
-          </p:cNvPr>
-          <p:cNvGraphicFramePr/>
-          <p:nvPr>
-            <p:extLst>
-              <p:ext uri="{D42A27DB-BD31-4B8C-83A1-F6EECF244321}">
-                <p14:modId xmlns:p14="http://schemas.microsoft.com/office/powerpoint/2010/main" val="2504186184"/>
-              </p:ext>
-            </p:extLst>
-          </p:nvPr>
-        </p:nvGraphicFramePr>
-        <p:xfrm>
-          <a:off x="573742" y="1792942"/>
-          <a:ext cx="11134164" cy="4365812"/>
-        </p:xfrm>
-        <a:graphic>
-          <a:graphicData uri="http://schemas.openxmlformats.org/drawingml/2006/diagram">
-            <dgm:relIds xmlns:dgm="http://schemas.openxmlformats.org/drawingml/2006/diagram" xmlns:r="http://schemas.openxmlformats.org/officeDocument/2006/relationships" r:dm="rId2" r:lo="rId3" r:qs="rId4" r:cs="rId5"/>
-          </a:graphicData>
-        </a:graphic>
-      </p:graphicFrame>
       <p:sp>
         <p:nvSpPr>
-          <p:cNvPr id="6" name="TextBox 5">
-            <a:extLst>
-              <a:ext uri="{FF2B5EF4-FFF2-40B4-BE49-F238E27FC236}">
-                <a16:creationId xmlns:a16="http://schemas.microsoft.com/office/drawing/2014/main" id="{9C4EB01D-79FE-446F-A151-E92E05442DDA}"/>
+          <p:cNvPr id="7" name="Rectangle 6">
+            <a:extLst>
+              <a:ext uri="{FF2B5EF4-FFF2-40B4-BE49-F238E27FC236}">
+                <a16:creationId xmlns:a16="http://schemas.microsoft.com/office/drawing/2014/main" id="{074D0CF5-8594-4456-86AD-7594A5C9DE36}"/>
+              </a:ext>
+            </a:extLst>
+          </p:cNvPr>
+          <p:cNvSpPr/>
+          <p:nvPr/>
+        </p:nvSpPr>
+        <p:spPr>
+          <a:xfrm>
+            <a:off x="550510" y="4775486"/>
+            <a:ext cx="2657739" cy="1308074"/>
+          </a:xfrm>
+          <a:prstGeom prst="rect">
+            <a:avLst/>
+          </a:prstGeom>
+          <a:solidFill>
+            <a:schemeClr val="accent5">
+              <a:lumMod val="20000"/>
+              <a:lumOff val="80000"/>
+            </a:schemeClr>
+          </a:solidFill>
+          <a:ln>
+            <a:solidFill>
+              <a:schemeClr val="accent5">
+                <a:lumMod val="50000"/>
+              </a:schemeClr>
+            </a:solidFill>
+          </a:ln>
+        </p:spPr>
+        <p:style>
+          <a:lnRef idx="2">
+            <a:schemeClr val="accent1">
+              <a:shade val="50000"/>
+            </a:schemeClr>
+          </a:lnRef>
+          <a:fillRef idx="1">
+            <a:schemeClr val="accent1"/>
+          </a:fillRef>
+          <a:effectRef idx="0">
+            <a:schemeClr val="accent1"/>
+          </a:effectRef>
+          <a:fontRef idx="minor">
+            <a:schemeClr val="lt1"/>
+          </a:fontRef>
+        </p:style>
+        <p:txBody>
+          <a:bodyPr rtlCol="0" anchor="ctr"/>
+          <a:lstStyle/>
+          <a:p>
+            <a:pPr algn="ctr"/>
+            <a:endParaRPr lang="en-US"/>
+          </a:p>
+        </p:txBody>
+      </p:sp>
+      <p:sp>
+        <p:nvSpPr>
+          <p:cNvPr id="8" name="Rectangle 7">
+            <a:extLst>
+              <a:ext uri="{FF2B5EF4-FFF2-40B4-BE49-F238E27FC236}">
+                <a16:creationId xmlns:a16="http://schemas.microsoft.com/office/drawing/2014/main" id="{B028E513-0206-48D7-AB73-5A6EDA914BA1}"/>
+              </a:ext>
+            </a:extLst>
+          </p:cNvPr>
+          <p:cNvSpPr/>
+          <p:nvPr/>
+        </p:nvSpPr>
+        <p:spPr>
+          <a:xfrm>
+            <a:off x="3389813" y="4775486"/>
+            <a:ext cx="2696708" cy="1308074"/>
+          </a:xfrm>
+          <a:prstGeom prst="rect">
+            <a:avLst/>
+          </a:prstGeom>
+          <a:solidFill>
+            <a:schemeClr val="tx2">
+              <a:lumMod val="20000"/>
+              <a:lumOff val="80000"/>
+            </a:schemeClr>
+          </a:solidFill>
+        </p:spPr>
+        <p:style>
+          <a:lnRef idx="2">
+            <a:schemeClr val="accent1">
+              <a:shade val="50000"/>
+            </a:schemeClr>
+          </a:lnRef>
+          <a:fillRef idx="1">
+            <a:schemeClr val="accent1"/>
+          </a:fillRef>
+          <a:effectRef idx="0">
+            <a:schemeClr val="accent1"/>
+          </a:effectRef>
+          <a:fontRef idx="minor">
+            <a:schemeClr val="lt1"/>
+          </a:fontRef>
+        </p:style>
+        <p:txBody>
+          <a:bodyPr rtlCol="0" anchor="ctr"/>
+          <a:lstStyle/>
+          <a:p>
+            <a:pPr algn="ctr"/>
+            <a:endParaRPr lang="en-US"/>
+          </a:p>
+        </p:txBody>
+      </p:sp>
+      <p:sp>
+        <p:nvSpPr>
+          <p:cNvPr id="9" name="Rectangle 8">
+            <a:extLst>
+              <a:ext uri="{FF2B5EF4-FFF2-40B4-BE49-F238E27FC236}">
+                <a16:creationId xmlns:a16="http://schemas.microsoft.com/office/drawing/2014/main" id="{2D54BA3A-96AC-4E4D-AADB-367B704154E5}"/>
+              </a:ext>
+            </a:extLst>
+          </p:cNvPr>
+          <p:cNvSpPr/>
+          <p:nvPr/>
+        </p:nvSpPr>
+        <p:spPr>
+          <a:xfrm>
+            <a:off x="9083818" y="4763996"/>
+            <a:ext cx="2651760" cy="1308074"/>
+          </a:xfrm>
+          <a:prstGeom prst="rect">
+            <a:avLst/>
+          </a:prstGeom>
+          <a:solidFill>
+            <a:schemeClr val="accent2">
+              <a:lumMod val="20000"/>
+              <a:lumOff val="80000"/>
+            </a:schemeClr>
+          </a:solidFill>
+        </p:spPr>
+        <p:style>
+          <a:lnRef idx="2">
+            <a:schemeClr val="accent1">
+              <a:shade val="50000"/>
+            </a:schemeClr>
+          </a:lnRef>
+          <a:fillRef idx="1">
+            <a:schemeClr val="accent1"/>
+          </a:fillRef>
+          <a:effectRef idx="0">
+            <a:schemeClr val="accent1"/>
+          </a:effectRef>
+          <a:fontRef idx="minor">
+            <a:schemeClr val="lt1"/>
+          </a:fontRef>
+        </p:style>
+        <p:txBody>
+          <a:bodyPr rtlCol="0" anchor="ctr"/>
+          <a:lstStyle/>
+          <a:p>
+            <a:pPr algn="ctr"/>
+            <a:endParaRPr lang="en-US"/>
+          </a:p>
+        </p:txBody>
+      </p:sp>
+      <p:sp>
+        <p:nvSpPr>
+          <p:cNvPr id="10" name="TextBox 9">
+            <a:extLst>
+              <a:ext uri="{FF2B5EF4-FFF2-40B4-BE49-F238E27FC236}">
+                <a16:creationId xmlns:a16="http://schemas.microsoft.com/office/drawing/2014/main" id="{28B9DFE9-6D95-43D0-8851-6D774E275BB2}"/>
               </a:ext>
             </a:extLst>
           </p:cNvPr>
@@ -19619,21 +17226,41 @@
         </p:nvSpPr>
         <p:spPr>
           <a:xfrm>
-            <a:off x="1115568" y="3231242"/>
-            <a:ext cx="9592235" cy="2095958"/>
+            <a:off x="3445169" y="4859464"/>
+            <a:ext cx="2445787" cy="2289375"/>
           </a:xfrm>
           <a:prstGeom prst="rect">
             <a:avLst/>
           </a:prstGeom>
-          <a:noFill/>
         </p:spPr>
+        <p:style>
+          <a:lnRef idx="0">
+            <a:scrgbClr r="0" g="0" b="0"/>
+          </a:lnRef>
+          <a:fillRef idx="0">
+            <a:scrgbClr r="0" g="0" b="0"/>
+          </a:fillRef>
+          <a:effectRef idx="0">
+            <a:scrgbClr r="0" g="0" b="0"/>
+          </a:effectRef>
+          <a:fontRef idx="minor">
+            <a:schemeClr val="tx1">
+              <a:hueOff val="0"/>
+              <a:satOff val="0"/>
+              <a:lumOff val="0"/>
+              <a:alphaOff val="0"/>
+            </a:schemeClr>
+          </a:fontRef>
+        </p:style>
         <p:txBody>
-          <a:bodyPr wrap="square">
-            <a:spAutoFit/>
+          <a:bodyPr spcFirstLastPara="0" vert="horz" wrap="square" lIns="0" tIns="0" rIns="0" bIns="0" numCol="1" spcCol="1270" anchor="t" anchorCtr="0">
+            <a:noAutofit/>
           </a:bodyPr>
-          <a:lstStyle/>
-          <a:p>
-            <a:pPr marL="171450" lvl="0" indent="-171450" algn="l" defTabSz="711200">
+          <a:lstStyle>
+            <a:defPPr>
+              <a:defRPr lang="en-US"/>
+            </a:defPPr>
+            <a:lvl2pPr marL="171450" lvl="1" indent="-171450" defTabSz="711200">
               <a:lnSpc>
                 <a:spcPct val="90000"/>
               </a:lnSpc>
@@ -19643,28 +17270,70 @@
               <a:spcAft>
                 <a:spcPct val="15000"/>
               </a:spcAft>
-              <a:buFont typeface="Courier New" panose="02070309020205020404" pitchFamily="49" charset="0"/>
-              <a:buChar char="o"/>
+              <a:buFont typeface="Arial" panose="020B0604020202020204" pitchFamily="34" charset="0"/>
+              <a:buChar char="•"/>
+              <a:defRPr sz="1200"/>
+            </a:lvl2pPr>
+          </a:lstStyle>
+          <a:p>
+            <a:pPr marL="0" lvl="1" indent="0">
+              <a:buNone/>
             </a:pPr>
             <a:r>
-              <a:rPr lang="en-US" sz="1400" b="0" i="0" kern="1200" dirty="0">
-                <a:solidFill>
-                  <a:prstClr val="black">
-                    <a:hueOff val="0"/>
-                    <a:satOff val="0"/>
-                    <a:lumOff val="0"/>
-                    <a:alphaOff val="0"/>
-                  </a:prstClr>
-                </a:solidFill>
-                <a:latin typeface="Avenir Next LT Pro"/>
-                <a:ea typeface="+mn-ea"/>
-                <a:cs typeface="+mn-cs"/>
-              </a:rPr>
-              <a:t>How do countries/regions rank by share of internet users across the world?</a:t>
+              <a:rPr lang="en-US" dirty="0"/>
+              <a:t>This criteria measures the level of restrictions to internet accessibility as well as freedom of speech and privacy laws in the online world. </a:t>
             </a:r>
-          </a:p>
-          <a:p>
-            <a:pPr marL="171450" lvl="0" indent="-171450" algn="l" defTabSz="711200">
+            <a:endParaRPr lang="en-CA" dirty="0"/>
+          </a:p>
+        </p:txBody>
+      </p:sp>
+      <p:sp>
+        <p:nvSpPr>
+          <p:cNvPr id="11" name="TextBox 10">
+            <a:extLst>
+              <a:ext uri="{FF2B5EF4-FFF2-40B4-BE49-F238E27FC236}">
+                <a16:creationId xmlns:a16="http://schemas.microsoft.com/office/drawing/2014/main" id="{594701B8-869A-42DD-AC04-D42FF0213CF4}"/>
+              </a:ext>
+            </a:extLst>
+          </p:cNvPr>
+          <p:cNvSpPr txBox="1"/>
+          <p:nvPr/>
+        </p:nvSpPr>
+        <p:spPr>
+          <a:xfrm>
+            <a:off x="635711" y="4859465"/>
+            <a:ext cx="2445787" cy="1496886"/>
+          </a:xfrm>
+          <a:prstGeom prst="rect">
+            <a:avLst/>
+          </a:prstGeom>
+        </p:spPr>
+        <p:style>
+          <a:lnRef idx="0">
+            <a:scrgbClr r="0" g="0" b="0"/>
+          </a:lnRef>
+          <a:fillRef idx="0">
+            <a:scrgbClr r="0" g="0" b="0"/>
+          </a:fillRef>
+          <a:effectRef idx="0">
+            <a:scrgbClr r="0" g="0" b="0"/>
+          </a:effectRef>
+          <a:fontRef idx="minor">
+            <a:schemeClr val="tx1">
+              <a:hueOff val="0"/>
+              <a:satOff val="0"/>
+              <a:lumOff val="0"/>
+              <a:alphaOff val="0"/>
+            </a:schemeClr>
+          </a:fontRef>
+        </p:style>
+        <p:txBody>
+          <a:bodyPr spcFirstLastPara="0" vert="horz" wrap="square" lIns="0" tIns="0" rIns="0" bIns="0" numCol="1" spcCol="1270" anchor="t" anchorCtr="0">
+            <a:noAutofit/>
+          </a:bodyPr>
+          <a:lstStyle/>
+          <a:p>
+            <a:pPr marL="0" lvl="1" algn="ctr" defTabSz="711200">
               <a:lnSpc>
                 <a:spcPct val="90000"/>
               </a:lnSpc>
@@ -19674,25 +17343,64 @@
               <a:spcAft>
                 <a:spcPct val="15000"/>
               </a:spcAft>
-              <a:buFont typeface="Courier New" panose="02070309020205020404" pitchFamily="49" charset="0"/>
-              <a:buChar char="o"/>
             </a:pPr>
-            <a:endParaRPr lang="en-CA" sz="1400" b="0" i="0" kern="1200" dirty="0">
-              <a:solidFill>
-                <a:prstClr val="black">
-                  <a:hueOff val="0"/>
-                  <a:satOff val="0"/>
-                  <a:lumOff val="0"/>
-                  <a:alphaOff val="0"/>
-                </a:prstClr>
-              </a:solidFill>
-              <a:latin typeface="Avenir Next LT Pro"/>
-              <a:ea typeface="+mn-ea"/>
-              <a:cs typeface="+mn-cs"/>
-            </a:endParaRPr>
-          </a:p>
-          <a:p>
-            <a:pPr marL="171450" lvl="0" indent="-171450" algn="l" defTabSz="711200">
+            <a:r>
+              <a:rPr lang="en-US" sz="1200" dirty="0"/>
+              <a:t>This criteria measures the level of communications infrastructure available in each country as well as the level of affordability and education and awareness of such facilities. </a:t>
+            </a:r>
+            <a:endParaRPr lang="en-CA" sz="1200" kern="1200" dirty="0"/>
+          </a:p>
+        </p:txBody>
+      </p:sp>
+      <p:sp>
+        <p:nvSpPr>
+          <p:cNvPr id="13" name="TextBox 12">
+            <a:extLst>
+              <a:ext uri="{FF2B5EF4-FFF2-40B4-BE49-F238E27FC236}">
+                <a16:creationId xmlns:a16="http://schemas.microsoft.com/office/drawing/2014/main" id="{E58895E2-31B3-47C0-BE31-E3700B963F7B}"/>
+              </a:ext>
+            </a:extLst>
+          </p:cNvPr>
+          <p:cNvSpPr txBox="1"/>
+          <p:nvPr/>
+        </p:nvSpPr>
+        <p:spPr>
+          <a:xfrm>
+            <a:off x="9209674" y="4859464"/>
+            <a:ext cx="2413760" cy="1613945"/>
+          </a:xfrm>
+          <a:prstGeom prst="rect">
+            <a:avLst/>
+          </a:prstGeom>
+        </p:spPr>
+        <p:style>
+          <a:lnRef idx="0">
+            <a:scrgbClr r="0" g="0" b="0"/>
+          </a:lnRef>
+          <a:fillRef idx="0">
+            <a:scrgbClr r="0" g="0" b="0"/>
+          </a:fillRef>
+          <a:effectRef idx="0">
+            <a:scrgbClr r="0" g="0" b="0"/>
+          </a:effectRef>
+          <a:fontRef idx="minor">
+            <a:schemeClr val="tx1">
+              <a:hueOff val="0"/>
+              <a:satOff val="0"/>
+              <a:lumOff val="0"/>
+              <a:alphaOff val="0"/>
+            </a:schemeClr>
+          </a:fontRef>
+        </p:style>
+        <p:txBody>
+          <a:bodyPr spcFirstLastPara="0" vert="horz" wrap="square" lIns="0" tIns="0" rIns="0" bIns="0" numCol="1" spcCol="1270" anchor="t" anchorCtr="0">
+            <a:noAutofit/>
+          </a:bodyPr>
+          <a:lstStyle>
+            <a:defPPr>
+              <a:defRPr lang="en-US"/>
+            </a:defPPr>
+            <a:lvl2pPr marL="171450" lvl="1" indent="-171450" defTabSz="711200">
               <a:lnSpc>
                 <a:spcPct val="90000"/>
               </a:lnSpc>
@@ -19702,28 +17410,130 @@
               <a:spcAft>
                 <a:spcPct val="15000"/>
               </a:spcAft>
-              <a:buFont typeface="Courier New" panose="02070309020205020404" pitchFamily="49" charset="0"/>
-              <a:buChar char="o"/>
+              <a:buFont typeface="Arial" panose="020B0604020202020204" pitchFamily="34" charset="0"/>
+              <a:buChar char="•"/>
+              <a:defRPr sz="1200"/>
+            </a:lvl2pPr>
+          </a:lstStyle>
+          <a:p>
+            <a:pPr marL="0" lvl="1" indent="0" algn="ctr">
+              <a:buNone/>
             </a:pPr>
             <a:r>
-              <a:rPr lang="en-US" sz="1400" b="0" i="0" kern="1200" dirty="0">
-                <a:solidFill>
-                  <a:prstClr val="black">
-                    <a:hueOff val="0"/>
-                    <a:satOff val="0"/>
-                    <a:lumOff val="0"/>
-                    <a:alphaOff val="0"/>
-                  </a:prstClr>
-                </a:solidFill>
-                <a:latin typeface="Avenir Next LT Pro"/>
-                <a:ea typeface="+mn-ea"/>
-                <a:cs typeface="+mn-cs"/>
-              </a:rPr>
-              <a:t>How do countries/regions rank by level Internet penetration/coverage within each country?</a:t>
+              <a:rPr lang="en-US" dirty="0"/>
+              <a:t>This criteria measures the economic, political, social and environmental impact of internet use in each country particularly in improving healthcare, education and economic opportunities</a:t>
             </a:r>
           </a:p>
-          <a:p>
-            <a:pPr marL="171450" lvl="0" indent="-171450" algn="l" defTabSz="711200">
+        </p:txBody>
+      </p:sp>
+      <p:sp>
+        <p:nvSpPr>
+          <p:cNvPr id="14" name="Rectangle 13">
+            <a:extLst>
+              <a:ext uri="{FF2B5EF4-FFF2-40B4-BE49-F238E27FC236}">
+                <a16:creationId xmlns:a16="http://schemas.microsoft.com/office/drawing/2014/main" id="{7BA677E5-CF24-47D3-8DC9-629DB3B2B7E6}"/>
+              </a:ext>
+            </a:extLst>
+          </p:cNvPr>
+          <p:cNvSpPr/>
+          <p:nvPr/>
+        </p:nvSpPr>
+        <p:spPr>
+          <a:xfrm>
+            <a:off x="6245446" y="4775486"/>
+            <a:ext cx="2696708" cy="1308074"/>
+          </a:xfrm>
+          <a:prstGeom prst="rect">
+            <a:avLst/>
+          </a:prstGeom>
+          <a:solidFill>
+            <a:schemeClr val="accent6">
+              <a:lumMod val="40000"/>
+              <a:lumOff val="60000"/>
+            </a:schemeClr>
+          </a:solidFill>
+          <a:ln>
+            <a:solidFill>
+              <a:schemeClr val="accent6">
+                <a:lumMod val="50000"/>
+              </a:schemeClr>
+            </a:solidFill>
+          </a:ln>
+        </p:spPr>
+        <p:style>
+          <a:lnRef idx="2">
+            <a:schemeClr val="accent1">
+              <a:shade val="50000"/>
+            </a:schemeClr>
+          </a:lnRef>
+          <a:fillRef idx="1">
+            <a:schemeClr val="accent1"/>
+          </a:fillRef>
+          <a:effectRef idx="0">
+            <a:schemeClr val="accent1"/>
+          </a:effectRef>
+          <a:fontRef idx="minor">
+            <a:schemeClr val="lt1"/>
+          </a:fontRef>
+        </p:style>
+        <p:txBody>
+          <a:bodyPr rtlCol="0" anchor="ctr"/>
+          <a:lstStyle/>
+          <a:p>
+            <a:pPr algn="ctr"/>
+            <a:endParaRPr lang="en-US"/>
+          </a:p>
+        </p:txBody>
+      </p:sp>
+      <p:sp>
+        <p:nvSpPr>
+          <p:cNvPr id="15" name="TextBox 14">
+            <a:extLst>
+              <a:ext uri="{FF2B5EF4-FFF2-40B4-BE49-F238E27FC236}">
+                <a16:creationId xmlns:a16="http://schemas.microsoft.com/office/drawing/2014/main" id="{F5C4BEDB-05EF-4ED4-B4A4-80D9266A977C}"/>
+              </a:ext>
+            </a:extLst>
+          </p:cNvPr>
+          <p:cNvSpPr txBox="1"/>
+          <p:nvPr/>
+        </p:nvSpPr>
+        <p:spPr>
+          <a:xfrm>
+            <a:off x="6286267" y="4859464"/>
+            <a:ext cx="2585215" cy="1613945"/>
+          </a:xfrm>
+          <a:prstGeom prst="rect">
+            <a:avLst/>
+          </a:prstGeom>
+        </p:spPr>
+        <p:style>
+          <a:lnRef idx="0">
+            <a:scrgbClr r="0" g="0" b="0"/>
+          </a:lnRef>
+          <a:fillRef idx="0">
+            <a:scrgbClr r="0" g="0" b="0"/>
+          </a:fillRef>
+          <a:effectRef idx="0">
+            <a:scrgbClr r="0" g="0" b="0"/>
+          </a:effectRef>
+          <a:fontRef idx="minor">
+            <a:schemeClr val="tx1">
+              <a:hueOff val="0"/>
+              <a:satOff val="0"/>
+              <a:lumOff val="0"/>
+              <a:alphaOff val="0"/>
+            </a:schemeClr>
+          </a:fontRef>
+        </p:style>
+        <p:txBody>
+          <a:bodyPr spcFirstLastPara="0" vert="horz" wrap="square" lIns="0" tIns="0" rIns="0" bIns="0" numCol="1" spcCol="1270" anchor="t" anchorCtr="0">
+            <a:noAutofit/>
+          </a:bodyPr>
+          <a:lstStyle>
+            <a:defPPr>
+              <a:defRPr lang="en-US"/>
+            </a:defPPr>
+            <a:lvl2pPr marL="171450" lvl="1" indent="-171450" defTabSz="711200">
               <a:lnSpc>
                 <a:spcPct val="90000"/>
               </a:lnSpc>
@@ -19733,174 +17543,522 @@
               <a:spcAft>
                 <a:spcPct val="15000"/>
               </a:spcAft>
-              <a:buFont typeface="Courier New" panose="02070309020205020404" pitchFamily="49" charset="0"/>
-              <a:buChar char="o"/>
-            </a:pPr>
-            <a:endParaRPr lang="en-US" sz="1400" b="0" i="0" kern="1200" dirty="0">
-              <a:solidFill>
-                <a:prstClr val="black">
-                  <a:hueOff val="0"/>
-                  <a:satOff val="0"/>
-                  <a:lumOff val="0"/>
-                  <a:alphaOff val="0"/>
-                </a:prstClr>
-              </a:solidFill>
-              <a:latin typeface="Avenir Next LT Pro"/>
-              <a:ea typeface="+mn-ea"/>
-              <a:cs typeface="+mn-cs"/>
-            </a:endParaRPr>
-          </a:p>
-          <a:p>
-            <a:pPr marL="171450" lvl="0" indent="-171450" algn="l" defTabSz="711200">
-              <a:lnSpc>
-                <a:spcPct val="90000"/>
-              </a:lnSpc>
-              <a:spcBef>
-                <a:spcPct val="0"/>
-              </a:spcBef>
-              <a:spcAft>
-                <a:spcPct val="15000"/>
-              </a:spcAft>
-              <a:buFont typeface="Courier New" panose="02070309020205020404" pitchFamily="49" charset="0"/>
-              <a:buChar char="o"/>
+              <a:buFont typeface="Arial" panose="020B0604020202020204" pitchFamily="34" charset="0"/>
+              <a:buChar char="•"/>
+              <a:defRPr sz="1200"/>
+            </a:lvl2pPr>
+          </a:lstStyle>
+          <a:p>
+            <a:pPr marL="0" lvl="1" indent="0" algn="ctr">
+              <a:buNone/>
             </a:pPr>
             <a:r>
-              <a:rPr lang="en-US" sz="1400" b="0" i="0" kern="1200" dirty="0">
-                <a:solidFill>
-                  <a:prstClr val="black">
-                    <a:hueOff val="0"/>
-                    <a:satOff val="0"/>
-                    <a:lumOff val="0"/>
-                    <a:alphaOff val="0"/>
-                  </a:prstClr>
-                </a:solidFill>
-                <a:latin typeface="Avenir Next LT Pro"/>
-                <a:ea typeface="+mn-ea"/>
-                <a:cs typeface="+mn-cs"/>
-              </a:rPr>
-              <a:t>How does cost vs. speed of internet vary by country? </a:t>
-            </a:r>
-          </a:p>
-          <a:p>
-            <a:pPr marL="171450" lvl="0" indent="-171450" algn="l" defTabSz="711200">
-              <a:lnSpc>
-                <a:spcPct val="90000"/>
-              </a:lnSpc>
-              <a:spcBef>
-                <a:spcPct val="0"/>
-              </a:spcBef>
-              <a:spcAft>
-                <a:spcPct val="15000"/>
-              </a:spcAft>
-              <a:buFont typeface="Courier New" panose="02070309020205020404" pitchFamily="49" charset="0"/>
-              <a:buChar char="o"/>
-            </a:pPr>
-            <a:endParaRPr lang="en-US" sz="1400" b="0" i="0" kern="1200" dirty="0">
-              <a:solidFill>
-                <a:prstClr val="black">
-                  <a:hueOff val="0"/>
-                  <a:satOff val="0"/>
-                  <a:lumOff val="0"/>
-                  <a:alphaOff val="0"/>
-                </a:prstClr>
-              </a:solidFill>
-              <a:latin typeface="Avenir Next LT Pro"/>
-              <a:ea typeface="+mn-ea"/>
-              <a:cs typeface="+mn-cs"/>
-            </a:endParaRPr>
-          </a:p>
-          <a:p>
-            <a:pPr marL="171450" lvl="0" indent="-171450" algn="l" defTabSz="711200">
-              <a:lnSpc>
-                <a:spcPct val="90000"/>
-              </a:lnSpc>
-              <a:spcBef>
-                <a:spcPct val="0"/>
-              </a:spcBef>
-              <a:spcAft>
-                <a:spcPct val="15000"/>
-              </a:spcAft>
-              <a:buFont typeface="Courier New" panose="02070309020205020404" pitchFamily="49" charset="0"/>
-              <a:buChar char="o"/>
-            </a:pPr>
-            <a:r>
-              <a:rPr lang="en-US" sz="1400" b="0" i="0" kern="1200" dirty="0">
-                <a:solidFill>
-                  <a:prstClr val="black">
-                    <a:hueOff val="0"/>
-                    <a:satOff val="0"/>
-                    <a:lumOff val="0"/>
-                    <a:alphaOff val="0"/>
-                  </a:prstClr>
-                </a:solidFill>
-                <a:latin typeface="Avenir Next LT Pro"/>
-                <a:ea typeface="+mn-ea"/>
-                <a:cs typeface="+mn-cs"/>
-              </a:rPr>
-              <a:t>Which countries are leading the way in terms of internet connectivity.</a:t>
-            </a:r>
-          </a:p>
-          <a:p>
-            <a:pPr marL="171450" lvl="0" indent="-171450" algn="l" defTabSz="711200">
-              <a:lnSpc>
-                <a:spcPct val="90000"/>
-              </a:lnSpc>
-              <a:spcBef>
-                <a:spcPct val="0"/>
-              </a:spcBef>
-              <a:spcAft>
-                <a:spcPct val="15000"/>
-              </a:spcAft>
-              <a:buFont typeface="Courier New" panose="02070309020205020404" pitchFamily="49" charset="0"/>
-              <a:buChar char="o"/>
-            </a:pPr>
-            <a:endParaRPr lang="en-US" sz="1400" b="0" i="0" kern="1200" dirty="0">
-              <a:solidFill>
-                <a:prstClr val="black">
-                  <a:hueOff val="0"/>
-                  <a:satOff val="0"/>
-                  <a:lumOff val="0"/>
-                  <a:alphaOff val="0"/>
-                </a:prstClr>
-              </a:solidFill>
-              <a:latin typeface="Avenir Next LT Pro"/>
-              <a:ea typeface="+mn-ea"/>
-              <a:cs typeface="+mn-cs"/>
-            </a:endParaRPr>
-          </a:p>
-          <a:p>
-            <a:pPr marL="171450" lvl="0" indent="-171450" algn="l" defTabSz="711200">
-              <a:lnSpc>
-                <a:spcPct val="90000"/>
-              </a:lnSpc>
-              <a:spcBef>
-                <a:spcPct val="0"/>
-              </a:spcBef>
-              <a:spcAft>
-                <a:spcPct val="15000"/>
-              </a:spcAft>
-              <a:buFont typeface="Courier New" panose="02070309020205020404" pitchFamily="49" charset="0"/>
-              <a:buChar char="o"/>
-            </a:pPr>
-            <a:r>
-              <a:rPr lang="en-US" sz="1400" b="0" i="0" kern="1200" dirty="0">
-                <a:solidFill>
-                  <a:prstClr val="black">
-                    <a:hueOff val="0"/>
-                    <a:satOff val="0"/>
-                    <a:lumOff val="0"/>
-                    <a:alphaOff val="0"/>
-                  </a:prstClr>
-                </a:solidFill>
-                <a:latin typeface="Avenir Next LT Pro"/>
-                <a:ea typeface="+mn-ea"/>
-                <a:cs typeface="+mn-cs"/>
-              </a:rPr>
-              <a:t>What is the impact of internet use on freedom, government, education and other aspects?</a:t>
+              <a:rPr lang="en-US" dirty="0"/>
+              <a:t>This criteria measures the level of information and government online facilities made for the people by the people in their own language to improve lives and living standards.</a:t>
             </a:r>
           </a:p>
         </p:txBody>
       </p:sp>
+      <p:sp>
+        <p:nvSpPr>
+          <p:cNvPr id="3" name="Oval 2">
+            <a:extLst>
+              <a:ext uri="{FF2B5EF4-FFF2-40B4-BE49-F238E27FC236}">
+                <a16:creationId xmlns:a16="http://schemas.microsoft.com/office/drawing/2014/main" id="{CE4E153C-7BAB-4C40-AC67-3FB99F34E969}"/>
+              </a:ext>
+            </a:extLst>
+          </p:cNvPr>
+          <p:cNvSpPr/>
+          <p:nvPr/>
+        </p:nvSpPr>
+        <p:spPr>
+          <a:xfrm>
+            <a:off x="899662" y="2369976"/>
+            <a:ext cx="1828800" cy="1828800"/>
+          </a:xfrm>
+          <a:prstGeom prst="ellipse">
+            <a:avLst/>
+          </a:prstGeom>
+          <a:solidFill>
+            <a:schemeClr val="bg1"/>
+          </a:solidFill>
+          <a:ln w="190500">
+            <a:solidFill>
+              <a:schemeClr val="accent5"/>
+            </a:solidFill>
+          </a:ln>
+        </p:spPr>
+        <p:style>
+          <a:lnRef idx="2">
+            <a:schemeClr val="accent1">
+              <a:shade val="50000"/>
+            </a:schemeClr>
+          </a:lnRef>
+          <a:fillRef idx="1">
+            <a:schemeClr val="accent1"/>
+          </a:fillRef>
+          <a:effectRef idx="0">
+            <a:schemeClr val="accent1"/>
+          </a:effectRef>
+          <a:fontRef idx="minor">
+            <a:schemeClr val="lt1"/>
+          </a:fontRef>
+        </p:style>
+        <p:txBody>
+          <a:bodyPr rtlCol="0" anchor="ctr"/>
+          <a:lstStyle/>
+          <a:p>
+            <a:pPr algn="ctr"/>
+            <a:endParaRPr lang="en-US"/>
+          </a:p>
+        </p:txBody>
+      </p:sp>
+      <p:sp>
+        <p:nvSpPr>
+          <p:cNvPr id="16" name="Oval 15">
+            <a:extLst>
+              <a:ext uri="{FF2B5EF4-FFF2-40B4-BE49-F238E27FC236}">
+                <a16:creationId xmlns:a16="http://schemas.microsoft.com/office/drawing/2014/main" id="{3049B310-CD36-411C-B160-A9E6F1DC6C60}"/>
+              </a:ext>
+            </a:extLst>
+          </p:cNvPr>
+          <p:cNvSpPr/>
+          <p:nvPr/>
+        </p:nvSpPr>
+        <p:spPr>
+          <a:xfrm>
+            <a:off x="3758450" y="2369976"/>
+            <a:ext cx="1828800" cy="1828800"/>
+          </a:xfrm>
+          <a:prstGeom prst="ellipse">
+            <a:avLst/>
+          </a:prstGeom>
+          <a:solidFill>
+            <a:schemeClr val="bg1"/>
+          </a:solidFill>
+          <a:ln w="190500">
+            <a:solidFill>
+              <a:schemeClr val="tx2">
+                <a:lumMod val="40000"/>
+                <a:lumOff val="60000"/>
+              </a:schemeClr>
+            </a:solidFill>
+          </a:ln>
+        </p:spPr>
+        <p:style>
+          <a:lnRef idx="2">
+            <a:schemeClr val="accent1">
+              <a:shade val="50000"/>
+            </a:schemeClr>
+          </a:lnRef>
+          <a:fillRef idx="1">
+            <a:schemeClr val="accent1"/>
+          </a:fillRef>
+          <a:effectRef idx="0">
+            <a:schemeClr val="accent1"/>
+          </a:effectRef>
+          <a:fontRef idx="minor">
+            <a:schemeClr val="lt1"/>
+          </a:fontRef>
+        </p:style>
+        <p:txBody>
+          <a:bodyPr rtlCol="0" anchor="ctr"/>
+          <a:lstStyle/>
+          <a:p>
+            <a:pPr algn="ctr"/>
+            <a:endParaRPr lang="en-US"/>
+          </a:p>
+        </p:txBody>
+      </p:sp>
+      <p:sp>
+        <p:nvSpPr>
+          <p:cNvPr id="17" name="Oval 16">
+            <a:extLst>
+              <a:ext uri="{FF2B5EF4-FFF2-40B4-BE49-F238E27FC236}">
+                <a16:creationId xmlns:a16="http://schemas.microsoft.com/office/drawing/2014/main" id="{7E3218EB-2AFA-4306-81C3-A4125056A85D}"/>
+              </a:ext>
+            </a:extLst>
+          </p:cNvPr>
+          <p:cNvSpPr/>
+          <p:nvPr/>
+        </p:nvSpPr>
+        <p:spPr>
+          <a:xfrm>
+            <a:off x="6614083" y="2369976"/>
+            <a:ext cx="1828800" cy="1828800"/>
+          </a:xfrm>
+          <a:prstGeom prst="ellipse">
+            <a:avLst/>
+          </a:prstGeom>
+          <a:solidFill>
+            <a:schemeClr val="bg1"/>
+          </a:solidFill>
+          <a:ln w="190500">
+            <a:solidFill>
+              <a:schemeClr val="accent6"/>
+            </a:solidFill>
+          </a:ln>
+        </p:spPr>
+        <p:style>
+          <a:lnRef idx="2">
+            <a:schemeClr val="accent1">
+              <a:shade val="50000"/>
+            </a:schemeClr>
+          </a:lnRef>
+          <a:fillRef idx="1">
+            <a:schemeClr val="accent1"/>
+          </a:fillRef>
+          <a:effectRef idx="0">
+            <a:schemeClr val="accent1"/>
+          </a:effectRef>
+          <a:fontRef idx="minor">
+            <a:schemeClr val="lt1"/>
+          </a:fontRef>
+        </p:style>
+        <p:txBody>
+          <a:bodyPr rtlCol="0" anchor="ctr"/>
+          <a:lstStyle/>
+          <a:p>
+            <a:pPr algn="ctr"/>
+            <a:endParaRPr lang="en-US"/>
+          </a:p>
+        </p:txBody>
+      </p:sp>
+      <p:sp>
+        <p:nvSpPr>
+          <p:cNvPr id="18" name="Oval 17">
+            <a:extLst>
+              <a:ext uri="{FF2B5EF4-FFF2-40B4-BE49-F238E27FC236}">
+                <a16:creationId xmlns:a16="http://schemas.microsoft.com/office/drawing/2014/main" id="{F7E945BC-666D-4868-B843-FE254F27BFB0}"/>
+              </a:ext>
+            </a:extLst>
+          </p:cNvPr>
+          <p:cNvSpPr/>
+          <p:nvPr/>
+        </p:nvSpPr>
+        <p:spPr>
+          <a:xfrm>
+            <a:off x="9429981" y="2369976"/>
+            <a:ext cx="1828800" cy="1828800"/>
+          </a:xfrm>
+          <a:prstGeom prst="ellipse">
+            <a:avLst/>
+          </a:prstGeom>
+          <a:solidFill>
+            <a:schemeClr val="bg1"/>
+          </a:solidFill>
+          <a:ln w="190500">
+            <a:solidFill>
+              <a:schemeClr val="accent2">
+                <a:lumMod val="75000"/>
+              </a:schemeClr>
+            </a:solidFill>
+          </a:ln>
+        </p:spPr>
+        <p:style>
+          <a:lnRef idx="2">
+            <a:schemeClr val="accent1">
+              <a:shade val="50000"/>
+            </a:schemeClr>
+          </a:lnRef>
+          <a:fillRef idx="1">
+            <a:schemeClr val="accent1"/>
+          </a:fillRef>
+          <a:effectRef idx="0">
+            <a:schemeClr val="accent1"/>
+          </a:effectRef>
+          <a:fontRef idx="minor">
+            <a:schemeClr val="lt1"/>
+          </a:fontRef>
+        </p:style>
+        <p:txBody>
+          <a:bodyPr rtlCol="0" anchor="ctr"/>
+          <a:lstStyle/>
+          <a:p>
+            <a:pPr algn="ctr"/>
+            <a:endParaRPr lang="en-US"/>
+          </a:p>
+        </p:txBody>
+      </p:sp>
+      <p:sp>
+        <p:nvSpPr>
+          <p:cNvPr id="19" name="TextBox 18">
+            <a:extLst>
+              <a:ext uri="{FF2B5EF4-FFF2-40B4-BE49-F238E27FC236}">
+                <a16:creationId xmlns:a16="http://schemas.microsoft.com/office/drawing/2014/main" id="{F6F4C6C1-5168-49A6-AB60-2F5B6D85B6A5}"/>
+              </a:ext>
+            </a:extLst>
+          </p:cNvPr>
+          <p:cNvSpPr txBox="1"/>
+          <p:nvPr/>
+        </p:nvSpPr>
+        <p:spPr>
+          <a:xfrm>
+            <a:off x="775431" y="4300837"/>
+            <a:ext cx="2077262" cy="338554"/>
+          </a:xfrm>
+          <a:prstGeom prst="rect">
+            <a:avLst/>
+          </a:prstGeom>
+          <a:noFill/>
+        </p:spPr>
+        <p:txBody>
+          <a:bodyPr wrap="square" rtlCol="0">
+            <a:spAutoFit/>
+          </a:bodyPr>
+          <a:lstStyle/>
+          <a:p>
+            <a:pPr algn="ctr"/>
+            <a:r>
+              <a:rPr lang="en-US" sz="1600" b="1" dirty="0"/>
+              <a:t>Universal Access</a:t>
+            </a:r>
+          </a:p>
+        </p:txBody>
+      </p:sp>
+      <p:sp>
+        <p:nvSpPr>
+          <p:cNvPr id="20" name="TextBox 19">
+            <a:extLst>
+              <a:ext uri="{FF2B5EF4-FFF2-40B4-BE49-F238E27FC236}">
+                <a16:creationId xmlns:a16="http://schemas.microsoft.com/office/drawing/2014/main" id="{72B39CE9-FD1C-4321-8539-69996590DD8B}"/>
+              </a:ext>
+            </a:extLst>
+          </p:cNvPr>
+          <p:cNvSpPr txBox="1"/>
+          <p:nvPr/>
+        </p:nvSpPr>
+        <p:spPr>
+          <a:xfrm>
+            <a:off x="3634218" y="4300837"/>
+            <a:ext cx="2386985" cy="338554"/>
+          </a:xfrm>
+          <a:prstGeom prst="rect">
+            <a:avLst/>
+          </a:prstGeom>
+          <a:noFill/>
+        </p:spPr>
+        <p:txBody>
+          <a:bodyPr wrap="square" rtlCol="0">
+            <a:spAutoFit/>
+          </a:bodyPr>
+          <a:lstStyle/>
+          <a:p>
+            <a:pPr algn="ctr"/>
+            <a:r>
+              <a:rPr lang="en-US" sz="1600" b="1" dirty="0"/>
+              <a:t>Freedom &amp; Openness</a:t>
+            </a:r>
+          </a:p>
+        </p:txBody>
+      </p:sp>
+      <p:sp>
+        <p:nvSpPr>
+          <p:cNvPr id="21" name="TextBox 20">
+            <a:extLst>
+              <a:ext uri="{FF2B5EF4-FFF2-40B4-BE49-F238E27FC236}">
+                <a16:creationId xmlns:a16="http://schemas.microsoft.com/office/drawing/2014/main" id="{50DEF32F-1A74-4500-A099-7404749F0067}"/>
+              </a:ext>
+            </a:extLst>
+          </p:cNvPr>
+          <p:cNvSpPr txBox="1"/>
+          <p:nvPr/>
+        </p:nvSpPr>
+        <p:spPr>
+          <a:xfrm>
+            <a:off x="6489852" y="4300837"/>
+            <a:ext cx="2077262" cy="338554"/>
+          </a:xfrm>
+          <a:prstGeom prst="rect">
+            <a:avLst/>
+          </a:prstGeom>
+          <a:noFill/>
+        </p:spPr>
+        <p:txBody>
+          <a:bodyPr wrap="square" rtlCol="0">
+            <a:spAutoFit/>
+          </a:bodyPr>
+          <a:lstStyle/>
+          <a:p>
+            <a:pPr algn="ctr"/>
+            <a:r>
+              <a:rPr lang="en-US" sz="1600" b="1" dirty="0"/>
+              <a:t>Relevant Content</a:t>
+            </a:r>
+          </a:p>
+        </p:txBody>
+      </p:sp>
+      <p:sp>
+        <p:nvSpPr>
+          <p:cNvPr id="22" name="TextBox 21">
+            <a:extLst>
+              <a:ext uri="{FF2B5EF4-FFF2-40B4-BE49-F238E27FC236}">
+                <a16:creationId xmlns:a16="http://schemas.microsoft.com/office/drawing/2014/main" id="{C23ACE8A-513E-4037-AF95-67684EE05A04}"/>
+              </a:ext>
+            </a:extLst>
+          </p:cNvPr>
+          <p:cNvSpPr txBox="1"/>
+          <p:nvPr/>
+        </p:nvSpPr>
+        <p:spPr>
+          <a:xfrm>
+            <a:off x="9305750" y="4300837"/>
+            <a:ext cx="2077262" cy="338554"/>
+          </a:xfrm>
+          <a:prstGeom prst="rect">
+            <a:avLst/>
+          </a:prstGeom>
+          <a:noFill/>
+        </p:spPr>
+        <p:txBody>
+          <a:bodyPr wrap="square" rtlCol="0">
+            <a:spAutoFit/>
+          </a:bodyPr>
+          <a:lstStyle/>
+          <a:p>
+            <a:pPr algn="ctr"/>
+            <a:r>
+              <a:rPr lang="en-US" sz="1600" b="1" dirty="0"/>
+              <a:t>Empowerment</a:t>
+            </a:r>
+          </a:p>
+        </p:txBody>
+      </p:sp>
+      <p:pic>
+        <p:nvPicPr>
+          <p:cNvPr id="4098" name="Picture 2">
+            <a:extLst>
+              <a:ext uri="{FF2B5EF4-FFF2-40B4-BE49-F238E27FC236}">
+                <a16:creationId xmlns:a16="http://schemas.microsoft.com/office/drawing/2014/main" id="{E281DFBF-6E4B-446D-B7C9-554DFB25AE75}"/>
+              </a:ext>
+            </a:extLst>
+          </p:cNvPr>
+          <p:cNvPicPr>
+            <a:picLocks noChangeAspect="1" noChangeArrowheads="1"/>
+          </p:cNvPicPr>
+          <p:nvPr/>
+        </p:nvPicPr>
+        <p:blipFill>
+          <a:blip r:embed="rId2">
+            <a:extLst>
+              <a:ext uri="{28A0092B-C50C-407E-A947-70E740481C1C}">
+                <a14:useLocalDpi xmlns:a14="http://schemas.microsoft.com/office/drawing/2010/main" val="0"/>
+              </a:ext>
+            </a:extLst>
+          </a:blip>
+          <a:srcRect/>
+          <a:stretch>
+            <a:fillRect/>
+          </a:stretch>
+        </p:blipFill>
+        <p:spPr bwMode="auto">
+          <a:xfrm>
+            <a:off x="4086810" y="2653627"/>
+            <a:ext cx="1244754" cy="1244754"/>
+          </a:xfrm>
+          <a:prstGeom prst="rect">
+            <a:avLst/>
+          </a:prstGeom>
+          <a:noFill/>
+          <a:extLst>
+            <a:ext uri="{909E8E84-426E-40DD-AFC4-6F175D3DCCD1}">
+              <a14:hiddenFill xmlns:a14="http://schemas.microsoft.com/office/drawing/2010/main">
+                <a:solidFill>
+                  <a:srgbClr val="FFFFFF"/>
+                </a:solidFill>
+              </a14:hiddenFill>
+            </a:ext>
+          </a:extLst>
+        </p:spPr>
+      </p:pic>
+      <p:pic>
+        <p:nvPicPr>
+          <p:cNvPr id="12" name="Picture 11">
+            <a:extLst>
+              <a:ext uri="{FF2B5EF4-FFF2-40B4-BE49-F238E27FC236}">
+                <a16:creationId xmlns:a16="http://schemas.microsoft.com/office/drawing/2014/main" id="{A88C3356-70DF-41C2-A83B-70F8F2FD20D9}"/>
+              </a:ext>
+            </a:extLst>
+          </p:cNvPr>
+          <p:cNvPicPr>
+            <a:picLocks noChangeAspect="1"/>
+          </p:cNvPicPr>
+          <p:nvPr/>
+        </p:nvPicPr>
+        <p:blipFill rotWithShape="1">
+          <a:blip r:embed="rId3"/>
+          <a:srcRect l="-898" t="-2309" r="4822" b="7345"/>
+          <a:stretch/>
+        </p:blipFill>
+        <p:spPr>
+          <a:xfrm>
+            <a:off x="9559104" y="2508656"/>
+            <a:ext cx="1587173" cy="1540560"/>
+          </a:xfrm>
+          <a:prstGeom prst="ellipse">
+            <a:avLst/>
+          </a:prstGeom>
+        </p:spPr>
+      </p:pic>
+      <p:pic>
+        <p:nvPicPr>
+          <p:cNvPr id="24" name="Picture 23">
+            <a:extLst>
+              <a:ext uri="{FF2B5EF4-FFF2-40B4-BE49-F238E27FC236}">
+                <a16:creationId xmlns:a16="http://schemas.microsoft.com/office/drawing/2014/main" id="{DAB55733-9925-42CA-965C-3934ACE6D0D6}"/>
+              </a:ext>
+            </a:extLst>
+          </p:cNvPr>
+          <p:cNvPicPr>
+            <a:picLocks noChangeAspect="1"/>
+          </p:cNvPicPr>
+          <p:nvPr/>
+        </p:nvPicPr>
+        <p:blipFill>
+          <a:blip r:embed="rId4"/>
+          <a:stretch>
+            <a:fillRect/>
+          </a:stretch>
+        </p:blipFill>
+        <p:spPr>
+          <a:xfrm>
+            <a:off x="1072470" y="2523656"/>
+            <a:ext cx="1483183" cy="1525560"/>
+          </a:xfrm>
+          <a:prstGeom prst="ellipse">
+            <a:avLst/>
+          </a:prstGeom>
+        </p:spPr>
+      </p:pic>
+      <p:pic>
+        <p:nvPicPr>
+          <p:cNvPr id="28" name="Picture 27">
+            <a:extLst>
+              <a:ext uri="{FF2B5EF4-FFF2-40B4-BE49-F238E27FC236}">
+                <a16:creationId xmlns:a16="http://schemas.microsoft.com/office/drawing/2014/main" id="{0C11936E-DC8D-4BD2-A47F-6B9997CC5005}"/>
+              </a:ext>
+            </a:extLst>
+          </p:cNvPr>
+          <p:cNvPicPr>
+            <a:picLocks noChangeAspect="1"/>
+          </p:cNvPicPr>
+          <p:nvPr/>
+        </p:nvPicPr>
+        <p:blipFill rotWithShape="1">
+          <a:blip r:embed="rId5"/>
+          <a:srcRect l="21916" t="14265" r="17904" b="9098"/>
+          <a:stretch/>
+        </p:blipFill>
+        <p:spPr>
+          <a:xfrm>
+            <a:off x="6775581" y="2561267"/>
+            <a:ext cx="1505804" cy="1466780"/>
+          </a:xfrm>
+          <a:prstGeom prst="ellipse">
+            <a:avLst/>
+          </a:prstGeom>
+        </p:spPr>
+      </p:pic>
     </p:spTree>
     <p:extLst>
       <p:ext uri="{BB962C8B-B14F-4D97-AF65-F5344CB8AC3E}">
